--- a/The Effect Of Various Census Demographics On Graduation.pptx
+++ b/The Effect Of Various Census Demographics On Graduation.pptx
@@ -6,34 +6,39 @@
   </p:sldMasterIdLst>
   <p:sldIdLst>
     <p:sldId id="256" r:id="rId2"/>
-    <p:sldId id="257" r:id="rId3"/>
-    <p:sldId id="258" r:id="rId4"/>
-    <p:sldId id="259" r:id="rId5"/>
-    <p:sldId id="260" r:id="rId6"/>
-    <p:sldId id="261" r:id="rId7"/>
-    <p:sldId id="262" r:id="rId8"/>
-    <p:sldId id="263" r:id="rId9"/>
-    <p:sldId id="264" r:id="rId10"/>
-    <p:sldId id="270" r:id="rId11"/>
-    <p:sldId id="266" r:id="rId12"/>
-    <p:sldId id="267" r:id="rId13"/>
-    <p:sldId id="268" r:id="rId14"/>
-    <p:sldId id="269" r:id="rId15"/>
-    <p:sldId id="271" r:id="rId16"/>
-    <p:sldId id="272" r:id="rId17"/>
-    <p:sldId id="273" r:id="rId18"/>
-    <p:sldId id="274" r:id="rId19"/>
-    <p:sldId id="276" r:id="rId20"/>
-    <p:sldId id="275" r:id="rId21"/>
-    <p:sldId id="277" r:id="rId22"/>
-    <p:sldId id="278" r:id="rId23"/>
-    <p:sldId id="279" r:id="rId24"/>
-    <p:sldId id="280" r:id="rId25"/>
-    <p:sldId id="281" r:id="rId26"/>
-    <p:sldId id="282" r:id="rId27"/>
-    <p:sldId id="283" r:id="rId28"/>
-    <p:sldId id="284" r:id="rId29"/>
-    <p:sldId id="285" r:id="rId30"/>
+    <p:sldId id="286" r:id="rId3"/>
+    <p:sldId id="287" r:id="rId4"/>
+    <p:sldId id="288" r:id="rId5"/>
+    <p:sldId id="257" r:id="rId6"/>
+    <p:sldId id="258" r:id="rId7"/>
+    <p:sldId id="259" r:id="rId8"/>
+    <p:sldId id="260" r:id="rId9"/>
+    <p:sldId id="261" r:id="rId10"/>
+    <p:sldId id="262" r:id="rId11"/>
+    <p:sldId id="263" r:id="rId12"/>
+    <p:sldId id="289" r:id="rId13"/>
+    <p:sldId id="290" r:id="rId14"/>
+    <p:sldId id="264" r:id="rId15"/>
+    <p:sldId id="270" r:id="rId16"/>
+    <p:sldId id="266" r:id="rId17"/>
+    <p:sldId id="267" r:id="rId18"/>
+    <p:sldId id="268" r:id="rId19"/>
+    <p:sldId id="269" r:id="rId20"/>
+    <p:sldId id="271" r:id="rId21"/>
+    <p:sldId id="272" r:id="rId22"/>
+    <p:sldId id="273" r:id="rId23"/>
+    <p:sldId id="274" r:id="rId24"/>
+    <p:sldId id="276" r:id="rId25"/>
+    <p:sldId id="275" r:id="rId26"/>
+    <p:sldId id="277" r:id="rId27"/>
+    <p:sldId id="278" r:id="rId28"/>
+    <p:sldId id="279" r:id="rId29"/>
+    <p:sldId id="280" r:id="rId30"/>
+    <p:sldId id="281" r:id="rId31"/>
+    <p:sldId id="282" r:id="rId32"/>
+    <p:sldId id="283" r:id="rId33"/>
+    <p:sldId id="284" r:id="rId34"/>
+    <p:sldId id="285" r:id="rId35"/>
   </p:sldIdLst>
   <p:sldSz cx="12192000" cy="6858000"/>
   <p:notesSz cx="6858000" cy="9144000"/>
@@ -132,6 +137,11 @@
       </a:defRPr>
     </a:lvl9pPr>
   </p:defaultTextStyle>
+  <p:extLst>
+    <p:ext uri="{EFAFB233-063F-42B5-8137-9DF3F51BA10A}">
+      <p15:sldGuideLst xmlns:p15="http://schemas.microsoft.com/office/powerpoint/2012/main"/>
+    </p:ext>
+  </p:extLst>
 </p:presentation>
 </file>
 
@@ -3125,11 +3135,19 @@
             </a:r>
             <a:r>
               <a:rPr lang="en-US" dirty="0" smtClean="0"/>
-              <a:t>Justin &amp;,</a:t>
+              <a:t>Justin, </a:t>
+            </a:r>
+            <a:r>
+              <a:rPr lang="en-US" dirty="0" err="1" smtClean="0"/>
+              <a:t>Pavan</a:t>
             </a:r>
             <a:r>
               <a:rPr lang="en-US" dirty="0" smtClean="0"/>
-              <a:t> Terry.</a:t>
+              <a:t> </a:t>
+            </a:r>
+            <a:r>
+              <a:rPr lang="en-US" dirty="0" smtClean="0"/>
+              <a:t>&amp;, Terry.</a:t>
             </a:r>
             <a:endParaRPr lang="en-US" dirty="0"/>
           </a:p>
@@ -3156,6 +3174,509 @@
 </file>
 
 <file path=ppt/slides/slide10.xml><?xml version="1.0" encoding="utf-8"?>
+<p:sld xmlns:a="http://schemas.openxmlformats.org/drawingml/2006/main" xmlns:r="http://schemas.openxmlformats.org/officeDocument/2006/relationships" xmlns:p="http://schemas.openxmlformats.org/presentationml/2006/main">
+  <p:cSld>
+    <p:spTree>
+      <p:nvGrpSpPr>
+        <p:cNvPr id="1" name=""/>
+        <p:cNvGrpSpPr/>
+        <p:nvPr/>
+      </p:nvGrpSpPr>
+      <p:grpSpPr>
+        <a:xfrm>
+          <a:off x="0" y="0"/>
+          <a:ext cx="0" cy="0"/>
+          <a:chOff x="0" y="0"/>
+          <a:chExt cx="0" cy="0"/>
+        </a:xfrm>
+      </p:grpSpPr>
+      <p:sp>
+        <p:nvSpPr>
+          <p:cNvPr id="2" name="Title 1"/>
+          <p:cNvSpPr>
+            <a:spLocks noGrp="1"/>
+          </p:cNvSpPr>
+          <p:nvPr>
+            <p:ph type="title"/>
+          </p:nvPr>
+        </p:nvSpPr>
+        <p:spPr/>
+        <p:txBody>
+          <a:bodyPr/>
+          <a:lstStyle/>
+          <a:p>
+            <a:endParaRPr lang="en-US"/>
+          </a:p>
+        </p:txBody>
+      </p:sp>
+      <p:pic>
+        <p:nvPicPr>
+          <p:cNvPr id="4" name="Content Placeholder 3"/>
+          <p:cNvPicPr>
+            <a:picLocks noGrp="1" noChangeAspect="1"/>
+          </p:cNvPicPr>
+          <p:nvPr>
+            <p:ph idx="1"/>
+          </p:nvPr>
+        </p:nvPicPr>
+        <p:blipFill>
+          <a:blip r:embed="rId2">
+            <a:extLst>
+              <a:ext uri="{28A0092B-C50C-407E-A947-70E740481C1C}">
+                <a14:useLocalDpi xmlns:a14="http://schemas.microsoft.com/office/drawing/2010/main" val="0"/>
+              </a:ext>
+            </a:extLst>
+          </a:blip>
+          <a:stretch>
+            <a:fillRect/>
+          </a:stretch>
+        </p:blipFill>
+        <p:spPr>
+          <a:xfrm>
+            <a:off x="106681" y="112543"/>
+            <a:ext cx="11845482" cy="6611814"/>
+          </a:xfrm>
+        </p:spPr>
+      </p:pic>
+    </p:spTree>
+    <p:extLst>
+      <p:ext uri="{BB962C8B-B14F-4D97-AF65-F5344CB8AC3E}">
+        <p14:creationId xmlns:p14="http://schemas.microsoft.com/office/powerpoint/2010/main" val="2382348052"/>
+      </p:ext>
+    </p:extLst>
+  </p:cSld>
+  <p:clrMapOvr>
+    <a:masterClrMapping/>
+  </p:clrMapOvr>
+  <p:timing>
+    <p:tnLst>
+      <p:par>
+        <p:cTn id="1" dur="indefinite" restart="never" nodeType="tmRoot"/>
+      </p:par>
+    </p:tnLst>
+  </p:timing>
+</p:sld>
+</file>
+
+<file path=ppt/slides/slide11.xml><?xml version="1.0" encoding="utf-8"?>
+<p:sld xmlns:a="http://schemas.openxmlformats.org/drawingml/2006/main" xmlns:r="http://schemas.openxmlformats.org/officeDocument/2006/relationships" xmlns:p="http://schemas.openxmlformats.org/presentationml/2006/main">
+  <p:cSld>
+    <p:spTree>
+      <p:nvGrpSpPr>
+        <p:cNvPr id="1" name=""/>
+        <p:cNvGrpSpPr/>
+        <p:nvPr/>
+      </p:nvGrpSpPr>
+      <p:grpSpPr>
+        <a:xfrm>
+          <a:off x="0" y="0"/>
+          <a:ext cx="0" cy="0"/>
+          <a:chOff x="0" y="0"/>
+          <a:chExt cx="0" cy="0"/>
+        </a:xfrm>
+      </p:grpSpPr>
+      <p:sp>
+        <p:nvSpPr>
+          <p:cNvPr id="2" name="Title 1"/>
+          <p:cNvSpPr>
+            <a:spLocks noGrp="1"/>
+          </p:cNvSpPr>
+          <p:nvPr>
+            <p:ph type="title"/>
+          </p:nvPr>
+        </p:nvSpPr>
+        <p:spPr/>
+        <p:txBody>
+          <a:bodyPr/>
+          <a:lstStyle/>
+          <a:p>
+            <a:endParaRPr lang="en-US"/>
+          </a:p>
+        </p:txBody>
+      </p:sp>
+      <p:pic>
+        <p:nvPicPr>
+          <p:cNvPr id="4" name="Content Placeholder 3"/>
+          <p:cNvPicPr>
+            <a:picLocks noGrp="1" noChangeAspect="1"/>
+          </p:cNvPicPr>
+          <p:nvPr>
+            <p:ph idx="1"/>
+          </p:nvPr>
+        </p:nvPicPr>
+        <p:blipFill>
+          <a:blip r:embed="rId2">
+            <a:extLst>
+              <a:ext uri="{28A0092B-C50C-407E-A947-70E740481C1C}">
+                <a14:useLocalDpi xmlns:a14="http://schemas.microsoft.com/office/drawing/2010/main" val="0"/>
+              </a:ext>
+            </a:extLst>
+          </a:blip>
+          <a:stretch>
+            <a:fillRect/>
+          </a:stretch>
+        </p:blipFill>
+        <p:spPr>
+          <a:xfrm>
+            <a:off x="160980" y="365125"/>
+            <a:ext cx="12031020" cy="6375840"/>
+          </a:xfrm>
+        </p:spPr>
+      </p:pic>
+    </p:spTree>
+    <p:extLst>
+      <p:ext uri="{BB962C8B-B14F-4D97-AF65-F5344CB8AC3E}">
+        <p14:creationId xmlns:p14="http://schemas.microsoft.com/office/powerpoint/2010/main" val="3347716296"/>
+      </p:ext>
+    </p:extLst>
+  </p:cSld>
+  <p:clrMapOvr>
+    <a:masterClrMapping/>
+  </p:clrMapOvr>
+  <p:timing>
+    <p:tnLst>
+      <p:par>
+        <p:cTn id="1" dur="indefinite" restart="never" nodeType="tmRoot"/>
+      </p:par>
+    </p:tnLst>
+  </p:timing>
+</p:sld>
+</file>
+
+<file path=ppt/slides/slide12.xml><?xml version="1.0" encoding="utf-8"?>
+<p:sld xmlns:a="http://schemas.openxmlformats.org/drawingml/2006/main" xmlns:r="http://schemas.openxmlformats.org/officeDocument/2006/relationships" xmlns:p="http://schemas.openxmlformats.org/presentationml/2006/main">
+  <p:cSld>
+    <p:spTree>
+      <p:nvGrpSpPr>
+        <p:cNvPr id="1" name=""/>
+        <p:cNvGrpSpPr/>
+        <p:nvPr/>
+      </p:nvGrpSpPr>
+      <p:grpSpPr>
+        <a:xfrm>
+          <a:off x="0" y="0"/>
+          <a:ext cx="0" cy="0"/>
+          <a:chOff x="0" y="0"/>
+          <a:chExt cx="0" cy="0"/>
+        </a:xfrm>
+      </p:grpSpPr>
+      <p:sp>
+        <p:nvSpPr>
+          <p:cNvPr id="2" name="Title 1"/>
+          <p:cNvSpPr>
+            <a:spLocks noGrp="1"/>
+          </p:cNvSpPr>
+          <p:nvPr>
+            <p:ph type="title"/>
+          </p:nvPr>
+        </p:nvSpPr>
+        <p:spPr/>
+        <p:txBody>
+          <a:bodyPr/>
+          <a:lstStyle/>
+          <a:p>
+            <a:r>
+              <a:rPr lang="en-US" dirty="0" smtClean="0"/>
+              <a:t>Noticeable Trends </a:t>
+            </a:r>
+            <a:endParaRPr lang="en-US" dirty="0"/>
+          </a:p>
+        </p:txBody>
+      </p:sp>
+      <p:sp>
+        <p:nvSpPr>
+          <p:cNvPr id="3" name="Content Placeholder 2"/>
+          <p:cNvSpPr>
+            <a:spLocks noGrp="1"/>
+          </p:cNvSpPr>
+          <p:nvPr>
+            <p:ph idx="1"/>
+          </p:nvPr>
+        </p:nvSpPr>
+        <p:spPr/>
+        <p:txBody>
+          <a:bodyPr/>
+          <a:lstStyle/>
+          <a:p>
+            <a:r>
+              <a:rPr lang="en-US" dirty="0" smtClean="0"/>
+              <a:t>Graduation rates,</a:t>
+            </a:r>
+            <a:r>
+              <a:rPr lang="en-US" dirty="0"/>
+              <a:t> Household </a:t>
+            </a:r>
+            <a:r>
+              <a:rPr lang="en-US" dirty="0" smtClean="0"/>
+              <a:t>size and </a:t>
+            </a:r>
+            <a:r>
+              <a:rPr lang="en-US" dirty="0"/>
+              <a:t>Unemployment rate</a:t>
+            </a:r>
+            <a:r>
+              <a:rPr lang="en-US" dirty="0" smtClean="0"/>
+              <a:t>  are very similar </a:t>
+            </a:r>
+          </a:p>
+          <a:p>
+            <a:r>
+              <a:rPr lang="en-US" dirty="0" smtClean="0"/>
+              <a:t>New Jersey has the lowest poverty rate and New York has the highest poverty rate</a:t>
+            </a:r>
+          </a:p>
+          <a:p>
+            <a:r>
+              <a:rPr lang="en-US" dirty="0" smtClean="0"/>
+              <a:t>Median income rate is higher New Jersey</a:t>
+            </a:r>
+          </a:p>
+          <a:p>
+            <a:r>
+              <a:rPr lang="en-US" dirty="0"/>
+              <a:t>Speak a language other than English by </a:t>
+            </a:r>
+            <a:r>
+              <a:rPr lang="en-US" dirty="0" smtClean="0"/>
+              <a:t>state is higher in New Jersey</a:t>
+            </a:r>
+          </a:p>
+          <a:p>
+            <a:r>
+              <a:rPr lang="en-US" dirty="0" smtClean="0"/>
+              <a:t> New Jersey has a higher median and a better over all graduation rate.</a:t>
+            </a:r>
+            <a:endParaRPr lang="en-US" dirty="0"/>
+          </a:p>
+          <a:p>
+            <a:endParaRPr lang="en-US" dirty="0" smtClean="0"/>
+          </a:p>
+        </p:txBody>
+      </p:sp>
+    </p:spTree>
+    <p:extLst>
+      <p:ext uri="{BB962C8B-B14F-4D97-AF65-F5344CB8AC3E}">
+        <p14:creationId xmlns:p14="http://schemas.microsoft.com/office/powerpoint/2010/main" val="3520631133"/>
+      </p:ext>
+    </p:extLst>
+  </p:cSld>
+  <p:clrMapOvr>
+    <a:masterClrMapping/>
+  </p:clrMapOvr>
+</p:sld>
+</file>
+
+<file path=ppt/slides/slide13.xml><?xml version="1.0" encoding="utf-8"?>
+<p:sld xmlns:a="http://schemas.openxmlformats.org/drawingml/2006/main" xmlns:r="http://schemas.openxmlformats.org/officeDocument/2006/relationships" xmlns:p="http://schemas.openxmlformats.org/presentationml/2006/main">
+  <p:cSld>
+    <p:spTree>
+      <p:nvGrpSpPr>
+        <p:cNvPr id="1" name=""/>
+        <p:cNvGrpSpPr/>
+        <p:nvPr/>
+      </p:nvGrpSpPr>
+      <p:grpSpPr>
+        <a:xfrm>
+          <a:off x="0" y="0"/>
+          <a:ext cx="0" cy="0"/>
+          <a:chOff x="0" y="0"/>
+          <a:chExt cx="0" cy="0"/>
+        </a:xfrm>
+      </p:grpSpPr>
+      <p:sp>
+        <p:nvSpPr>
+          <p:cNvPr id="2" name="Title 1"/>
+          <p:cNvSpPr>
+            <a:spLocks noGrp="1"/>
+          </p:cNvSpPr>
+          <p:nvPr>
+            <p:ph type="title"/>
+          </p:nvPr>
+        </p:nvSpPr>
+        <p:spPr/>
+        <p:txBody>
+          <a:bodyPr/>
+          <a:lstStyle/>
+          <a:p>
+            <a:r>
+              <a:rPr lang="en-US" dirty="0" smtClean="0"/>
+              <a:t>Correlation by County </a:t>
+            </a:r>
+            <a:endParaRPr lang="en-US" dirty="0"/>
+          </a:p>
+        </p:txBody>
+      </p:sp>
+      <p:sp>
+        <p:nvSpPr>
+          <p:cNvPr id="3" name="Content Placeholder 2"/>
+          <p:cNvSpPr>
+            <a:spLocks noGrp="1"/>
+          </p:cNvSpPr>
+          <p:nvPr>
+            <p:ph idx="1"/>
+          </p:nvPr>
+        </p:nvSpPr>
+        <p:spPr/>
+        <p:txBody>
+          <a:bodyPr/>
+          <a:lstStyle/>
+          <a:p>
+            <a:r>
+              <a:rPr lang="en-US" dirty="0"/>
+              <a:t>Graduation rate by </a:t>
+            </a:r>
+            <a:r>
+              <a:rPr lang="en-US" dirty="0" smtClean="0"/>
+              <a:t>County</a:t>
+            </a:r>
+            <a:endParaRPr lang="en-US" dirty="0"/>
+          </a:p>
+          <a:p>
+            <a:r>
+              <a:rPr lang="en-US" dirty="0"/>
+              <a:t>Poverty rate by </a:t>
+            </a:r>
+            <a:r>
+              <a:rPr lang="en-US" dirty="0" smtClean="0"/>
+              <a:t>County</a:t>
+            </a:r>
+            <a:endParaRPr lang="en-US" dirty="0"/>
+          </a:p>
+          <a:p>
+            <a:r>
+              <a:rPr lang="en-US" dirty="0"/>
+              <a:t>Household size by </a:t>
+            </a:r>
+            <a:r>
+              <a:rPr lang="en-US" dirty="0" smtClean="0"/>
+              <a:t>County </a:t>
+            </a:r>
+            <a:endParaRPr lang="en-US" dirty="0"/>
+          </a:p>
+          <a:p>
+            <a:r>
+              <a:rPr lang="en-US" dirty="0"/>
+              <a:t>Unemployment rate by </a:t>
+            </a:r>
+            <a:r>
+              <a:rPr lang="en-US" dirty="0" smtClean="0"/>
+              <a:t>County</a:t>
+            </a:r>
+            <a:endParaRPr lang="en-US" dirty="0"/>
+          </a:p>
+          <a:p>
+            <a:r>
+              <a:rPr lang="en-US" dirty="0"/>
+              <a:t>Median income rate by </a:t>
+            </a:r>
+            <a:r>
+              <a:rPr lang="en-US" dirty="0" smtClean="0"/>
+              <a:t>County</a:t>
+            </a:r>
+            <a:endParaRPr lang="en-US" dirty="0"/>
+          </a:p>
+          <a:p>
+            <a:r>
+              <a:rPr lang="en-US" dirty="0"/>
+              <a:t>Speak a language other than English by </a:t>
+            </a:r>
+            <a:r>
+              <a:rPr lang="en-US" dirty="0" smtClean="0"/>
+              <a:t>County</a:t>
+            </a:r>
+            <a:endParaRPr lang="en-US" dirty="0"/>
+          </a:p>
+          <a:p>
+            <a:pPr marL="0" indent="0">
+              <a:buNone/>
+            </a:pPr>
+            <a:endParaRPr lang="en-US" dirty="0"/>
+          </a:p>
+          <a:p>
+            <a:endParaRPr lang="en-US" dirty="0"/>
+          </a:p>
+        </p:txBody>
+      </p:sp>
+    </p:spTree>
+    <p:extLst>
+      <p:ext uri="{BB962C8B-B14F-4D97-AF65-F5344CB8AC3E}">
+        <p14:creationId xmlns:p14="http://schemas.microsoft.com/office/powerpoint/2010/main" val="3368872332"/>
+      </p:ext>
+    </p:extLst>
+  </p:cSld>
+  <p:clrMapOvr>
+    <a:masterClrMapping/>
+  </p:clrMapOvr>
+</p:sld>
+</file>
+
+<file path=ppt/slides/slide14.xml><?xml version="1.0" encoding="utf-8"?>
+<p:sld xmlns:a="http://schemas.openxmlformats.org/drawingml/2006/main" xmlns:r="http://schemas.openxmlformats.org/officeDocument/2006/relationships" xmlns:p="http://schemas.openxmlformats.org/presentationml/2006/main">
+  <p:cSld>
+    <p:spTree>
+      <p:nvGrpSpPr>
+        <p:cNvPr id="1" name=""/>
+        <p:cNvGrpSpPr/>
+        <p:nvPr/>
+      </p:nvGrpSpPr>
+      <p:grpSpPr>
+        <a:xfrm>
+          <a:off x="0" y="0"/>
+          <a:ext cx="0" cy="0"/>
+          <a:chOff x="0" y="0"/>
+          <a:chExt cx="0" cy="0"/>
+        </a:xfrm>
+      </p:grpSpPr>
+      <p:pic>
+        <p:nvPicPr>
+          <p:cNvPr id="8" name="Content Placeholder 7"/>
+          <p:cNvPicPr>
+            <a:picLocks noGrp="1" noChangeAspect="1"/>
+          </p:cNvPicPr>
+          <p:nvPr>
+            <p:ph idx="1"/>
+          </p:nvPr>
+        </p:nvPicPr>
+        <p:blipFill>
+          <a:blip r:embed="rId2">
+            <a:extLst>
+              <a:ext uri="{28A0092B-C50C-407E-A947-70E740481C1C}">
+                <a14:useLocalDpi xmlns:a14="http://schemas.microsoft.com/office/drawing/2010/main" val="0"/>
+              </a:ext>
+            </a:extLst>
+          </a:blip>
+          <a:stretch>
+            <a:fillRect/>
+          </a:stretch>
+        </p:blipFill>
+        <p:spPr>
+          <a:xfrm>
+            <a:off x="167763" y="1690688"/>
+            <a:ext cx="11856474" cy="5009271"/>
+          </a:xfrm>
+        </p:spPr>
+      </p:pic>
+    </p:spTree>
+    <p:extLst>
+      <p:ext uri="{BB962C8B-B14F-4D97-AF65-F5344CB8AC3E}">
+        <p14:creationId xmlns:p14="http://schemas.microsoft.com/office/powerpoint/2010/main" val="971825008"/>
+      </p:ext>
+    </p:extLst>
+  </p:cSld>
+  <p:clrMapOvr>
+    <a:masterClrMapping/>
+  </p:clrMapOvr>
+  <p:timing>
+    <p:tnLst>
+      <p:par>
+        <p:cTn id="1" dur="indefinite" restart="never" nodeType="tmRoot"/>
+      </p:par>
+    </p:tnLst>
+  </p:timing>
+</p:sld>
+</file>
+
+<file path=ppt/slides/slide15.xml><?xml version="1.0" encoding="utf-8"?>
 <p:sld xmlns:a="http://schemas.openxmlformats.org/drawingml/2006/main" xmlns:r="http://schemas.openxmlformats.org/officeDocument/2006/relationships" xmlns:p="http://schemas.openxmlformats.org/presentationml/2006/main">
   <p:cSld>
     <p:bg>
@@ -3244,7 +3765,7 @@
 </p:sld>
 </file>
 
-<file path=ppt/slides/slide11.xml><?xml version="1.0" encoding="utf-8"?>
+<file path=ppt/slides/slide16.xml><?xml version="1.0" encoding="utf-8"?>
 <p:sld xmlns:a="http://schemas.openxmlformats.org/drawingml/2006/main" xmlns:r="http://schemas.openxmlformats.org/officeDocument/2006/relationships" xmlns:p="http://schemas.openxmlformats.org/presentationml/2006/main">
   <p:cSld>
     <p:bg>
@@ -3333,7 +3854,7 @@
 </p:sld>
 </file>
 
-<file path=ppt/slides/slide12.xml><?xml version="1.0" encoding="utf-8"?>
+<file path=ppt/slides/slide17.xml><?xml version="1.0" encoding="utf-8"?>
 <p:sld xmlns:a="http://schemas.openxmlformats.org/drawingml/2006/main" xmlns:r="http://schemas.openxmlformats.org/officeDocument/2006/relationships" xmlns:p="http://schemas.openxmlformats.org/presentationml/2006/main">
   <p:cSld>
     <p:bg>
@@ -3422,7 +3943,7 @@
 </p:sld>
 </file>
 
-<file path=ppt/slides/slide13.xml><?xml version="1.0" encoding="utf-8"?>
+<file path=ppt/slides/slide18.xml><?xml version="1.0" encoding="utf-8"?>
 <p:sld xmlns:a="http://schemas.openxmlformats.org/drawingml/2006/main" xmlns:r="http://schemas.openxmlformats.org/officeDocument/2006/relationships" xmlns:p="http://schemas.openxmlformats.org/presentationml/2006/main">
   <p:cSld>
     <p:bg>
@@ -3473,451 +3994,6 @@
 </p:sld>
 </file>
 
-<file path=ppt/slides/slide14.xml><?xml version="1.0" encoding="utf-8"?>
-<p:sld xmlns:a="http://schemas.openxmlformats.org/drawingml/2006/main" xmlns:r="http://schemas.openxmlformats.org/officeDocument/2006/relationships" xmlns:p="http://schemas.openxmlformats.org/presentationml/2006/main">
-  <p:cSld>
-    <p:bg>
-      <p:bgPr>
-        <a:blipFill dpi="0" rotWithShape="1">
-          <a:blip r:embed="rId2">
-            <a:lum/>
-          </a:blip>
-          <a:srcRect/>
-          <a:stretch>
-            <a:fillRect/>
-          </a:stretch>
-        </a:blipFill>
-        <a:effectLst/>
-      </p:bgPr>
-    </p:bg>
-    <p:spTree>
-      <p:nvGrpSpPr>
-        <p:cNvPr id="1" name=""/>
-        <p:cNvGrpSpPr/>
-        <p:nvPr/>
-      </p:nvGrpSpPr>
-      <p:grpSpPr>
-        <a:xfrm>
-          <a:off x="0" y="0"/>
-          <a:ext cx="0" cy="0"/>
-          <a:chOff x="0" y="0"/>
-          <a:chExt cx="0" cy="0"/>
-        </a:xfrm>
-      </p:grpSpPr>
-      <p:sp>
-        <p:nvSpPr>
-          <p:cNvPr id="2" name="Title 1"/>
-          <p:cNvSpPr>
-            <a:spLocks noGrp="1"/>
-          </p:cNvSpPr>
-          <p:nvPr>
-            <p:ph type="title"/>
-          </p:nvPr>
-        </p:nvSpPr>
-        <p:spPr/>
-        <p:txBody>
-          <a:bodyPr/>
-          <a:lstStyle/>
-          <a:p>
-            <a:endParaRPr lang="en-US"/>
-          </a:p>
-        </p:txBody>
-      </p:sp>
-      <p:sp>
-        <p:nvSpPr>
-          <p:cNvPr id="3" name="Content Placeholder 2"/>
-          <p:cNvSpPr>
-            <a:spLocks noGrp="1"/>
-          </p:cNvSpPr>
-          <p:nvPr>
-            <p:ph idx="1"/>
-          </p:nvPr>
-        </p:nvSpPr>
-        <p:spPr/>
-        <p:txBody>
-          <a:bodyPr/>
-          <a:lstStyle/>
-          <a:p>
-            <a:endParaRPr lang="en-US"/>
-          </a:p>
-        </p:txBody>
-      </p:sp>
-    </p:spTree>
-    <p:extLst>
-      <p:ext uri="{BB962C8B-B14F-4D97-AF65-F5344CB8AC3E}">
-        <p14:creationId xmlns:p14="http://schemas.microsoft.com/office/powerpoint/2010/main" val="3058812331"/>
-      </p:ext>
-    </p:extLst>
-  </p:cSld>
-  <p:clrMapOvr>
-    <a:masterClrMapping/>
-  </p:clrMapOvr>
-  <p:timing>
-    <p:tnLst>
-      <p:par>
-        <p:cTn id="1" dur="indefinite" restart="never" nodeType="tmRoot"/>
-      </p:par>
-    </p:tnLst>
-  </p:timing>
-</p:sld>
-</file>
-
-<file path=ppt/slides/slide15.xml><?xml version="1.0" encoding="utf-8"?>
-<p:sld xmlns:a="http://schemas.openxmlformats.org/drawingml/2006/main" xmlns:r="http://schemas.openxmlformats.org/officeDocument/2006/relationships" xmlns:p="http://schemas.openxmlformats.org/presentationml/2006/main">
-  <p:cSld>
-    <p:bg>
-      <p:bgPr>
-        <a:blipFill dpi="0" rotWithShape="1">
-          <a:blip r:embed="rId2">
-            <a:lum/>
-          </a:blip>
-          <a:srcRect/>
-          <a:stretch>
-            <a:fillRect/>
-          </a:stretch>
-        </a:blipFill>
-        <a:effectLst/>
-      </p:bgPr>
-    </p:bg>
-    <p:spTree>
-      <p:nvGrpSpPr>
-        <p:cNvPr id="1" name=""/>
-        <p:cNvGrpSpPr/>
-        <p:nvPr/>
-      </p:nvGrpSpPr>
-      <p:grpSpPr>
-        <a:xfrm>
-          <a:off x="0" y="0"/>
-          <a:ext cx="0" cy="0"/>
-          <a:chOff x="0" y="0"/>
-          <a:chExt cx="0" cy="0"/>
-        </a:xfrm>
-      </p:grpSpPr>
-      <p:sp>
-        <p:nvSpPr>
-          <p:cNvPr id="2" name="Title 1"/>
-          <p:cNvSpPr>
-            <a:spLocks noGrp="1"/>
-          </p:cNvSpPr>
-          <p:nvPr>
-            <p:ph type="title"/>
-          </p:nvPr>
-        </p:nvSpPr>
-        <p:spPr/>
-        <p:txBody>
-          <a:bodyPr/>
-          <a:lstStyle/>
-          <a:p>
-            <a:endParaRPr lang="en-US"/>
-          </a:p>
-        </p:txBody>
-      </p:sp>
-      <p:sp>
-        <p:nvSpPr>
-          <p:cNvPr id="3" name="Content Placeholder 2"/>
-          <p:cNvSpPr>
-            <a:spLocks noGrp="1"/>
-          </p:cNvSpPr>
-          <p:nvPr>
-            <p:ph idx="1"/>
-          </p:nvPr>
-        </p:nvSpPr>
-        <p:spPr/>
-        <p:txBody>
-          <a:bodyPr/>
-          <a:lstStyle/>
-          <a:p>
-            <a:endParaRPr lang="en-US"/>
-          </a:p>
-        </p:txBody>
-      </p:sp>
-    </p:spTree>
-    <p:extLst>
-      <p:ext uri="{BB962C8B-B14F-4D97-AF65-F5344CB8AC3E}">
-        <p14:creationId xmlns:p14="http://schemas.microsoft.com/office/powerpoint/2010/main" val="144025465"/>
-      </p:ext>
-    </p:extLst>
-  </p:cSld>
-  <p:clrMapOvr>
-    <a:masterClrMapping/>
-  </p:clrMapOvr>
-  <p:timing>
-    <p:tnLst>
-      <p:par>
-        <p:cTn id="1" dur="indefinite" restart="never" nodeType="tmRoot"/>
-      </p:par>
-    </p:tnLst>
-  </p:timing>
-</p:sld>
-</file>
-
-<file path=ppt/slides/slide16.xml><?xml version="1.0" encoding="utf-8"?>
-<p:sld xmlns:a="http://schemas.openxmlformats.org/drawingml/2006/main" xmlns:r="http://schemas.openxmlformats.org/officeDocument/2006/relationships" xmlns:p="http://schemas.openxmlformats.org/presentationml/2006/main">
-  <p:cSld>
-    <p:bg>
-      <p:bgPr>
-        <a:blipFill dpi="0" rotWithShape="1">
-          <a:blip r:embed="rId2">
-            <a:lum/>
-          </a:blip>
-          <a:srcRect/>
-          <a:stretch>
-            <a:fillRect/>
-          </a:stretch>
-        </a:blipFill>
-        <a:effectLst/>
-      </p:bgPr>
-    </p:bg>
-    <p:spTree>
-      <p:nvGrpSpPr>
-        <p:cNvPr id="1" name=""/>
-        <p:cNvGrpSpPr/>
-        <p:nvPr/>
-      </p:nvGrpSpPr>
-      <p:grpSpPr>
-        <a:xfrm>
-          <a:off x="0" y="0"/>
-          <a:ext cx="0" cy="0"/>
-          <a:chOff x="0" y="0"/>
-          <a:chExt cx="0" cy="0"/>
-        </a:xfrm>
-      </p:grpSpPr>
-      <p:sp>
-        <p:nvSpPr>
-          <p:cNvPr id="2" name="Title 1"/>
-          <p:cNvSpPr>
-            <a:spLocks noGrp="1"/>
-          </p:cNvSpPr>
-          <p:nvPr>
-            <p:ph type="title"/>
-          </p:nvPr>
-        </p:nvSpPr>
-        <p:spPr/>
-        <p:txBody>
-          <a:bodyPr/>
-          <a:lstStyle/>
-          <a:p>
-            <a:endParaRPr lang="en-US"/>
-          </a:p>
-        </p:txBody>
-      </p:sp>
-      <p:sp>
-        <p:nvSpPr>
-          <p:cNvPr id="3" name="Content Placeholder 2"/>
-          <p:cNvSpPr>
-            <a:spLocks noGrp="1"/>
-          </p:cNvSpPr>
-          <p:nvPr>
-            <p:ph idx="1"/>
-          </p:nvPr>
-        </p:nvSpPr>
-        <p:spPr/>
-        <p:txBody>
-          <a:bodyPr/>
-          <a:lstStyle/>
-          <a:p>
-            <a:endParaRPr lang="en-US"/>
-          </a:p>
-        </p:txBody>
-      </p:sp>
-    </p:spTree>
-    <p:extLst>
-      <p:ext uri="{BB962C8B-B14F-4D97-AF65-F5344CB8AC3E}">
-        <p14:creationId xmlns:p14="http://schemas.microsoft.com/office/powerpoint/2010/main" val="3649231132"/>
-      </p:ext>
-    </p:extLst>
-  </p:cSld>
-  <p:clrMapOvr>
-    <a:masterClrMapping/>
-  </p:clrMapOvr>
-  <p:timing>
-    <p:tnLst>
-      <p:par>
-        <p:cTn id="1" dur="indefinite" restart="never" nodeType="tmRoot"/>
-      </p:par>
-    </p:tnLst>
-  </p:timing>
-</p:sld>
-</file>
-
-<file path=ppt/slides/slide17.xml><?xml version="1.0" encoding="utf-8"?>
-<p:sld xmlns:a="http://schemas.openxmlformats.org/drawingml/2006/main" xmlns:r="http://schemas.openxmlformats.org/officeDocument/2006/relationships" xmlns:p="http://schemas.openxmlformats.org/presentationml/2006/main">
-  <p:cSld>
-    <p:bg>
-      <p:bgPr>
-        <a:blipFill dpi="0" rotWithShape="1">
-          <a:blip r:embed="rId2">
-            <a:lum/>
-          </a:blip>
-          <a:srcRect/>
-          <a:stretch>
-            <a:fillRect/>
-          </a:stretch>
-        </a:blipFill>
-        <a:effectLst/>
-      </p:bgPr>
-    </p:bg>
-    <p:spTree>
-      <p:nvGrpSpPr>
-        <p:cNvPr id="1" name=""/>
-        <p:cNvGrpSpPr/>
-        <p:nvPr/>
-      </p:nvGrpSpPr>
-      <p:grpSpPr>
-        <a:xfrm>
-          <a:off x="0" y="0"/>
-          <a:ext cx="0" cy="0"/>
-          <a:chOff x="0" y="0"/>
-          <a:chExt cx="0" cy="0"/>
-        </a:xfrm>
-      </p:grpSpPr>
-      <p:sp>
-        <p:nvSpPr>
-          <p:cNvPr id="2" name="Title 1"/>
-          <p:cNvSpPr>
-            <a:spLocks noGrp="1"/>
-          </p:cNvSpPr>
-          <p:nvPr>
-            <p:ph type="title"/>
-          </p:nvPr>
-        </p:nvSpPr>
-        <p:spPr/>
-        <p:txBody>
-          <a:bodyPr/>
-          <a:lstStyle/>
-          <a:p>
-            <a:endParaRPr lang="en-US"/>
-          </a:p>
-        </p:txBody>
-      </p:sp>
-      <p:sp>
-        <p:nvSpPr>
-          <p:cNvPr id="3" name="Content Placeholder 2"/>
-          <p:cNvSpPr>
-            <a:spLocks noGrp="1"/>
-          </p:cNvSpPr>
-          <p:nvPr>
-            <p:ph idx="1"/>
-          </p:nvPr>
-        </p:nvSpPr>
-        <p:spPr/>
-        <p:txBody>
-          <a:bodyPr/>
-          <a:lstStyle/>
-          <a:p>
-            <a:endParaRPr lang="en-US"/>
-          </a:p>
-        </p:txBody>
-      </p:sp>
-    </p:spTree>
-    <p:extLst>
-      <p:ext uri="{BB962C8B-B14F-4D97-AF65-F5344CB8AC3E}">
-        <p14:creationId xmlns:p14="http://schemas.microsoft.com/office/powerpoint/2010/main" val="459692919"/>
-      </p:ext>
-    </p:extLst>
-  </p:cSld>
-  <p:clrMapOvr>
-    <a:masterClrMapping/>
-  </p:clrMapOvr>
-  <p:timing>
-    <p:tnLst>
-      <p:par>
-        <p:cTn id="1" dur="indefinite" restart="never" nodeType="tmRoot"/>
-      </p:par>
-    </p:tnLst>
-  </p:timing>
-</p:sld>
-</file>
-
-<file path=ppt/slides/slide18.xml><?xml version="1.0" encoding="utf-8"?>
-<p:sld xmlns:a="http://schemas.openxmlformats.org/drawingml/2006/main" xmlns:r="http://schemas.openxmlformats.org/officeDocument/2006/relationships" xmlns:p="http://schemas.openxmlformats.org/presentationml/2006/main">
-  <p:cSld>
-    <p:bg>
-      <p:bgPr>
-        <a:blipFill dpi="0" rotWithShape="1">
-          <a:blip r:embed="rId2">
-            <a:lum/>
-          </a:blip>
-          <a:srcRect/>
-          <a:stretch>
-            <a:fillRect/>
-          </a:stretch>
-        </a:blipFill>
-        <a:effectLst/>
-      </p:bgPr>
-    </p:bg>
-    <p:spTree>
-      <p:nvGrpSpPr>
-        <p:cNvPr id="1" name=""/>
-        <p:cNvGrpSpPr/>
-        <p:nvPr/>
-      </p:nvGrpSpPr>
-      <p:grpSpPr>
-        <a:xfrm>
-          <a:off x="0" y="0"/>
-          <a:ext cx="0" cy="0"/>
-          <a:chOff x="0" y="0"/>
-          <a:chExt cx="0" cy="0"/>
-        </a:xfrm>
-      </p:grpSpPr>
-      <p:sp>
-        <p:nvSpPr>
-          <p:cNvPr id="2" name="Title 1"/>
-          <p:cNvSpPr>
-            <a:spLocks noGrp="1"/>
-          </p:cNvSpPr>
-          <p:nvPr>
-            <p:ph type="title"/>
-          </p:nvPr>
-        </p:nvSpPr>
-        <p:spPr/>
-        <p:txBody>
-          <a:bodyPr/>
-          <a:lstStyle/>
-          <a:p>
-            <a:endParaRPr lang="en-US"/>
-          </a:p>
-        </p:txBody>
-      </p:sp>
-      <p:sp>
-        <p:nvSpPr>
-          <p:cNvPr id="3" name="Content Placeholder 2"/>
-          <p:cNvSpPr>
-            <a:spLocks noGrp="1"/>
-          </p:cNvSpPr>
-          <p:nvPr>
-            <p:ph idx="1"/>
-          </p:nvPr>
-        </p:nvSpPr>
-        <p:spPr/>
-        <p:txBody>
-          <a:bodyPr/>
-          <a:lstStyle/>
-          <a:p>
-            <a:endParaRPr lang="en-US"/>
-          </a:p>
-        </p:txBody>
-      </p:sp>
-    </p:spTree>
-    <p:extLst>
-      <p:ext uri="{BB962C8B-B14F-4D97-AF65-F5344CB8AC3E}">
-        <p14:creationId xmlns:p14="http://schemas.microsoft.com/office/powerpoint/2010/main" val="732417026"/>
-      </p:ext>
-    </p:extLst>
-  </p:cSld>
-  <p:clrMapOvr>
-    <a:masterClrMapping/>
-  </p:clrMapOvr>
-  <p:timing>
-    <p:tnLst>
-      <p:par>
-        <p:cTn id="1" dur="indefinite" restart="never" nodeType="tmRoot"/>
-      </p:par>
-    </p:tnLst>
-  </p:timing>
-</p:sld>
-</file>
-
 <file path=ppt/slides/slide19.xml><?xml version="1.0" encoding="utf-8"?>
 <p:sld xmlns:a="http://schemas.openxmlformats.org/drawingml/2006/main" xmlns:r="http://schemas.openxmlformats.org/officeDocument/2006/relationships" xmlns:p="http://schemas.openxmlformats.org/presentationml/2006/main">
   <p:cSld>
@@ -3990,7 +4066,7 @@
     </p:spTree>
     <p:extLst>
       <p:ext uri="{BB962C8B-B14F-4D97-AF65-F5344CB8AC3E}">
-        <p14:creationId xmlns:p14="http://schemas.microsoft.com/office/powerpoint/2010/main" val="3010488923"/>
+        <p14:creationId xmlns:p14="http://schemas.microsoft.com/office/powerpoint/2010/main" val="3058812331"/>
       </p:ext>
     </p:extLst>
   </p:cSld>
@@ -4024,52 +4100,100 @@
           <a:chExt cx="0" cy="0"/>
         </a:xfrm>
       </p:grpSpPr>
-      <p:pic>
-        <p:nvPicPr>
-          <p:cNvPr id="4" name="Content Placeholder 3"/>
-          <p:cNvPicPr>
-            <a:picLocks noGrp="1" noChangeAspect="1"/>
-          </p:cNvPicPr>
+      <p:sp>
+        <p:nvSpPr>
+          <p:cNvPr id="3" name="Content Placeholder 2"/>
+          <p:cNvSpPr>
+            <a:spLocks noGrp="1"/>
+          </p:cNvSpPr>
           <p:nvPr>
             <p:ph idx="1"/>
           </p:nvPr>
-        </p:nvPicPr>
-        <p:blipFill>
-          <a:blip r:embed="rId2">
-            <a:extLst>
-              <a:ext uri="{28A0092B-C50C-407E-A947-70E740481C1C}">
-                <a14:useLocalDpi xmlns:a14="http://schemas.microsoft.com/office/drawing/2010/main" val="0"/>
-              </a:ext>
-            </a:extLst>
-          </a:blip>
-          <a:stretch>
-            <a:fillRect/>
-          </a:stretch>
-        </p:blipFill>
+        </p:nvSpPr>
         <p:spPr>
           <a:xfrm>
-            <a:off x="-1" y="0"/>
-            <a:ext cx="12337593" cy="6858000"/>
+            <a:off x="369849" y="509780"/>
+            <a:ext cx="11584258" cy="6169799"/>
           </a:xfrm>
         </p:spPr>
-      </p:pic>
+        <p:txBody>
+          <a:bodyPr>
+            <a:normAutofit/>
+          </a:bodyPr>
+          <a:lstStyle/>
+          <a:p>
+            <a:r>
+              <a:rPr lang="en-US" b="1" dirty="0"/>
+              <a:t>Project Description/Outline:</a:t>
+            </a:r>
+          </a:p>
+          <a:p>
+            <a:r>
+              <a:rPr lang="en-US" dirty="0"/>
+              <a:t>How do various different factors affect high school graduation rates in New Jersey, New York, and Pennsylvania</a:t>
+            </a:r>
+            <a:r>
+              <a:rPr lang="en-US" dirty="0" smtClean="0"/>
+              <a:t>.</a:t>
+            </a:r>
+          </a:p>
+          <a:p>
+            <a:endParaRPr lang="en-US" dirty="0"/>
+          </a:p>
+          <a:p>
+            <a:endParaRPr lang="en-US" dirty="0"/>
+          </a:p>
+          <a:p>
+            <a:r>
+              <a:rPr lang="en-US" b="1" dirty="0"/>
+              <a:t>Research Questions to Answer:</a:t>
+            </a:r>
+          </a:p>
+          <a:p>
+            <a:r>
+              <a:rPr lang="en-US" dirty="0"/>
+              <a:t>Does the poverty rate correlate to graduation rate?</a:t>
+            </a:r>
+          </a:p>
+          <a:p>
+            <a:r>
+              <a:rPr lang="en-US" dirty="0"/>
+              <a:t>Does household size correlate to graduation rate?</a:t>
+            </a:r>
+          </a:p>
+          <a:p>
+            <a:r>
+              <a:rPr lang="en-US" dirty="0"/>
+              <a:t>Does the unemployment rate correlate to graduation rate?</a:t>
+            </a:r>
+          </a:p>
+          <a:p>
+            <a:r>
+              <a:rPr lang="en-US" dirty="0"/>
+              <a:t>Does the median income correlate to graduation rate?</a:t>
+            </a:r>
+          </a:p>
+          <a:p>
+            <a:r>
+              <a:rPr lang="en-US" dirty="0"/>
+              <a:t>Does the language spoken at home affect graduation rates?</a:t>
+            </a:r>
+          </a:p>
+          <a:p>
+            <a:endParaRPr lang="en-US" dirty="0"/>
+          </a:p>
+        </p:txBody>
+      </p:sp>
     </p:spTree>
     <p:extLst>
       <p:ext uri="{BB962C8B-B14F-4D97-AF65-F5344CB8AC3E}">
-        <p14:creationId xmlns:p14="http://schemas.microsoft.com/office/powerpoint/2010/main" val="722652321"/>
+        <p14:creationId xmlns:p14="http://schemas.microsoft.com/office/powerpoint/2010/main" val="3040354502"/>
       </p:ext>
     </p:extLst>
   </p:cSld>
   <p:clrMapOvr>
     <a:masterClrMapping/>
   </p:clrMapOvr>
-  <p:timing>
-    <p:tnLst>
-      <p:par>
-        <p:cTn id="1" dur="indefinite" restart="never" nodeType="tmRoot"/>
-      </p:par>
-    </p:tnLst>
-  </p:timing>
 </p:sld>
 </file>
 
@@ -4145,7 +4269,7 @@
     </p:spTree>
     <p:extLst>
       <p:ext uri="{BB962C8B-B14F-4D97-AF65-F5344CB8AC3E}">
-        <p14:creationId xmlns:p14="http://schemas.microsoft.com/office/powerpoint/2010/main" val="1760996845"/>
+        <p14:creationId xmlns:p14="http://schemas.microsoft.com/office/powerpoint/2010/main" val="144025465"/>
       </p:ext>
     </p:extLst>
   </p:cSld>
@@ -4234,7 +4358,7 @@
     </p:spTree>
     <p:extLst>
       <p:ext uri="{BB962C8B-B14F-4D97-AF65-F5344CB8AC3E}">
-        <p14:creationId xmlns:p14="http://schemas.microsoft.com/office/powerpoint/2010/main" val="434197443"/>
+        <p14:creationId xmlns:p14="http://schemas.microsoft.com/office/powerpoint/2010/main" val="3649231132"/>
       </p:ext>
     </p:extLst>
   </p:cSld>
@@ -4323,7 +4447,7 @@
     </p:spTree>
     <p:extLst>
       <p:ext uri="{BB962C8B-B14F-4D97-AF65-F5344CB8AC3E}">
-        <p14:creationId xmlns:p14="http://schemas.microsoft.com/office/powerpoint/2010/main" val="4175132233"/>
+        <p14:creationId xmlns:p14="http://schemas.microsoft.com/office/powerpoint/2010/main" val="459692919"/>
       </p:ext>
     </p:extLst>
   </p:cSld>
@@ -4412,7 +4536,7 @@
     </p:spTree>
     <p:extLst>
       <p:ext uri="{BB962C8B-B14F-4D97-AF65-F5344CB8AC3E}">
-        <p14:creationId xmlns:p14="http://schemas.microsoft.com/office/powerpoint/2010/main" val="394493084"/>
+        <p14:creationId xmlns:p14="http://schemas.microsoft.com/office/powerpoint/2010/main" val="732417026"/>
       </p:ext>
     </p:extLst>
   </p:cSld>
@@ -4501,7 +4625,7 @@
     </p:spTree>
     <p:extLst>
       <p:ext uri="{BB962C8B-B14F-4D97-AF65-F5344CB8AC3E}">
-        <p14:creationId xmlns:p14="http://schemas.microsoft.com/office/powerpoint/2010/main" val="3203632263"/>
+        <p14:creationId xmlns:p14="http://schemas.microsoft.com/office/powerpoint/2010/main" val="3010488923"/>
       </p:ext>
     </p:extLst>
   </p:cSld>
@@ -4590,7 +4714,7 @@
     </p:spTree>
     <p:extLst>
       <p:ext uri="{BB962C8B-B14F-4D97-AF65-F5344CB8AC3E}">
-        <p14:creationId xmlns:p14="http://schemas.microsoft.com/office/powerpoint/2010/main" val="1389302572"/>
+        <p14:creationId xmlns:p14="http://schemas.microsoft.com/office/powerpoint/2010/main" val="1760996845"/>
       </p:ext>
     </p:extLst>
   </p:cSld>
@@ -4679,7 +4803,7 @@
     </p:spTree>
     <p:extLst>
       <p:ext uri="{BB962C8B-B14F-4D97-AF65-F5344CB8AC3E}">
-        <p14:creationId xmlns:p14="http://schemas.microsoft.com/office/powerpoint/2010/main" val="4268266962"/>
+        <p14:creationId xmlns:p14="http://schemas.microsoft.com/office/powerpoint/2010/main" val="434197443"/>
       </p:ext>
     </p:extLst>
   </p:cSld>
@@ -4768,7 +4892,7 @@
     </p:spTree>
     <p:extLst>
       <p:ext uri="{BB962C8B-B14F-4D97-AF65-F5344CB8AC3E}">
-        <p14:creationId xmlns:p14="http://schemas.microsoft.com/office/powerpoint/2010/main" val="1062465195"/>
+        <p14:creationId xmlns:p14="http://schemas.microsoft.com/office/powerpoint/2010/main" val="4175132233"/>
       </p:ext>
     </p:extLst>
   </p:cSld>
@@ -4857,7 +4981,7 @@
     </p:spTree>
     <p:extLst>
       <p:ext uri="{BB962C8B-B14F-4D97-AF65-F5344CB8AC3E}">
-        <p14:creationId xmlns:p14="http://schemas.microsoft.com/office/powerpoint/2010/main" val="1039380402"/>
+        <p14:creationId xmlns:p14="http://schemas.microsoft.com/office/powerpoint/2010/main" val="394493084"/>
       </p:ext>
     </p:extLst>
   </p:cSld>
@@ -4946,6 +5070,539 @@
     </p:spTree>
     <p:extLst>
       <p:ext uri="{BB962C8B-B14F-4D97-AF65-F5344CB8AC3E}">
+        <p14:creationId xmlns:p14="http://schemas.microsoft.com/office/powerpoint/2010/main" val="3203632263"/>
+      </p:ext>
+    </p:extLst>
+  </p:cSld>
+  <p:clrMapOvr>
+    <a:masterClrMapping/>
+  </p:clrMapOvr>
+  <p:timing>
+    <p:tnLst>
+      <p:par>
+        <p:cTn id="1" dur="indefinite" restart="never" nodeType="tmRoot"/>
+      </p:par>
+    </p:tnLst>
+  </p:timing>
+</p:sld>
+</file>
+
+<file path=ppt/slides/slide3.xml><?xml version="1.0" encoding="utf-8"?>
+<p:sld xmlns:a="http://schemas.openxmlformats.org/drawingml/2006/main" xmlns:r="http://schemas.openxmlformats.org/officeDocument/2006/relationships" xmlns:p="http://schemas.openxmlformats.org/presentationml/2006/main">
+  <p:cSld>
+    <p:spTree>
+      <p:nvGrpSpPr>
+        <p:cNvPr id="1" name=""/>
+        <p:cNvGrpSpPr/>
+        <p:nvPr/>
+      </p:nvGrpSpPr>
+      <p:grpSpPr>
+        <a:xfrm>
+          <a:off x="0" y="0"/>
+          <a:ext cx="0" cy="0"/>
+          <a:chOff x="0" y="0"/>
+          <a:chExt cx="0" cy="0"/>
+        </a:xfrm>
+      </p:grpSpPr>
+      <p:sp>
+        <p:nvSpPr>
+          <p:cNvPr id="3" name="Content Placeholder 2"/>
+          <p:cNvSpPr>
+            <a:spLocks noGrp="1"/>
+          </p:cNvSpPr>
+          <p:nvPr>
+            <p:ph idx="1"/>
+          </p:nvPr>
+        </p:nvSpPr>
+        <p:spPr>
+          <a:xfrm>
+            <a:off x="481361" y="810864"/>
+            <a:ext cx="11015546" cy="5099282"/>
+          </a:xfrm>
+        </p:spPr>
+        <p:txBody>
+          <a:bodyPr/>
+          <a:lstStyle/>
+          <a:p>
+            <a:r>
+              <a:rPr lang="en-US" b="1" dirty="0"/>
+              <a:t>Data Sets to be Used:</a:t>
+            </a:r>
+          </a:p>
+          <a:p>
+            <a:r>
+              <a:rPr lang="en-US" dirty="0"/>
+              <a:t>Census API</a:t>
+            </a:r>
+          </a:p>
+          <a:p>
+            <a:r>
+              <a:rPr lang="en-US" dirty="0"/>
+              <a:t>Various NJDOE Data Sets available at: </a:t>
+            </a:r>
+            <a:r>
+              <a:rPr lang="en-US" dirty="0">
+                <a:hlinkClick r:id="rId2"/>
+              </a:rPr>
+              <a:t>https://www.state.nj.us/education/data/</a:t>
+            </a:r>
+            <a:endParaRPr lang="en-US" dirty="0"/>
+          </a:p>
+          <a:p>
+            <a:r>
+              <a:rPr lang="en-US" dirty="0">
+                <a:hlinkClick r:id="rId3"/>
+              </a:rPr>
+              <a:t>https://www.opendatanetwork.com/</a:t>
+            </a:r>
+            <a:endParaRPr lang="en-US" dirty="0"/>
+          </a:p>
+          <a:p>
+            <a:endParaRPr lang="en-US" dirty="0"/>
+          </a:p>
+        </p:txBody>
+      </p:sp>
+    </p:spTree>
+    <p:extLst>
+      <p:ext uri="{BB962C8B-B14F-4D97-AF65-F5344CB8AC3E}">
+        <p14:creationId xmlns:p14="http://schemas.microsoft.com/office/powerpoint/2010/main" val="4076232569"/>
+      </p:ext>
+    </p:extLst>
+  </p:cSld>
+  <p:clrMapOvr>
+    <a:masterClrMapping/>
+  </p:clrMapOvr>
+</p:sld>
+</file>
+
+<file path=ppt/slides/slide30.xml><?xml version="1.0" encoding="utf-8"?>
+<p:sld xmlns:a="http://schemas.openxmlformats.org/drawingml/2006/main" xmlns:r="http://schemas.openxmlformats.org/officeDocument/2006/relationships" xmlns:p="http://schemas.openxmlformats.org/presentationml/2006/main">
+  <p:cSld>
+    <p:bg>
+      <p:bgPr>
+        <a:blipFill dpi="0" rotWithShape="1">
+          <a:blip r:embed="rId2">
+            <a:lum/>
+          </a:blip>
+          <a:srcRect/>
+          <a:stretch>
+            <a:fillRect/>
+          </a:stretch>
+        </a:blipFill>
+        <a:effectLst/>
+      </p:bgPr>
+    </p:bg>
+    <p:spTree>
+      <p:nvGrpSpPr>
+        <p:cNvPr id="1" name=""/>
+        <p:cNvGrpSpPr/>
+        <p:nvPr/>
+      </p:nvGrpSpPr>
+      <p:grpSpPr>
+        <a:xfrm>
+          <a:off x="0" y="0"/>
+          <a:ext cx="0" cy="0"/>
+          <a:chOff x="0" y="0"/>
+          <a:chExt cx="0" cy="0"/>
+        </a:xfrm>
+      </p:grpSpPr>
+      <p:sp>
+        <p:nvSpPr>
+          <p:cNvPr id="2" name="Title 1"/>
+          <p:cNvSpPr>
+            <a:spLocks noGrp="1"/>
+          </p:cNvSpPr>
+          <p:nvPr>
+            <p:ph type="title"/>
+          </p:nvPr>
+        </p:nvSpPr>
+        <p:spPr/>
+        <p:txBody>
+          <a:bodyPr/>
+          <a:lstStyle/>
+          <a:p>
+            <a:endParaRPr lang="en-US"/>
+          </a:p>
+        </p:txBody>
+      </p:sp>
+      <p:sp>
+        <p:nvSpPr>
+          <p:cNvPr id="3" name="Content Placeholder 2"/>
+          <p:cNvSpPr>
+            <a:spLocks noGrp="1"/>
+          </p:cNvSpPr>
+          <p:nvPr>
+            <p:ph idx="1"/>
+          </p:nvPr>
+        </p:nvSpPr>
+        <p:spPr/>
+        <p:txBody>
+          <a:bodyPr/>
+          <a:lstStyle/>
+          <a:p>
+            <a:endParaRPr lang="en-US"/>
+          </a:p>
+        </p:txBody>
+      </p:sp>
+    </p:spTree>
+    <p:extLst>
+      <p:ext uri="{BB962C8B-B14F-4D97-AF65-F5344CB8AC3E}">
+        <p14:creationId xmlns:p14="http://schemas.microsoft.com/office/powerpoint/2010/main" val="1389302572"/>
+      </p:ext>
+    </p:extLst>
+  </p:cSld>
+  <p:clrMapOvr>
+    <a:masterClrMapping/>
+  </p:clrMapOvr>
+  <p:timing>
+    <p:tnLst>
+      <p:par>
+        <p:cTn id="1" dur="indefinite" restart="never" nodeType="tmRoot"/>
+      </p:par>
+    </p:tnLst>
+  </p:timing>
+</p:sld>
+</file>
+
+<file path=ppt/slides/slide31.xml><?xml version="1.0" encoding="utf-8"?>
+<p:sld xmlns:a="http://schemas.openxmlformats.org/drawingml/2006/main" xmlns:r="http://schemas.openxmlformats.org/officeDocument/2006/relationships" xmlns:p="http://schemas.openxmlformats.org/presentationml/2006/main">
+  <p:cSld>
+    <p:bg>
+      <p:bgPr>
+        <a:blipFill dpi="0" rotWithShape="1">
+          <a:blip r:embed="rId2">
+            <a:lum/>
+          </a:blip>
+          <a:srcRect/>
+          <a:stretch>
+            <a:fillRect/>
+          </a:stretch>
+        </a:blipFill>
+        <a:effectLst/>
+      </p:bgPr>
+    </p:bg>
+    <p:spTree>
+      <p:nvGrpSpPr>
+        <p:cNvPr id="1" name=""/>
+        <p:cNvGrpSpPr/>
+        <p:nvPr/>
+      </p:nvGrpSpPr>
+      <p:grpSpPr>
+        <a:xfrm>
+          <a:off x="0" y="0"/>
+          <a:ext cx="0" cy="0"/>
+          <a:chOff x="0" y="0"/>
+          <a:chExt cx="0" cy="0"/>
+        </a:xfrm>
+      </p:grpSpPr>
+      <p:sp>
+        <p:nvSpPr>
+          <p:cNvPr id="2" name="Title 1"/>
+          <p:cNvSpPr>
+            <a:spLocks noGrp="1"/>
+          </p:cNvSpPr>
+          <p:nvPr>
+            <p:ph type="title"/>
+          </p:nvPr>
+        </p:nvSpPr>
+        <p:spPr/>
+        <p:txBody>
+          <a:bodyPr/>
+          <a:lstStyle/>
+          <a:p>
+            <a:endParaRPr lang="en-US"/>
+          </a:p>
+        </p:txBody>
+      </p:sp>
+      <p:sp>
+        <p:nvSpPr>
+          <p:cNvPr id="3" name="Content Placeholder 2"/>
+          <p:cNvSpPr>
+            <a:spLocks noGrp="1"/>
+          </p:cNvSpPr>
+          <p:nvPr>
+            <p:ph idx="1"/>
+          </p:nvPr>
+        </p:nvSpPr>
+        <p:spPr/>
+        <p:txBody>
+          <a:bodyPr/>
+          <a:lstStyle/>
+          <a:p>
+            <a:endParaRPr lang="en-US"/>
+          </a:p>
+        </p:txBody>
+      </p:sp>
+    </p:spTree>
+    <p:extLst>
+      <p:ext uri="{BB962C8B-B14F-4D97-AF65-F5344CB8AC3E}">
+        <p14:creationId xmlns:p14="http://schemas.microsoft.com/office/powerpoint/2010/main" val="4268266962"/>
+      </p:ext>
+    </p:extLst>
+  </p:cSld>
+  <p:clrMapOvr>
+    <a:masterClrMapping/>
+  </p:clrMapOvr>
+  <p:timing>
+    <p:tnLst>
+      <p:par>
+        <p:cTn id="1" dur="indefinite" restart="never" nodeType="tmRoot"/>
+      </p:par>
+    </p:tnLst>
+  </p:timing>
+</p:sld>
+</file>
+
+<file path=ppt/slides/slide32.xml><?xml version="1.0" encoding="utf-8"?>
+<p:sld xmlns:a="http://schemas.openxmlformats.org/drawingml/2006/main" xmlns:r="http://schemas.openxmlformats.org/officeDocument/2006/relationships" xmlns:p="http://schemas.openxmlformats.org/presentationml/2006/main">
+  <p:cSld>
+    <p:bg>
+      <p:bgPr>
+        <a:blipFill dpi="0" rotWithShape="1">
+          <a:blip r:embed="rId2">
+            <a:lum/>
+          </a:blip>
+          <a:srcRect/>
+          <a:stretch>
+            <a:fillRect/>
+          </a:stretch>
+        </a:blipFill>
+        <a:effectLst/>
+      </p:bgPr>
+    </p:bg>
+    <p:spTree>
+      <p:nvGrpSpPr>
+        <p:cNvPr id="1" name=""/>
+        <p:cNvGrpSpPr/>
+        <p:nvPr/>
+      </p:nvGrpSpPr>
+      <p:grpSpPr>
+        <a:xfrm>
+          <a:off x="0" y="0"/>
+          <a:ext cx="0" cy="0"/>
+          <a:chOff x="0" y="0"/>
+          <a:chExt cx="0" cy="0"/>
+        </a:xfrm>
+      </p:grpSpPr>
+      <p:sp>
+        <p:nvSpPr>
+          <p:cNvPr id="2" name="Title 1"/>
+          <p:cNvSpPr>
+            <a:spLocks noGrp="1"/>
+          </p:cNvSpPr>
+          <p:nvPr>
+            <p:ph type="title"/>
+          </p:nvPr>
+        </p:nvSpPr>
+        <p:spPr/>
+        <p:txBody>
+          <a:bodyPr/>
+          <a:lstStyle/>
+          <a:p>
+            <a:endParaRPr lang="en-US"/>
+          </a:p>
+        </p:txBody>
+      </p:sp>
+      <p:sp>
+        <p:nvSpPr>
+          <p:cNvPr id="3" name="Content Placeholder 2"/>
+          <p:cNvSpPr>
+            <a:spLocks noGrp="1"/>
+          </p:cNvSpPr>
+          <p:nvPr>
+            <p:ph idx="1"/>
+          </p:nvPr>
+        </p:nvSpPr>
+        <p:spPr/>
+        <p:txBody>
+          <a:bodyPr/>
+          <a:lstStyle/>
+          <a:p>
+            <a:endParaRPr lang="en-US"/>
+          </a:p>
+        </p:txBody>
+      </p:sp>
+    </p:spTree>
+    <p:extLst>
+      <p:ext uri="{BB962C8B-B14F-4D97-AF65-F5344CB8AC3E}">
+        <p14:creationId xmlns:p14="http://schemas.microsoft.com/office/powerpoint/2010/main" val="1062465195"/>
+      </p:ext>
+    </p:extLst>
+  </p:cSld>
+  <p:clrMapOvr>
+    <a:masterClrMapping/>
+  </p:clrMapOvr>
+  <p:timing>
+    <p:tnLst>
+      <p:par>
+        <p:cTn id="1" dur="indefinite" restart="never" nodeType="tmRoot"/>
+      </p:par>
+    </p:tnLst>
+  </p:timing>
+</p:sld>
+</file>
+
+<file path=ppt/slides/slide33.xml><?xml version="1.0" encoding="utf-8"?>
+<p:sld xmlns:a="http://schemas.openxmlformats.org/drawingml/2006/main" xmlns:r="http://schemas.openxmlformats.org/officeDocument/2006/relationships" xmlns:p="http://schemas.openxmlformats.org/presentationml/2006/main">
+  <p:cSld>
+    <p:bg>
+      <p:bgPr>
+        <a:blipFill dpi="0" rotWithShape="1">
+          <a:blip r:embed="rId2">
+            <a:lum/>
+          </a:blip>
+          <a:srcRect/>
+          <a:stretch>
+            <a:fillRect/>
+          </a:stretch>
+        </a:blipFill>
+        <a:effectLst/>
+      </p:bgPr>
+    </p:bg>
+    <p:spTree>
+      <p:nvGrpSpPr>
+        <p:cNvPr id="1" name=""/>
+        <p:cNvGrpSpPr/>
+        <p:nvPr/>
+      </p:nvGrpSpPr>
+      <p:grpSpPr>
+        <a:xfrm>
+          <a:off x="0" y="0"/>
+          <a:ext cx="0" cy="0"/>
+          <a:chOff x="0" y="0"/>
+          <a:chExt cx="0" cy="0"/>
+        </a:xfrm>
+      </p:grpSpPr>
+      <p:sp>
+        <p:nvSpPr>
+          <p:cNvPr id="2" name="Title 1"/>
+          <p:cNvSpPr>
+            <a:spLocks noGrp="1"/>
+          </p:cNvSpPr>
+          <p:nvPr>
+            <p:ph type="title"/>
+          </p:nvPr>
+        </p:nvSpPr>
+        <p:spPr/>
+        <p:txBody>
+          <a:bodyPr/>
+          <a:lstStyle/>
+          <a:p>
+            <a:endParaRPr lang="en-US"/>
+          </a:p>
+        </p:txBody>
+      </p:sp>
+      <p:sp>
+        <p:nvSpPr>
+          <p:cNvPr id="3" name="Content Placeholder 2"/>
+          <p:cNvSpPr>
+            <a:spLocks noGrp="1"/>
+          </p:cNvSpPr>
+          <p:nvPr>
+            <p:ph idx="1"/>
+          </p:nvPr>
+        </p:nvSpPr>
+        <p:spPr/>
+        <p:txBody>
+          <a:bodyPr/>
+          <a:lstStyle/>
+          <a:p>
+            <a:endParaRPr lang="en-US"/>
+          </a:p>
+        </p:txBody>
+      </p:sp>
+    </p:spTree>
+    <p:extLst>
+      <p:ext uri="{BB962C8B-B14F-4D97-AF65-F5344CB8AC3E}">
+        <p14:creationId xmlns:p14="http://schemas.microsoft.com/office/powerpoint/2010/main" val="1039380402"/>
+      </p:ext>
+    </p:extLst>
+  </p:cSld>
+  <p:clrMapOvr>
+    <a:masterClrMapping/>
+  </p:clrMapOvr>
+  <p:timing>
+    <p:tnLst>
+      <p:par>
+        <p:cTn id="1" dur="indefinite" restart="never" nodeType="tmRoot"/>
+      </p:par>
+    </p:tnLst>
+  </p:timing>
+</p:sld>
+</file>
+
+<file path=ppt/slides/slide34.xml><?xml version="1.0" encoding="utf-8"?>
+<p:sld xmlns:a="http://schemas.openxmlformats.org/drawingml/2006/main" xmlns:r="http://schemas.openxmlformats.org/officeDocument/2006/relationships" xmlns:p="http://schemas.openxmlformats.org/presentationml/2006/main">
+  <p:cSld>
+    <p:bg>
+      <p:bgPr>
+        <a:blipFill dpi="0" rotWithShape="1">
+          <a:blip r:embed="rId2">
+            <a:lum/>
+          </a:blip>
+          <a:srcRect/>
+          <a:stretch>
+            <a:fillRect/>
+          </a:stretch>
+        </a:blipFill>
+        <a:effectLst/>
+      </p:bgPr>
+    </p:bg>
+    <p:spTree>
+      <p:nvGrpSpPr>
+        <p:cNvPr id="1" name=""/>
+        <p:cNvGrpSpPr/>
+        <p:nvPr/>
+      </p:nvGrpSpPr>
+      <p:grpSpPr>
+        <a:xfrm>
+          <a:off x="0" y="0"/>
+          <a:ext cx="0" cy="0"/>
+          <a:chOff x="0" y="0"/>
+          <a:chExt cx="0" cy="0"/>
+        </a:xfrm>
+      </p:grpSpPr>
+      <p:sp>
+        <p:nvSpPr>
+          <p:cNvPr id="2" name="Title 1"/>
+          <p:cNvSpPr>
+            <a:spLocks noGrp="1"/>
+          </p:cNvSpPr>
+          <p:nvPr>
+            <p:ph type="title"/>
+          </p:nvPr>
+        </p:nvSpPr>
+        <p:spPr/>
+        <p:txBody>
+          <a:bodyPr/>
+          <a:lstStyle/>
+          <a:p>
+            <a:endParaRPr lang="en-US"/>
+          </a:p>
+        </p:txBody>
+      </p:sp>
+      <p:sp>
+        <p:nvSpPr>
+          <p:cNvPr id="3" name="Content Placeholder 2"/>
+          <p:cNvSpPr>
+            <a:spLocks noGrp="1"/>
+          </p:cNvSpPr>
+          <p:nvPr>
+            <p:ph idx="1"/>
+          </p:nvPr>
+        </p:nvSpPr>
+        <p:spPr/>
+        <p:txBody>
+          <a:bodyPr/>
+          <a:lstStyle/>
+          <a:p>
+            <a:endParaRPr lang="en-US"/>
+          </a:p>
+        </p:txBody>
+      </p:sp>
+    </p:spTree>
+    <p:extLst>
+      <p:ext uri="{BB962C8B-B14F-4D97-AF65-F5344CB8AC3E}">
         <p14:creationId xmlns:p14="http://schemas.microsoft.com/office/powerpoint/2010/main" val="1839996124"/>
       </p:ext>
     </p:extLst>
@@ -4963,7 +5620,170 @@
 </p:sld>
 </file>
 
-<file path=ppt/slides/slide3.xml><?xml version="1.0" encoding="utf-8"?>
+<file path=ppt/slides/slide4.xml><?xml version="1.0" encoding="utf-8"?>
+<p:sld xmlns:a="http://schemas.openxmlformats.org/drawingml/2006/main" xmlns:r="http://schemas.openxmlformats.org/officeDocument/2006/relationships" xmlns:p="http://schemas.openxmlformats.org/presentationml/2006/main">
+  <p:cSld>
+    <p:spTree>
+      <p:nvGrpSpPr>
+        <p:cNvPr id="1" name=""/>
+        <p:cNvGrpSpPr/>
+        <p:nvPr/>
+      </p:nvGrpSpPr>
+      <p:grpSpPr>
+        <a:xfrm>
+          <a:off x="0" y="0"/>
+          <a:ext cx="0" cy="0"/>
+          <a:chOff x="0" y="0"/>
+          <a:chExt cx="0" cy="0"/>
+        </a:xfrm>
+      </p:grpSpPr>
+      <p:sp>
+        <p:nvSpPr>
+          <p:cNvPr id="3" name="Content Placeholder 2"/>
+          <p:cNvSpPr>
+            <a:spLocks noGrp="1"/>
+          </p:cNvSpPr>
+          <p:nvPr>
+            <p:ph idx="1"/>
+          </p:nvPr>
+        </p:nvSpPr>
+        <p:spPr/>
+        <p:txBody>
+          <a:bodyPr>
+            <a:normAutofit lnSpcReduction="10000"/>
+          </a:bodyPr>
+          <a:lstStyle/>
+          <a:p>
+            <a:r>
+              <a:rPr lang="en-US" dirty="0" smtClean="0"/>
+              <a:t>Our project begun with the three states where our data sample was collected. The following results were gathered.</a:t>
+            </a:r>
+          </a:p>
+          <a:p>
+            <a:r>
+              <a:rPr lang="en-US" dirty="0" smtClean="0"/>
+              <a:t>Graduation rate by State</a:t>
+            </a:r>
+          </a:p>
+          <a:p>
+            <a:r>
+              <a:rPr lang="en-US" dirty="0" smtClean="0"/>
+              <a:t>Poverty rate by State</a:t>
+            </a:r>
+          </a:p>
+          <a:p>
+            <a:r>
+              <a:rPr lang="en-US" dirty="0" smtClean="0"/>
+              <a:t>Household size by State </a:t>
+            </a:r>
+          </a:p>
+          <a:p>
+            <a:r>
+              <a:rPr lang="en-US" dirty="0" smtClean="0"/>
+              <a:t>Unemployment rate by State</a:t>
+            </a:r>
+          </a:p>
+          <a:p>
+            <a:r>
+              <a:rPr lang="en-US" dirty="0" smtClean="0"/>
+              <a:t>Median income rate by State</a:t>
+            </a:r>
+          </a:p>
+          <a:p>
+            <a:r>
+              <a:rPr lang="en-US" dirty="0" smtClean="0"/>
+              <a:t>Speak a language other than English by state</a:t>
+            </a:r>
+          </a:p>
+          <a:p>
+            <a:r>
+              <a:rPr lang="en-US" dirty="0" smtClean="0"/>
+              <a:t>Compare Graduation rate by State </a:t>
+            </a:r>
+            <a:endParaRPr lang="en-US" dirty="0"/>
+          </a:p>
+        </p:txBody>
+      </p:sp>
+    </p:spTree>
+    <p:extLst>
+      <p:ext uri="{BB962C8B-B14F-4D97-AF65-F5344CB8AC3E}">
+        <p14:creationId xmlns:p14="http://schemas.microsoft.com/office/powerpoint/2010/main" val="2854046435"/>
+      </p:ext>
+    </p:extLst>
+  </p:cSld>
+  <p:clrMapOvr>
+    <a:masterClrMapping/>
+  </p:clrMapOvr>
+</p:sld>
+</file>
+
+<file path=ppt/slides/slide5.xml><?xml version="1.0" encoding="utf-8"?>
+<p:sld xmlns:a="http://schemas.openxmlformats.org/drawingml/2006/main" xmlns:r="http://schemas.openxmlformats.org/officeDocument/2006/relationships" xmlns:p="http://schemas.openxmlformats.org/presentationml/2006/main">
+  <p:cSld>
+    <p:spTree>
+      <p:nvGrpSpPr>
+        <p:cNvPr id="1" name=""/>
+        <p:cNvGrpSpPr/>
+        <p:nvPr/>
+      </p:nvGrpSpPr>
+      <p:grpSpPr>
+        <a:xfrm>
+          <a:off x="0" y="0"/>
+          <a:ext cx="0" cy="0"/>
+          <a:chOff x="0" y="0"/>
+          <a:chExt cx="0" cy="0"/>
+        </a:xfrm>
+      </p:grpSpPr>
+      <p:pic>
+        <p:nvPicPr>
+          <p:cNvPr id="4" name="Content Placeholder 3"/>
+          <p:cNvPicPr>
+            <a:picLocks noGrp="1" noChangeAspect="1"/>
+          </p:cNvPicPr>
+          <p:nvPr>
+            <p:ph idx="1"/>
+          </p:nvPr>
+        </p:nvPicPr>
+        <p:blipFill>
+          <a:blip r:embed="rId2">
+            <a:extLst>
+              <a:ext uri="{28A0092B-C50C-407E-A947-70E740481C1C}">
+                <a14:useLocalDpi xmlns:a14="http://schemas.microsoft.com/office/drawing/2010/main" val="0"/>
+              </a:ext>
+            </a:extLst>
+          </a:blip>
+          <a:stretch>
+            <a:fillRect/>
+          </a:stretch>
+        </p:blipFill>
+        <p:spPr>
+          <a:xfrm>
+            <a:off x="-1" y="0"/>
+            <a:ext cx="12337593" cy="6858000"/>
+          </a:xfrm>
+        </p:spPr>
+      </p:pic>
+    </p:spTree>
+    <p:extLst>
+      <p:ext uri="{BB962C8B-B14F-4D97-AF65-F5344CB8AC3E}">
+        <p14:creationId xmlns:p14="http://schemas.microsoft.com/office/powerpoint/2010/main" val="722652321"/>
+      </p:ext>
+    </p:extLst>
+  </p:cSld>
+  <p:clrMapOvr>
+    <a:masterClrMapping/>
+  </p:clrMapOvr>
+  <p:timing>
+    <p:tnLst>
+      <p:par>
+        <p:cTn id="1" dur="indefinite" restart="never" nodeType="tmRoot"/>
+      </p:par>
+    </p:tnLst>
+  </p:timing>
+</p:sld>
+</file>
+
+<file path=ppt/slides/slide6.xml><?xml version="1.0" encoding="utf-8"?>
 <p:sld xmlns:a="http://schemas.openxmlformats.org/drawingml/2006/main" xmlns:r="http://schemas.openxmlformats.org/officeDocument/2006/relationships" xmlns:p="http://schemas.openxmlformats.org/presentationml/2006/main">
   <p:cSld>
     <p:spTree>
@@ -5029,7 +5849,7 @@
 </p:sld>
 </file>
 
-<file path=ppt/slides/slide4.xml><?xml version="1.0" encoding="utf-8"?>
+<file path=ppt/slides/slide7.xml><?xml version="1.0" encoding="utf-8"?>
 <p:sld xmlns:a="http://schemas.openxmlformats.org/drawingml/2006/main" xmlns:r="http://schemas.openxmlformats.org/officeDocument/2006/relationships" xmlns:p="http://schemas.openxmlformats.org/presentationml/2006/main">
   <p:cSld>
     <p:spTree>
@@ -5095,7 +5915,7 @@
 </p:sld>
 </file>
 
-<file path=ppt/slides/slide5.xml><?xml version="1.0" encoding="utf-8"?>
+<file path=ppt/slides/slide8.xml><?xml version="1.0" encoding="utf-8"?>
 <p:sld xmlns:a="http://schemas.openxmlformats.org/drawingml/2006/main" xmlns:r="http://schemas.openxmlformats.org/officeDocument/2006/relationships" xmlns:p="http://schemas.openxmlformats.org/presentationml/2006/main">
   <p:cSld>
     <p:spTree>
@@ -5180,7 +6000,7 @@
 </p:sld>
 </file>
 
-<file path=ppt/slides/slide6.xml><?xml version="1.0" encoding="utf-8"?>
+<file path=ppt/slides/slide9.xml><?xml version="1.0" encoding="utf-8"?>
 <p:sld xmlns:a="http://schemas.openxmlformats.org/drawingml/2006/main" xmlns:r="http://schemas.openxmlformats.org/officeDocument/2006/relationships" xmlns:p="http://schemas.openxmlformats.org/presentationml/2006/main">
   <p:cSld>
     <p:spTree>
@@ -5249,261 +6069,6 @@
     <p:extLst>
       <p:ext uri="{BB962C8B-B14F-4D97-AF65-F5344CB8AC3E}">
         <p14:creationId xmlns:p14="http://schemas.microsoft.com/office/powerpoint/2010/main" val="2913974870"/>
-      </p:ext>
-    </p:extLst>
-  </p:cSld>
-  <p:clrMapOvr>
-    <a:masterClrMapping/>
-  </p:clrMapOvr>
-  <p:timing>
-    <p:tnLst>
-      <p:par>
-        <p:cTn id="1" dur="indefinite" restart="never" nodeType="tmRoot"/>
-      </p:par>
-    </p:tnLst>
-  </p:timing>
-</p:sld>
-</file>
-
-<file path=ppt/slides/slide7.xml><?xml version="1.0" encoding="utf-8"?>
-<p:sld xmlns:a="http://schemas.openxmlformats.org/drawingml/2006/main" xmlns:r="http://schemas.openxmlformats.org/officeDocument/2006/relationships" xmlns:p="http://schemas.openxmlformats.org/presentationml/2006/main">
-  <p:cSld>
-    <p:spTree>
-      <p:nvGrpSpPr>
-        <p:cNvPr id="1" name=""/>
-        <p:cNvGrpSpPr/>
-        <p:nvPr/>
-      </p:nvGrpSpPr>
-      <p:grpSpPr>
-        <a:xfrm>
-          <a:off x="0" y="0"/>
-          <a:ext cx="0" cy="0"/>
-          <a:chOff x="0" y="0"/>
-          <a:chExt cx="0" cy="0"/>
-        </a:xfrm>
-      </p:grpSpPr>
-      <p:sp>
-        <p:nvSpPr>
-          <p:cNvPr id="2" name="Title 1"/>
-          <p:cNvSpPr>
-            <a:spLocks noGrp="1"/>
-          </p:cNvSpPr>
-          <p:nvPr>
-            <p:ph type="title"/>
-          </p:nvPr>
-        </p:nvSpPr>
-        <p:spPr/>
-        <p:txBody>
-          <a:bodyPr/>
-          <a:lstStyle/>
-          <a:p>
-            <a:endParaRPr lang="en-US"/>
-          </a:p>
-        </p:txBody>
-      </p:sp>
-      <p:pic>
-        <p:nvPicPr>
-          <p:cNvPr id="4" name="Content Placeholder 3"/>
-          <p:cNvPicPr>
-            <a:picLocks noGrp="1" noChangeAspect="1"/>
-          </p:cNvPicPr>
-          <p:nvPr>
-            <p:ph idx="1"/>
-          </p:nvPr>
-        </p:nvPicPr>
-        <p:blipFill>
-          <a:blip r:embed="rId2">
-            <a:extLst>
-              <a:ext uri="{28A0092B-C50C-407E-A947-70E740481C1C}">
-                <a14:useLocalDpi xmlns:a14="http://schemas.microsoft.com/office/drawing/2010/main" val="0"/>
-              </a:ext>
-            </a:extLst>
-          </a:blip>
-          <a:stretch>
-            <a:fillRect/>
-          </a:stretch>
-        </p:blipFill>
-        <p:spPr>
-          <a:xfrm>
-            <a:off x="106681" y="112543"/>
-            <a:ext cx="11845482" cy="6611814"/>
-          </a:xfrm>
-        </p:spPr>
-      </p:pic>
-    </p:spTree>
-    <p:extLst>
-      <p:ext uri="{BB962C8B-B14F-4D97-AF65-F5344CB8AC3E}">
-        <p14:creationId xmlns:p14="http://schemas.microsoft.com/office/powerpoint/2010/main" val="2382348052"/>
-      </p:ext>
-    </p:extLst>
-  </p:cSld>
-  <p:clrMapOvr>
-    <a:masterClrMapping/>
-  </p:clrMapOvr>
-  <p:timing>
-    <p:tnLst>
-      <p:par>
-        <p:cTn id="1" dur="indefinite" restart="never" nodeType="tmRoot"/>
-      </p:par>
-    </p:tnLst>
-  </p:timing>
-</p:sld>
-</file>
-
-<file path=ppt/slides/slide8.xml><?xml version="1.0" encoding="utf-8"?>
-<p:sld xmlns:a="http://schemas.openxmlformats.org/drawingml/2006/main" xmlns:r="http://schemas.openxmlformats.org/officeDocument/2006/relationships" xmlns:p="http://schemas.openxmlformats.org/presentationml/2006/main">
-  <p:cSld>
-    <p:spTree>
-      <p:nvGrpSpPr>
-        <p:cNvPr id="1" name=""/>
-        <p:cNvGrpSpPr/>
-        <p:nvPr/>
-      </p:nvGrpSpPr>
-      <p:grpSpPr>
-        <a:xfrm>
-          <a:off x="0" y="0"/>
-          <a:ext cx="0" cy="0"/>
-          <a:chOff x="0" y="0"/>
-          <a:chExt cx="0" cy="0"/>
-        </a:xfrm>
-      </p:grpSpPr>
-      <p:sp>
-        <p:nvSpPr>
-          <p:cNvPr id="2" name="Title 1"/>
-          <p:cNvSpPr>
-            <a:spLocks noGrp="1"/>
-          </p:cNvSpPr>
-          <p:nvPr>
-            <p:ph type="title"/>
-          </p:nvPr>
-        </p:nvSpPr>
-        <p:spPr/>
-        <p:txBody>
-          <a:bodyPr/>
-          <a:lstStyle/>
-          <a:p>
-            <a:endParaRPr lang="en-US"/>
-          </a:p>
-        </p:txBody>
-      </p:sp>
-      <p:pic>
-        <p:nvPicPr>
-          <p:cNvPr id="4" name="Content Placeholder 3"/>
-          <p:cNvPicPr>
-            <a:picLocks noGrp="1" noChangeAspect="1"/>
-          </p:cNvPicPr>
-          <p:nvPr>
-            <p:ph idx="1"/>
-          </p:nvPr>
-        </p:nvPicPr>
-        <p:blipFill>
-          <a:blip r:embed="rId2">
-            <a:extLst>
-              <a:ext uri="{28A0092B-C50C-407E-A947-70E740481C1C}">
-                <a14:useLocalDpi xmlns:a14="http://schemas.microsoft.com/office/drawing/2010/main" val="0"/>
-              </a:ext>
-            </a:extLst>
-          </a:blip>
-          <a:stretch>
-            <a:fillRect/>
-          </a:stretch>
-        </p:blipFill>
-        <p:spPr>
-          <a:xfrm>
-            <a:off x="160980" y="365125"/>
-            <a:ext cx="12031020" cy="6375840"/>
-          </a:xfrm>
-        </p:spPr>
-      </p:pic>
-    </p:spTree>
-    <p:extLst>
-      <p:ext uri="{BB962C8B-B14F-4D97-AF65-F5344CB8AC3E}">
-        <p14:creationId xmlns:p14="http://schemas.microsoft.com/office/powerpoint/2010/main" val="3347716296"/>
-      </p:ext>
-    </p:extLst>
-  </p:cSld>
-  <p:clrMapOvr>
-    <a:masterClrMapping/>
-  </p:clrMapOvr>
-  <p:timing>
-    <p:tnLst>
-      <p:par>
-        <p:cTn id="1" dur="indefinite" restart="never" nodeType="tmRoot"/>
-      </p:par>
-    </p:tnLst>
-  </p:timing>
-</p:sld>
-</file>
-
-<file path=ppt/slides/slide9.xml><?xml version="1.0" encoding="utf-8"?>
-<p:sld xmlns:a="http://schemas.openxmlformats.org/drawingml/2006/main" xmlns:r="http://schemas.openxmlformats.org/officeDocument/2006/relationships" xmlns:p="http://schemas.openxmlformats.org/presentationml/2006/main">
-  <p:cSld>
-    <p:spTree>
-      <p:nvGrpSpPr>
-        <p:cNvPr id="1" name=""/>
-        <p:cNvGrpSpPr/>
-        <p:nvPr/>
-      </p:nvGrpSpPr>
-      <p:grpSpPr>
-        <a:xfrm>
-          <a:off x="0" y="0"/>
-          <a:ext cx="0" cy="0"/>
-          <a:chOff x="0" y="0"/>
-          <a:chExt cx="0" cy="0"/>
-        </a:xfrm>
-      </p:grpSpPr>
-      <p:sp>
-        <p:nvSpPr>
-          <p:cNvPr id="2" name="Title 1"/>
-          <p:cNvSpPr>
-            <a:spLocks noGrp="1"/>
-          </p:cNvSpPr>
-          <p:nvPr>
-            <p:ph type="title"/>
-          </p:nvPr>
-        </p:nvSpPr>
-        <p:spPr/>
-        <p:txBody>
-          <a:bodyPr/>
-          <a:lstStyle/>
-          <a:p>
-            <a:endParaRPr lang="en-US"/>
-          </a:p>
-        </p:txBody>
-      </p:sp>
-      <p:pic>
-        <p:nvPicPr>
-          <p:cNvPr id="8" name="Content Placeholder 7"/>
-          <p:cNvPicPr>
-            <a:picLocks noGrp="1" noChangeAspect="1"/>
-          </p:cNvPicPr>
-          <p:nvPr>
-            <p:ph idx="1"/>
-          </p:nvPr>
-        </p:nvPicPr>
-        <p:blipFill>
-          <a:blip r:embed="rId2">
-            <a:extLst>
-              <a:ext uri="{28A0092B-C50C-407E-A947-70E740481C1C}">
-                <a14:useLocalDpi xmlns:a14="http://schemas.microsoft.com/office/drawing/2010/main" val="0"/>
-              </a:ext>
-            </a:extLst>
-          </a:blip>
-          <a:stretch>
-            <a:fillRect/>
-          </a:stretch>
-        </p:blipFill>
-        <p:spPr>
-          <a:xfrm>
-            <a:off x="167763" y="1690688"/>
-            <a:ext cx="11856474" cy="5009271"/>
-          </a:xfrm>
-        </p:spPr>
-      </p:pic>
-    </p:spTree>
-    <p:extLst>
-      <p:ext uri="{BB962C8B-B14F-4D97-AF65-F5344CB8AC3E}">
-        <p14:creationId xmlns:p14="http://schemas.microsoft.com/office/powerpoint/2010/main" val="971825008"/>
       </p:ext>
     </p:extLst>
   </p:cSld>

--- a/The Effect Of Various Census Demographics On Graduation.pptx
+++ b/The Effect Of Various Census Demographics On Graduation.pptx
@@ -17,28 +17,30 @@
     <p:sldId id="262" r:id="rId11"/>
     <p:sldId id="263" r:id="rId12"/>
     <p:sldId id="289" r:id="rId13"/>
-    <p:sldId id="290" r:id="rId14"/>
-    <p:sldId id="264" r:id="rId15"/>
-    <p:sldId id="270" r:id="rId16"/>
-    <p:sldId id="266" r:id="rId17"/>
-    <p:sldId id="267" r:id="rId18"/>
-    <p:sldId id="268" r:id="rId19"/>
-    <p:sldId id="269" r:id="rId20"/>
-    <p:sldId id="271" r:id="rId21"/>
-    <p:sldId id="272" r:id="rId22"/>
-    <p:sldId id="273" r:id="rId23"/>
-    <p:sldId id="274" r:id="rId24"/>
-    <p:sldId id="276" r:id="rId25"/>
-    <p:sldId id="275" r:id="rId26"/>
-    <p:sldId id="277" r:id="rId27"/>
-    <p:sldId id="278" r:id="rId28"/>
-    <p:sldId id="279" r:id="rId29"/>
-    <p:sldId id="280" r:id="rId30"/>
-    <p:sldId id="281" r:id="rId31"/>
-    <p:sldId id="282" r:id="rId32"/>
-    <p:sldId id="283" r:id="rId33"/>
-    <p:sldId id="284" r:id="rId34"/>
-    <p:sldId id="285" r:id="rId35"/>
+    <p:sldId id="291" r:id="rId14"/>
+    <p:sldId id="290" r:id="rId15"/>
+    <p:sldId id="264" r:id="rId16"/>
+    <p:sldId id="270" r:id="rId17"/>
+    <p:sldId id="266" r:id="rId18"/>
+    <p:sldId id="267" r:id="rId19"/>
+    <p:sldId id="268" r:id="rId20"/>
+    <p:sldId id="269" r:id="rId21"/>
+    <p:sldId id="271" r:id="rId22"/>
+    <p:sldId id="272" r:id="rId23"/>
+    <p:sldId id="273" r:id="rId24"/>
+    <p:sldId id="274" r:id="rId25"/>
+    <p:sldId id="276" r:id="rId26"/>
+    <p:sldId id="275" r:id="rId27"/>
+    <p:sldId id="277" r:id="rId28"/>
+    <p:sldId id="278" r:id="rId29"/>
+    <p:sldId id="279" r:id="rId30"/>
+    <p:sldId id="280" r:id="rId31"/>
+    <p:sldId id="281" r:id="rId32"/>
+    <p:sldId id="282" r:id="rId33"/>
+    <p:sldId id="283" r:id="rId34"/>
+    <p:sldId id="284" r:id="rId35"/>
+    <p:sldId id="285" r:id="rId36"/>
+    <p:sldId id="292" r:id="rId37"/>
   </p:sldIdLst>
   <p:sldSz cx="12192000" cy="6858000"/>
   <p:notesSz cx="6858000" cy="9144000"/>
@@ -187,10 +189,9 @@
           </a:lstStyle>
           <a:p>
             <a:r>
-              <a:rPr lang="en-US" smtClean="0"/>
+              <a:rPr lang="en-US"/>
               <a:t>Click to edit Master title style</a:t>
             </a:r>
-            <a:endParaRPr lang="en-US"/>
           </a:p>
         </p:txBody>
       </p:sp>
@@ -252,10 +253,9 @@
           </a:lstStyle>
           <a:p>
             <a:r>
-              <a:rPr lang="en-US" smtClean="0"/>
+              <a:rPr lang="en-US"/>
               <a:t>Click to edit Master subtitle style</a:t>
             </a:r>
-            <a:endParaRPr lang="en-US"/>
           </a:p>
         </p:txBody>
       </p:sp>
@@ -370,10 +370,9 @@
           <a:lstStyle/>
           <a:p>
             <a:r>
-              <a:rPr lang="en-US" smtClean="0"/>
+              <a:rPr lang="en-US"/>
               <a:t>Click to edit Master title style</a:t>
             </a:r>
-            <a:endParaRPr lang="en-US"/>
           </a:p>
         </p:txBody>
       </p:sp>
@@ -394,38 +393,37 @@
           <a:p>
             <a:pPr lvl="0"/>
             <a:r>
-              <a:rPr lang="en-US" smtClean="0"/>
+              <a:rPr lang="en-US"/>
               <a:t>Edit Master text styles</a:t>
             </a:r>
           </a:p>
           <a:p>
             <a:pPr lvl="1"/>
             <a:r>
-              <a:rPr lang="en-US" smtClean="0"/>
+              <a:rPr lang="en-US"/>
               <a:t>Second level</a:t>
             </a:r>
           </a:p>
           <a:p>
             <a:pPr lvl="2"/>
             <a:r>
-              <a:rPr lang="en-US" smtClean="0"/>
+              <a:rPr lang="en-US"/>
               <a:t>Third level</a:t>
             </a:r>
           </a:p>
           <a:p>
             <a:pPr lvl="3"/>
             <a:r>
-              <a:rPr lang="en-US" smtClean="0"/>
+              <a:rPr lang="en-US"/>
               <a:t>Fourth level</a:t>
             </a:r>
           </a:p>
           <a:p>
             <a:pPr lvl="4"/>
             <a:r>
-              <a:rPr lang="en-US" smtClean="0"/>
+              <a:rPr lang="en-US"/>
               <a:t>Fifth level</a:t>
             </a:r>
-            <a:endParaRPr lang="en-US"/>
           </a:p>
         </p:txBody>
       </p:sp>
@@ -545,10 +543,9 @@
           <a:lstStyle/>
           <a:p>
             <a:r>
-              <a:rPr lang="en-US" smtClean="0"/>
+              <a:rPr lang="en-US"/>
               <a:t>Click to edit Master title style</a:t>
             </a:r>
-            <a:endParaRPr lang="en-US"/>
           </a:p>
         </p:txBody>
       </p:sp>
@@ -574,38 +571,37 @@
           <a:p>
             <a:pPr lvl="0"/>
             <a:r>
-              <a:rPr lang="en-US" smtClean="0"/>
+              <a:rPr lang="en-US"/>
               <a:t>Edit Master text styles</a:t>
             </a:r>
           </a:p>
           <a:p>
             <a:pPr lvl="1"/>
             <a:r>
-              <a:rPr lang="en-US" smtClean="0"/>
+              <a:rPr lang="en-US"/>
               <a:t>Second level</a:t>
             </a:r>
           </a:p>
           <a:p>
             <a:pPr lvl="2"/>
             <a:r>
-              <a:rPr lang="en-US" smtClean="0"/>
+              <a:rPr lang="en-US"/>
               <a:t>Third level</a:t>
             </a:r>
           </a:p>
           <a:p>
             <a:pPr lvl="3"/>
             <a:r>
-              <a:rPr lang="en-US" smtClean="0"/>
+              <a:rPr lang="en-US"/>
               <a:t>Fourth level</a:t>
             </a:r>
           </a:p>
           <a:p>
             <a:pPr lvl="4"/>
             <a:r>
-              <a:rPr lang="en-US" smtClean="0"/>
+              <a:rPr lang="en-US"/>
               <a:t>Fifth level</a:t>
             </a:r>
-            <a:endParaRPr lang="en-US"/>
           </a:p>
         </p:txBody>
       </p:sp>
@@ -720,10 +716,9 @@
           <a:lstStyle/>
           <a:p>
             <a:r>
-              <a:rPr lang="en-US" smtClean="0"/>
+              <a:rPr lang="en-US"/>
               <a:t>Click to edit Master title style</a:t>
             </a:r>
-            <a:endParaRPr lang="en-US"/>
           </a:p>
         </p:txBody>
       </p:sp>
@@ -744,38 +739,37 @@
           <a:p>
             <a:pPr lvl="0"/>
             <a:r>
-              <a:rPr lang="en-US" smtClean="0"/>
+              <a:rPr lang="en-US"/>
               <a:t>Edit Master text styles</a:t>
             </a:r>
           </a:p>
           <a:p>
             <a:pPr lvl="1"/>
             <a:r>
-              <a:rPr lang="en-US" smtClean="0"/>
+              <a:rPr lang="en-US"/>
               <a:t>Second level</a:t>
             </a:r>
           </a:p>
           <a:p>
             <a:pPr lvl="2"/>
             <a:r>
-              <a:rPr lang="en-US" smtClean="0"/>
+              <a:rPr lang="en-US"/>
               <a:t>Third level</a:t>
             </a:r>
           </a:p>
           <a:p>
             <a:pPr lvl="3"/>
             <a:r>
-              <a:rPr lang="en-US" smtClean="0"/>
+              <a:rPr lang="en-US"/>
               <a:t>Fourth level</a:t>
             </a:r>
           </a:p>
           <a:p>
             <a:pPr lvl="4"/>
             <a:r>
-              <a:rPr lang="en-US" smtClean="0"/>
+              <a:rPr lang="en-US"/>
               <a:t>Fifth level</a:t>
             </a:r>
-            <a:endParaRPr lang="en-US"/>
           </a:p>
         </p:txBody>
       </p:sp>
@@ -899,10 +893,9 @@
           </a:lstStyle>
           <a:p>
             <a:r>
-              <a:rPr lang="en-US" smtClean="0"/>
+              <a:rPr lang="en-US"/>
               <a:t>Click to edit Master title style</a:t>
             </a:r>
-            <a:endParaRPr lang="en-US"/>
           </a:p>
         </p:txBody>
       </p:sp>
@@ -1019,7 +1012,7 @@
           <a:p>
             <a:pPr lvl="0"/>
             <a:r>
-              <a:rPr lang="en-US" smtClean="0"/>
+              <a:rPr lang="en-US"/>
               <a:t>Edit Master text styles</a:t>
             </a:r>
           </a:p>
@@ -1136,10 +1129,9 @@
           <a:lstStyle/>
           <a:p>
             <a:r>
-              <a:rPr lang="en-US" smtClean="0"/>
+              <a:rPr lang="en-US"/>
               <a:t>Click to edit Master title style</a:t>
             </a:r>
-            <a:endParaRPr lang="en-US"/>
           </a:p>
         </p:txBody>
       </p:sp>
@@ -1165,38 +1157,37 @@
           <a:p>
             <a:pPr lvl="0"/>
             <a:r>
-              <a:rPr lang="en-US" smtClean="0"/>
+              <a:rPr lang="en-US"/>
               <a:t>Edit Master text styles</a:t>
             </a:r>
           </a:p>
           <a:p>
             <a:pPr lvl="1"/>
             <a:r>
-              <a:rPr lang="en-US" smtClean="0"/>
+              <a:rPr lang="en-US"/>
               <a:t>Second level</a:t>
             </a:r>
           </a:p>
           <a:p>
             <a:pPr lvl="2"/>
             <a:r>
-              <a:rPr lang="en-US" smtClean="0"/>
+              <a:rPr lang="en-US"/>
               <a:t>Third level</a:t>
             </a:r>
           </a:p>
           <a:p>
             <a:pPr lvl="3"/>
             <a:r>
-              <a:rPr lang="en-US" smtClean="0"/>
+              <a:rPr lang="en-US"/>
               <a:t>Fourth level</a:t>
             </a:r>
           </a:p>
           <a:p>
             <a:pPr lvl="4"/>
             <a:r>
-              <a:rPr lang="en-US" smtClean="0"/>
+              <a:rPr lang="en-US"/>
               <a:t>Fifth level</a:t>
             </a:r>
-            <a:endParaRPr lang="en-US"/>
           </a:p>
         </p:txBody>
       </p:sp>
@@ -1222,38 +1213,37 @@
           <a:p>
             <a:pPr lvl="0"/>
             <a:r>
-              <a:rPr lang="en-US" smtClean="0"/>
+              <a:rPr lang="en-US"/>
               <a:t>Edit Master text styles</a:t>
             </a:r>
           </a:p>
           <a:p>
             <a:pPr lvl="1"/>
             <a:r>
-              <a:rPr lang="en-US" smtClean="0"/>
+              <a:rPr lang="en-US"/>
               <a:t>Second level</a:t>
             </a:r>
           </a:p>
           <a:p>
             <a:pPr lvl="2"/>
             <a:r>
-              <a:rPr lang="en-US" smtClean="0"/>
+              <a:rPr lang="en-US"/>
               <a:t>Third level</a:t>
             </a:r>
           </a:p>
           <a:p>
             <a:pPr lvl="3"/>
             <a:r>
-              <a:rPr lang="en-US" smtClean="0"/>
+              <a:rPr lang="en-US"/>
               <a:t>Fourth level</a:t>
             </a:r>
           </a:p>
           <a:p>
             <a:pPr lvl="4"/>
             <a:r>
-              <a:rPr lang="en-US" smtClean="0"/>
+              <a:rPr lang="en-US"/>
               <a:t>Fifth level</a:t>
             </a:r>
-            <a:endParaRPr lang="en-US"/>
           </a:p>
         </p:txBody>
       </p:sp>
@@ -1373,10 +1363,9 @@
           <a:lstStyle/>
           <a:p>
             <a:r>
-              <a:rPr lang="en-US" smtClean="0"/>
+              <a:rPr lang="en-US"/>
               <a:t>Click to edit Master title style</a:t>
             </a:r>
-            <a:endParaRPr lang="en-US"/>
           </a:p>
         </p:txBody>
       </p:sp>
@@ -1439,7 +1428,7 @@
           <a:p>
             <a:pPr lvl="0"/>
             <a:r>
-              <a:rPr lang="en-US" smtClean="0"/>
+              <a:rPr lang="en-US"/>
               <a:t>Edit Master text styles</a:t>
             </a:r>
           </a:p>
@@ -1467,38 +1456,37 @@
           <a:p>
             <a:pPr lvl="0"/>
             <a:r>
-              <a:rPr lang="en-US" smtClean="0"/>
+              <a:rPr lang="en-US"/>
               <a:t>Edit Master text styles</a:t>
             </a:r>
           </a:p>
           <a:p>
             <a:pPr lvl="1"/>
             <a:r>
-              <a:rPr lang="en-US" smtClean="0"/>
+              <a:rPr lang="en-US"/>
               <a:t>Second level</a:t>
             </a:r>
           </a:p>
           <a:p>
             <a:pPr lvl="2"/>
             <a:r>
-              <a:rPr lang="en-US" smtClean="0"/>
+              <a:rPr lang="en-US"/>
               <a:t>Third level</a:t>
             </a:r>
           </a:p>
           <a:p>
             <a:pPr lvl="3"/>
             <a:r>
-              <a:rPr lang="en-US" smtClean="0"/>
+              <a:rPr lang="en-US"/>
               <a:t>Fourth level</a:t>
             </a:r>
           </a:p>
           <a:p>
             <a:pPr lvl="4"/>
             <a:r>
-              <a:rPr lang="en-US" smtClean="0"/>
+              <a:rPr lang="en-US"/>
               <a:t>Fifth level</a:t>
             </a:r>
-            <a:endParaRPr lang="en-US"/>
           </a:p>
         </p:txBody>
       </p:sp>
@@ -1561,7 +1549,7 @@
           <a:p>
             <a:pPr lvl="0"/>
             <a:r>
-              <a:rPr lang="en-US" smtClean="0"/>
+              <a:rPr lang="en-US"/>
               <a:t>Edit Master text styles</a:t>
             </a:r>
           </a:p>
@@ -1589,38 +1577,37 @@
           <a:p>
             <a:pPr lvl="0"/>
             <a:r>
-              <a:rPr lang="en-US" smtClean="0"/>
+              <a:rPr lang="en-US"/>
               <a:t>Edit Master text styles</a:t>
             </a:r>
           </a:p>
           <a:p>
             <a:pPr lvl="1"/>
             <a:r>
-              <a:rPr lang="en-US" smtClean="0"/>
+              <a:rPr lang="en-US"/>
               <a:t>Second level</a:t>
             </a:r>
           </a:p>
           <a:p>
             <a:pPr lvl="2"/>
             <a:r>
-              <a:rPr lang="en-US" smtClean="0"/>
+              <a:rPr lang="en-US"/>
               <a:t>Third level</a:t>
             </a:r>
           </a:p>
           <a:p>
             <a:pPr lvl="3"/>
             <a:r>
-              <a:rPr lang="en-US" smtClean="0"/>
+              <a:rPr lang="en-US"/>
               <a:t>Fourth level</a:t>
             </a:r>
           </a:p>
           <a:p>
             <a:pPr lvl="4"/>
             <a:r>
-              <a:rPr lang="en-US" smtClean="0"/>
+              <a:rPr lang="en-US"/>
               <a:t>Fifth level</a:t>
             </a:r>
-            <a:endParaRPr lang="en-US"/>
           </a:p>
         </p:txBody>
       </p:sp>
@@ -1735,10 +1722,9 @@
           <a:lstStyle/>
           <a:p>
             <a:r>
-              <a:rPr lang="en-US" smtClean="0"/>
+              <a:rPr lang="en-US"/>
               <a:t>Click to edit Master title style</a:t>
             </a:r>
-            <a:endParaRPr lang="en-US"/>
           </a:p>
         </p:txBody>
       </p:sp>
@@ -1957,10 +1943,9 @@
           </a:lstStyle>
           <a:p>
             <a:r>
-              <a:rPr lang="en-US" smtClean="0"/>
+              <a:rPr lang="en-US"/>
               <a:t>Click to edit Master title style</a:t>
             </a:r>
-            <a:endParaRPr lang="en-US"/>
           </a:p>
         </p:txBody>
       </p:sp>
@@ -2014,38 +1999,37 @@
           <a:p>
             <a:pPr lvl="0"/>
             <a:r>
-              <a:rPr lang="en-US" smtClean="0"/>
+              <a:rPr lang="en-US"/>
               <a:t>Edit Master text styles</a:t>
             </a:r>
           </a:p>
           <a:p>
             <a:pPr lvl="1"/>
             <a:r>
-              <a:rPr lang="en-US" smtClean="0"/>
+              <a:rPr lang="en-US"/>
               <a:t>Second level</a:t>
             </a:r>
           </a:p>
           <a:p>
             <a:pPr lvl="2"/>
             <a:r>
-              <a:rPr lang="en-US" smtClean="0"/>
+              <a:rPr lang="en-US"/>
               <a:t>Third level</a:t>
             </a:r>
           </a:p>
           <a:p>
             <a:pPr lvl="3"/>
             <a:r>
-              <a:rPr lang="en-US" smtClean="0"/>
+              <a:rPr lang="en-US"/>
               <a:t>Fourth level</a:t>
             </a:r>
           </a:p>
           <a:p>
             <a:pPr lvl="4"/>
             <a:r>
-              <a:rPr lang="en-US" smtClean="0"/>
+              <a:rPr lang="en-US"/>
               <a:t>Fifth level</a:t>
             </a:r>
-            <a:endParaRPr lang="en-US"/>
           </a:p>
         </p:txBody>
       </p:sp>
@@ -2108,7 +2092,7 @@
           <a:p>
             <a:pPr lvl="0"/>
             <a:r>
-              <a:rPr lang="en-US" smtClean="0"/>
+              <a:rPr lang="en-US"/>
               <a:t>Edit Master text styles</a:t>
             </a:r>
           </a:p>
@@ -2234,10 +2218,9 @@
           </a:lstStyle>
           <a:p>
             <a:r>
-              <a:rPr lang="en-US" smtClean="0"/>
+              <a:rPr lang="en-US"/>
               <a:t>Click to edit Master title style</a:t>
             </a:r>
-            <a:endParaRPr lang="en-US"/>
           </a:p>
         </p:txBody>
       </p:sp>
@@ -2361,7 +2344,7 @@
           <a:p>
             <a:pPr lvl="0"/>
             <a:r>
-              <a:rPr lang="en-US" smtClean="0"/>
+              <a:rPr lang="en-US"/>
               <a:t>Edit Master text styles</a:t>
             </a:r>
           </a:p>
@@ -2493,10 +2476,9 @@
           <a:lstStyle/>
           <a:p>
             <a:r>
-              <a:rPr lang="en-US" smtClean="0"/>
+              <a:rPr lang="en-US"/>
               <a:t>Click to edit Master title style</a:t>
             </a:r>
-            <a:endParaRPr lang="en-US"/>
           </a:p>
         </p:txBody>
       </p:sp>
@@ -2527,38 +2509,37 @@
           <a:p>
             <a:pPr lvl="0"/>
             <a:r>
-              <a:rPr lang="en-US" smtClean="0"/>
+              <a:rPr lang="en-US"/>
               <a:t>Edit Master text styles</a:t>
             </a:r>
           </a:p>
           <a:p>
             <a:pPr lvl="1"/>
             <a:r>
-              <a:rPr lang="en-US" smtClean="0"/>
+              <a:rPr lang="en-US"/>
               <a:t>Second level</a:t>
             </a:r>
           </a:p>
           <a:p>
             <a:pPr lvl="2"/>
             <a:r>
-              <a:rPr lang="en-US" smtClean="0"/>
+              <a:rPr lang="en-US"/>
               <a:t>Third level</a:t>
             </a:r>
           </a:p>
           <a:p>
             <a:pPr lvl="3"/>
             <a:r>
-              <a:rPr lang="en-US" smtClean="0"/>
+              <a:rPr lang="en-US"/>
               <a:t>Fourth level</a:t>
             </a:r>
           </a:p>
           <a:p>
             <a:pPr lvl="4"/>
             <a:r>
-              <a:rPr lang="en-US" smtClean="0"/>
+              <a:rPr lang="en-US"/>
               <a:t>Fifth level</a:t>
             </a:r>
-            <a:endParaRPr lang="en-US"/>
           </a:p>
         </p:txBody>
       </p:sp>
@@ -3042,7 +3023,7 @@
           <a:lstStyle/>
           <a:p>
             <a:r>
-              <a:rPr lang="en-US" dirty="0" smtClean="0">
+              <a:rPr lang="en-US" dirty="0">
                 <a:effectLst>
                   <a:outerShdw blurRad="38100" dist="38100" dir="2700000" algn="tl">
                     <a:srgbClr val="000000">
@@ -3055,17 +3036,6 @@
               </a:rPr>
               <a:t>The Effect Of Various Census Demographics On Graduation Rates By County In NJ, NY, &amp; PA</a:t>
             </a:r>
-            <a:endParaRPr lang="en-US" dirty="0">
-              <a:effectLst>
-                <a:outerShdw blurRad="38100" dist="38100" dir="2700000" algn="tl">
-                  <a:srgbClr val="000000">
-                    <a:alpha val="43137"/>
-                  </a:srgbClr>
-                </a:outerShdw>
-              </a:effectLst>
-              <a:latin typeface="Times New Roman" panose="02020603050405020304" pitchFamily="18" charset="0"/>
-              <a:cs typeface="Times New Roman" panose="02020603050405020304" pitchFamily="18" charset="0"/>
-            </a:endParaRPr>
           </a:p>
         </p:txBody>
       </p:sp>
@@ -3118,38 +3088,29 @@
           <a:bodyPr/>
           <a:lstStyle/>
           <a:p>
-            <a:endParaRPr lang="en-US" dirty="0" smtClean="0"/>
-          </a:p>
-          <a:p>
-            <a:r>
-              <a:rPr lang="en-US" dirty="0" smtClean="0"/>
+            <a:endParaRPr lang="en-US" dirty="0"/>
+          </a:p>
+          <a:p>
+            <a:r>
+              <a:rPr lang="en-US" dirty="0"/>
               <a:t>A presentation by: </a:t>
             </a:r>
             <a:r>
-              <a:rPr lang="en-US" dirty="0" err="1" smtClean="0"/>
+              <a:rPr lang="en-US" dirty="0" err="1"/>
               <a:t>Areej</a:t>
             </a:r>
             <a:r>
-              <a:rPr lang="en-US" dirty="0" smtClean="0"/>
-              <a:t>, Isaac, </a:t>
-            </a:r>
-            <a:r>
-              <a:rPr lang="en-US" dirty="0" smtClean="0"/>
-              <a:t>Justin, </a:t>
-            </a:r>
-            <a:r>
-              <a:rPr lang="en-US" dirty="0" err="1" smtClean="0"/>
+              <a:rPr lang="en-US" dirty="0"/>
+              <a:t>, Isaac, Justin, </a:t>
+            </a:r>
+            <a:r>
+              <a:rPr lang="en-US" dirty="0" err="1"/>
               <a:t>Pavan</a:t>
             </a:r>
             <a:r>
-              <a:rPr lang="en-US" dirty="0" smtClean="0"/>
-              <a:t> </a:t>
-            </a:r>
-            <a:r>
-              <a:rPr lang="en-US" dirty="0" smtClean="0"/>
-              <a:t>&amp;, Terry.</a:t>
-            </a:r>
-            <a:endParaRPr lang="en-US" dirty="0"/>
+              <a:rPr lang="en-US" dirty="0"/>
+              <a:t> &amp;, Terry.</a:t>
+            </a:r>
           </a:p>
         </p:txBody>
       </p:sp>
@@ -3163,13 +3124,6 @@
   <p:clrMapOvr>
     <a:masterClrMapping/>
   </p:clrMapOvr>
-  <p:timing>
-    <p:tnLst>
-      <p:par>
-        <p:cTn id="1" dur="indefinite" restart="never" nodeType="tmRoot"/>
-      </p:par>
-    </p:tnLst>
-  </p:timing>
 </p:sld>
 </file>
 
@@ -3248,13 +3202,6 @@
   <p:clrMapOvr>
     <a:masterClrMapping/>
   </p:clrMapOvr>
-  <p:timing>
-    <p:tnLst>
-      <p:par>
-        <p:cTn id="1" dur="indefinite" restart="never" nodeType="tmRoot"/>
-      </p:par>
-    </p:tnLst>
-  </p:timing>
 </p:sld>
 </file>
 
@@ -3333,13 +3280,6 @@
   <p:clrMapOvr>
     <a:masterClrMapping/>
   </p:clrMapOvr>
-  <p:timing>
-    <p:tnLst>
-      <p:par>
-        <p:cTn id="1" dur="indefinite" restart="never" nodeType="tmRoot"/>
-      </p:par>
-    </p:tnLst>
-  </p:timing>
 </p:sld>
 </file>
 
@@ -3376,80 +3316,58 @@
           <a:lstStyle/>
           <a:p>
             <a:r>
-              <a:rPr lang="en-US" dirty="0" smtClean="0"/>
+              <a:rPr lang="en-US" dirty="0"/>
               <a:t>Noticeable Trends </a:t>
             </a:r>
+          </a:p>
+        </p:txBody>
+      </p:sp>
+      <p:sp>
+        <p:nvSpPr>
+          <p:cNvPr id="3" name="Content Placeholder 2"/>
+          <p:cNvSpPr>
+            <a:spLocks noGrp="1"/>
+          </p:cNvSpPr>
+          <p:nvPr>
+            <p:ph idx="1"/>
+          </p:nvPr>
+        </p:nvSpPr>
+        <p:spPr/>
+        <p:txBody>
+          <a:bodyPr/>
+          <a:lstStyle/>
+          <a:p>
+            <a:r>
+              <a:rPr lang="en-US" dirty="0"/>
+              <a:t>Graduation rates, Household size and Unemployment rate  are very similar </a:t>
+            </a:r>
+          </a:p>
+          <a:p>
+            <a:r>
+              <a:rPr lang="en-US" dirty="0"/>
+              <a:t>New Jersey has the lowest poverty rate and New York has the highest poverty rate</a:t>
+            </a:r>
+          </a:p>
+          <a:p>
+            <a:r>
+              <a:rPr lang="en-US" dirty="0"/>
+              <a:t>Median income rate is higher New Jersey</a:t>
+            </a:r>
+          </a:p>
+          <a:p>
+            <a:r>
+              <a:rPr lang="en-US" dirty="0"/>
+              <a:t>Speak a language other than English by state is higher in New Jersey</a:t>
+            </a:r>
+          </a:p>
+          <a:p>
+            <a:r>
+              <a:rPr lang="en-US" dirty="0"/>
+              <a:t> New Jersey has a higher median and a better over all graduation rate.</a:t>
+            </a:r>
+          </a:p>
+          <a:p>
             <a:endParaRPr lang="en-US" dirty="0"/>
-          </a:p>
-        </p:txBody>
-      </p:sp>
-      <p:sp>
-        <p:nvSpPr>
-          <p:cNvPr id="3" name="Content Placeholder 2"/>
-          <p:cNvSpPr>
-            <a:spLocks noGrp="1"/>
-          </p:cNvSpPr>
-          <p:nvPr>
-            <p:ph idx="1"/>
-          </p:nvPr>
-        </p:nvSpPr>
-        <p:spPr/>
-        <p:txBody>
-          <a:bodyPr/>
-          <a:lstStyle/>
-          <a:p>
-            <a:r>
-              <a:rPr lang="en-US" dirty="0" smtClean="0"/>
-              <a:t>Graduation rates,</a:t>
-            </a:r>
-            <a:r>
-              <a:rPr lang="en-US" dirty="0"/>
-              <a:t> Household </a:t>
-            </a:r>
-            <a:r>
-              <a:rPr lang="en-US" dirty="0" smtClean="0"/>
-              <a:t>size and </a:t>
-            </a:r>
-            <a:r>
-              <a:rPr lang="en-US" dirty="0"/>
-              <a:t>Unemployment rate</a:t>
-            </a:r>
-            <a:r>
-              <a:rPr lang="en-US" dirty="0" smtClean="0"/>
-              <a:t>  are very similar </a:t>
-            </a:r>
-          </a:p>
-          <a:p>
-            <a:r>
-              <a:rPr lang="en-US" dirty="0" smtClean="0"/>
-              <a:t>New Jersey has the lowest poverty rate and New York has the highest poverty rate</a:t>
-            </a:r>
-          </a:p>
-          <a:p>
-            <a:r>
-              <a:rPr lang="en-US" dirty="0" smtClean="0"/>
-              <a:t>Median income rate is higher New Jersey</a:t>
-            </a:r>
-          </a:p>
-          <a:p>
-            <a:r>
-              <a:rPr lang="en-US" dirty="0"/>
-              <a:t>Speak a language other than English by </a:t>
-            </a:r>
-            <a:r>
-              <a:rPr lang="en-US" dirty="0" smtClean="0"/>
-              <a:t>state is higher in New Jersey</a:t>
-            </a:r>
-          </a:p>
-          <a:p>
-            <a:r>
-              <a:rPr lang="en-US" dirty="0" smtClean="0"/>
-              <a:t> New Jersey has a higher median and a better over all graduation rate.</a:t>
-            </a:r>
-            <a:endParaRPr lang="en-US" dirty="0"/>
-          </a:p>
-          <a:p>
-            <a:endParaRPr lang="en-US" dirty="0" smtClean="0"/>
           </a:p>
         </p:txBody>
       </p:sp>
@@ -3485,6 +3403,93 @@
       </p:grpSpPr>
       <p:sp>
         <p:nvSpPr>
+          <p:cNvPr id="2" name="Title 1">
+            <a:extLst>
+              <a:ext uri="{FF2B5EF4-FFF2-40B4-BE49-F238E27FC236}">
+                <a16:creationId xmlns:a16="http://schemas.microsoft.com/office/drawing/2014/main" id="{4413E8CC-6011-4D17-8AB3-FE3E4AE9DA68}"/>
+              </a:ext>
+            </a:extLst>
+          </p:cNvPr>
+          <p:cNvSpPr>
+            <a:spLocks noGrp="1"/>
+          </p:cNvSpPr>
+          <p:nvPr>
+            <p:ph type="title"/>
+          </p:nvPr>
+        </p:nvSpPr>
+        <p:spPr/>
+        <p:txBody>
+          <a:bodyPr/>
+          <a:lstStyle/>
+          <a:p>
+            <a:endParaRPr lang="en-US" dirty="0"/>
+          </a:p>
+        </p:txBody>
+      </p:sp>
+      <p:pic>
+        <p:nvPicPr>
+          <p:cNvPr id="4" name="Content Placeholder 3">
+            <a:extLst>
+              <a:ext uri="{FF2B5EF4-FFF2-40B4-BE49-F238E27FC236}">
+                <a16:creationId xmlns:a16="http://schemas.microsoft.com/office/drawing/2014/main" id="{3724252B-5671-4202-AF83-9D757765C075}"/>
+              </a:ext>
+            </a:extLst>
+          </p:cNvPr>
+          <p:cNvPicPr>
+            <a:picLocks noGrp="1" noChangeAspect="1"/>
+          </p:cNvPicPr>
+          <p:nvPr>
+            <p:ph idx="1"/>
+          </p:nvPr>
+        </p:nvPicPr>
+        <p:blipFill>
+          <a:blip r:embed="rId2"/>
+          <a:stretch>
+            <a:fillRect/>
+          </a:stretch>
+        </p:blipFill>
+        <p:spPr>
+          <a:xfrm>
+            <a:off x="1927273" y="1891623"/>
+            <a:ext cx="7458872" cy="4601252"/>
+          </a:xfrm>
+          <a:prstGeom prst="rect">
+            <a:avLst/>
+          </a:prstGeom>
+        </p:spPr>
+      </p:pic>
+    </p:spTree>
+    <p:extLst>
+      <p:ext uri="{BB962C8B-B14F-4D97-AF65-F5344CB8AC3E}">
+        <p14:creationId xmlns:p14="http://schemas.microsoft.com/office/powerpoint/2010/main" val="1787491283"/>
+      </p:ext>
+    </p:extLst>
+  </p:cSld>
+  <p:clrMapOvr>
+    <a:masterClrMapping/>
+  </p:clrMapOvr>
+</p:sld>
+</file>
+
+<file path=ppt/slides/slide14.xml><?xml version="1.0" encoding="utf-8"?>
+<p:sld xmlns:a="http://schemas.openxmlformats.org/drawingml/2006/main" xmlns:r="http://schemas.openxmlformats.org/officeDocument/2006/relationships" xmlns:p="http://schemas.openxmlformats.org/presentationml/2006/main">
+  <p:cSld>
+    <p:spTree>
+      <p:nvGrpSpPr>
+        <p:cNvPr id="1" name=""/>
+        <p:cNvGrpSpPr/>
+        <p:nvPr/>
+      </p:nvGrpSpPr>
+      <p:grpSpPr>
+        <a:xfrm>
+          <a:off x="0" y="0"/>
+          <a:ext cx="0" cy="0"/>
+          <a:chOff x="0" y="0"/>
+          <a:chExt cx="0" cy="0"/>
+        </a:xfrm>
+      </p:grpSpPr>
+      <p:sp>
+        <p:nvSpPr>
           <p:cNvPr id="2" name="Title 1"/>
           <p:cNvSpPr>
             <a:spLocks noGrp="1"/>
@@ -3499,10 +3504,9 @@
           <a:lstStyle/>
           <a:p>
             <a:r>
-              <a:rPr lang="en-US" dirty="0" smtClean="0"/>
+              <a:rPr lang="en-US" dirty="0"/>
               <a:t>Correlation by County </a:t>
             </a:r>
-            <a:endParaRPr lang="en-US" dirty="0"/>
           </a:p>
         </p:txBody>
       </p:sp>
@@ -3523,68 +3527,38 @@
           <a:p>
             <a:r>
               <a:rPr lang="en-US" dirty="0"/>
-              <a:t>Graduation rate by </a:t>
-            </a:r>
-            <a:r>
-              <a:rPr lang="en-US" dirty="0" smtClean="0"/>
-              <a:t>County</a:t>
-            </a:r>
-            <a:endParaRPr lang="en-US" dirty="0"/>
+              <a:t>Graduation rate by County</a:t>
+            </a:r>
           </a:p>
           <a:p>
             <a:r>
               <a:rPr lang="en-US" dirty="0"/>
-              <a:t>Poverty rate by </a:t>
-            </a:r>
-            <a:r>
-              <a:rPr lang="en-US" dirty="0" smtClean="0"/>
-              <a:t>County</a:t>
-            </a:r>
-            <a:endParaRPr lang="en-US" dirty="0"/>
+              <a:t>Poverty rate by County</a:t>
+            </a:r>
           </a:p>
           <a:p>
             <a:r>
               <a:rPr lang="en-US" dirty="0"/>
-              <a:t>Household size by </a:t>
-            </a:r>
-            <a:r>
-              <a:rPr lang="en-US" dirty="0" smtClean="0"/>
-              <a:t>County </a:t>
-            </a:r>
-            <a:endParaRPr lang="en-US" dirty="0"/>
+              <a:t>Household size by County </a:t>
+            </a:r>
           </a:p>
           <a:p>
             <a:r>
               <a:rPr lang="en-US" dirty="0"/>
-              <a:t>Unemployment rate by </a:t>
-            </a:r>
-            <a:r>
-              <a:rPr lang="en-US" dirty="0" smtClean="0"/>
-              <a:t>County</a:t>
-            </a:r>
-            <a:endParaRPr lang="en-US" dirty="0"/>
+              <a:t>Unemployment rate by County</a:t>
+            </a:r>
           </a:p>
           <a:p>
             <a:r>
               <a:rPr lang="en-US" dirty="0"/>
-              <a:t>Median income rate by </a:t>
-            </a:r>
-            <a:r>
-              <a:rPr lang="en-US" dirty="0" smtClean="0"/>
-              <a:t>County</a:t>
-            </a:r>
-            <a:endParaRPr lang="en-US" dirty="0"/>
+              <a:t>Median income rate by County</a:t>
+            </a:r>
           </a:p>
           <a:p>
             <a:r>
               <a:rPr lang="en-US" dirty="0"/>
-              <a:t>Speak a language other than English by </a:t>
-            </a:r>
-            <a:r>
-              <a:rPr lang="en-US" dirty="0" smtClean="0"/>
-              <a:t>County</a:t>
-            </a:r>
-            <a:endParaRPr lang="en-US" dirty="0"/>
+              <a:t>Speak a language other than English by County</a:t>
+            </a:r>
           </a:p>
           <a:p>
             <a:pPr marL="0" indent="0">
@@ -3610,7 +3584,7 @@
 </p:sld>
 </file>
 
-<file path=ppt/slides/slide14.xml><?xml version="1.0" encoding="utf-8"?>
+<file path=ppt/slides/slide15.xml><?xml version="1.0" encoding="utf-8"?>
 <p:sld xmlns:a="http://schemas.openxmlformats.org/drawingml/2006/main" xmlns:r="http://schemas.openxmlformats.org/officeDocument/2006/relationships" xmlns:p="http://schemas.openxmlformats.org/presentationml/2006/main">
   <p:cSld>
     <p:spTree>
@@ -3666,102 +3640,6 @@
   <p:clrMapOvr>
     <a:masterClrMapping/>
   </p:clrMapOvr>
-  <p:timing>
-    <p:tnLst>
-      <p:par>
-        <p:cTn id="1" dur="indefinite" restart="never" nodeType="tmRoot"/>
-      </p:par>
-    </p:tnLst>
-  </p:timing>
-</p:sld>
-</file>
-
-<file path=ppt/slides/slide15.xml><?xml version="1.0" encoding="utf-8"?>
-<p:sld xmlns:a="http://schemas.openxmlformats.org/drawingml/2006/main" xmlns:r="http://schemas.openxmlformats.org/officeDocument/2006/relationships" xmlns:p="http://schemas.openxmlformats.org/presentationml/2006/main">
-  <p:cSld>
-    <p:bg>
-      <p:bgPr>
-        <a:blipFill dpi="0" rotWithShape="1">
-          <a:blip r:embed="rId2">
-            <a:lum/>
-          </a:blip>
-          <a:srcRect/>
-          <a:stretch>
-            <a:fillRect/>
-          </a:stretch>
-        </a:blipFill>
-        <a:effectLst/>
-      </p:bgPr>
-    </p:bg>
-    <p:spTree>
-      <p:nvGrpSpPr>
-        <p:cNvPr id="1" name=""/>
-        <p:cNvGrpSpPr/>
-        <p:nvPr/>
-      </p:nvGrpSpPr>
-      <p:grpSpPr>
-        <a:xfrm>
-          <a:off x="0" y="0"/>
-          <a:ext cx="0" cy="0"/>
-          <a:chOff x="0" y="0"/>
-          <a:chExt cx="0" cy="0"/>
-        </a:xfrm>
-      </p:grpSpPr>
-      <p:sp>
-        <p:nvSpPr>
-          <p:cNvPr id="2" name="Title 1"/>
-          <p:cNvSpPr>
-            <a:spLocks noGrp="1"/>
-          </p:cNvSpPr>
-          <p:nvPr>
-            <p:ph type="title"/>
-          </p:nvPr>
-        </p:nvSpPr>
-        <p:spPr/>
-        <p:txBody>
-          <a:bodyPr/>
-          <a:lstStyle/>
-          <a:p>
-            <a:endParaRPr lang="en-US"/>
-          </a:p>
-        </p:txBody>
-      </p:sp>
-      <p:sp>
-        <p:nvSpPr>
-          <p:cNvPr id="3" name="Content Placeholder 2"/>
-          <p:cNvSpPr>
-            <a:spLocks noGrp="1"/>
-          </p:cNvSpPr>
-          <p:nvPr>
-            <p:ph idx="1"/>
-          </p:nvPr>
-        </p:nvSpPr>
-        <p:spPr/>
-        <p:txBody>
-          <a:bodyPr/>
-          <a:lstStyle/>
-          <a:p>
-            <a:endParaRPr lang="en-US"/>
-          </a:p>
-        </p:txBody>
-      </p:sp>
-    </p:spTree>
-    <p:extLst>
-      <p:ext uri="{BB962C8B-B14F-4D97-AF65-F5344CB8AC3E}">
-        <p14:creationId xmlns:p14="http://schemas.microsoft.com/office/powerpoint/2010/main" val="2986584614"/>
-      </p:ext>
-    </p:extLst>
-  </p:cSld>
-  <p:clrMapOvr>
-    <a:masterClrMapping/>
-  </p:clrMapOvr>
-  <p:timing>
-    <p:tnLst>
-      <p:par>
-        <p:cTn id="1" dur="indefinite" restart="never" nodeType="tmRoot"/>
-      </p:par>
-    </p:tnLst>
-  </p:timing>
 </p:sld>
 </file>
 
@@ -3837,6 +3715,88 @@
     </p:spTree>
     <p:extLst>
       <p:ext uri="{BB962C8B-B14F-4D97-AF65-F5344CB8AC3E}">
+        <p14:creationId xmlns:p14="http://schemas.microsoft.com/office/powerpoint/2010/main" val="2986584614"/>
+      </p:ext>
+    </p:extLst>
+  </p:cSld>
+  <p:clrMapOvr>
+    <a:masterClrMapping/>
+  </p:clrMapOvr>
+</p:sld>
+</file>
+
+<file path=ppt/slides/slide17.xml><?xml version="1.0" encoding="utf-8"?>
+<p:sld xmlns:a="http://schemas.openxmlformats.org/drawingml/2006/main" xmlns:r="http://schemas.openxmlformats.org/officeDocument/2006/relationships" xmlns:p="http://schemas.openxmlformats.org/presentationml/2006/main">
+  <p:cSld>
+    <p:bg>
+      <p:bgPr>
+        <a:blipFill dpi="0" rotWithShape="1">
+          <a:blip r:embed="rId2">
+            <a:lum/>
+          </a:blip>
+          <a:srcRect/>
+          <a:stretch>
+            <a:fillRect/>
+          </a:stretch>
+        </a:blipFill>
+        <a:effectLst/>
+      </p:bgPr>
+    </p:bg>
+    <p:spTree>
+      <p:nvGrpSpPr>
+        <p:cNvPr id="1" name=""/>
+        <p:cNvGrpSpPr/>
+        <p:nvPr/>
+      </p:nvGrpSpPr>
+      <p:grpSpPr>
+        <a:xfrm>
+          <a:off x="0" y="0"/>
+          <a:ext cx="0" cy="0"/>
+          <a:chOff x="0" y="0"/>
+          <a:chExt cx="0" cy="0"/>
+        </a:xfrm>
+      </p:grpSpPr>
+      <p:sp>
+        <p:nvSpPr>
+          <p:cNvPr id="2" name="Title 1"/>
+          <p:cNvSpPr>
+            <a:spLocks noGrp="1"/>
+          </p:cNvSpPr>
+          <p:nvPr>
+            <p:ph type="title"/>
+          </p:nvPr>
+        </p:nvSpPr>
+        <p:spPr/>
+        <p:txBody>
+          <a:bodyPr/>
+          <a:lstStyle/>
+          <a:p>
+            <a:endParaRPr lang="en-US"/>
+          </a:p>
+        </p:txBody>
+      </p:sp>
+      <p:sp>
+        <p:nvSpPr>
+          <p:cNvPr id="3" name="Content Placeholder 2"/>
+          <p:cNvSpPr>
+            <a:spLocks noGrp="1"/>
+          </p:cNvSpPr>
+          <p:nvPr>
+            <p:ph idx="1"/>
+          </p:nvPr>
+        </p:nvSpPr>
+        <p:spPr/>
+        <p:txBody>
+          <a:bodyPr/>
+          <a:lstStyle/>
+          <a:p>
+            <a:endParaRPr lang="en-US"/>
+          </a:p>
+        </p:txBody>
+      </p:sp>
+    </p:spTree>
+    <p:extLst>
+      <p:ext uri="{BB962C8B-B14F-4D97-AF65-F5344CB8AC3E}">
         <p14:creationId xmlns:p14="http://schemas.microsoft.com/office/powerpoint/2010/main" val="456161441"/>
       </p:ext>
     </p:extLst>
@@ -3844,17 +3804,10 @@
   <p:clrMapOvr>
     <a:masterClrMapping/>
   </p:clrMapOvr>
-  <p:timing>
-    <p:tnLst>
-      <p:par>
-        <p:cTn id="1" dur="indefinite" restart="never" nodeType="tmRoot"/>
-      </p:par>
-    </p:tnLst>
-  </p:timing>
 </p:sld>
 </file>
 
-<file path=ppt/slides/slide17.xml><?xml version="1.0" encoding="utf-8"?>
+<file path=ppt/slides/slide18.xml><?xml version="1.0" encoding="utf-8"?>
 <p:sld xmlns:a="http://schemas.openxmlformats.org/drawingml/2006/main" xmlns:r="http://schemas.openxmlformats.org/officeDocument/2006/relationships" xmlns:p="http://schemas.openxmlformats.org/presentationml/2006/main">
   <p:cSld>
     <p:bg>
@@ -3933,17 +3886,10 @@
   <p:clrMapOvr>
     <a:masterClrMapping/>
   </p:clrMapOvr>
-  <p:timing>
-    <p:tnLst>
-      <p:par>
-        <p:cTn id="1" dur="indefinite" restart="never" nodeType="tmRoot"/>
-      </p:par>
-    </p:tnLst>
-  </p:timing>
 </p:sld>
 </file>
 
-<file path=ppt/slides/slide18.xml><?xml version="1.0" encoding="utf-8"?>
+<file path=ppt/slides/slide19.xml><?xml version="1.0" encoding="utf-8"?>
 <p:sld xmlns:a="http://schemas.openxmlformats.org/drawingml/2006/main" xmlns:r="http://schemas.openxmlformats.org/officeDocument/2006/relationships" xmlns:p="http://schemas.openxmlformats.org/presentationml/2006/main">
   <p:cSld>
     <p:bg>
@@ -3984,102 +3930,6 @@
   <p:clrMapOvr>
     <a:masterClrMapping/>
   </p:clrMapOvr>
-  <p:timing>
-    <p:tnLst>
-      <p:par>
-        <p:cTn id="1" dur="indefinite" restart="never" nodeType="tmRoot"/>
-      </p:par>
-    </p:tnLst>
-  </p:timing>
-</p:sld>
-</file>
-
-<file path=ppt/slides/slide19.xml><?xml version="1.0" encoding="utf-8"?>
-<p:sld xmlns:a="http://schemas.openxmlformats.org/drawingml/2006/main" xmlns:r="http://schemas.openxmlformats.org/officeDocument/2006/relationships" xmlns:p="http://schemas.openxmlformats.org/presentationml/2006/main">
-  <p:cSld>
-    <p:bg>
-      <p:bgPr>
-        <a:blipFill dpi="0" rotWithShape="1">
-          <a:blip r:embed="rId2">
-            <a:lum/>
-          </a:blip>
-          <a:srcRect/>
-          <a:stretch>
-            <a:fillRect/>
-          </a:stretch>
-        </a:blipFill>
-        <a:effectLst/>
-      </p:bgPr>
-    </p:bg>
-    <p:spTree>
-      <p:nvGrpSpPr>
-        <p:cNvPr id="1" name=""/>
-        <p:cNvGrpSpPr/>
-        <p:nvPr/>
-      </p:nvGrpSpPr>
-      <p:grpSpPr>
-        <a:xfrm>
-          <a:off x="0" y="0"/>
-          <a:ext cx="0" cy="0"/>
-          <a:chOff x="0" y="0"/>
-          <a:chExt cx="0" cy="0"/>
-        </a:xfrm>
-      </p:grpSpPr>
-      <p:sp>
-        <p:nvSpPr>
-          <p:cNvPr id="2" name="Title 1"/>
-          <p:cNvSpPr>
-            <a:spLocks noGrp="1"/>
-          </p:cNvSpPr>
-          <p:nvPr>
-            <p:ph type="title"/>
-          </p:nvPr>
-        </p:nvSpPr>
-        <p:spPr/>
-        <p:txBody>
-          <a:bodyPr/>
-          <a:lstStyle/>
-          <a:p>
-            <a:endParaRPr lang="en-US"/>
-          </a:p>
-        </p:txBody>
-      </p:sp>
-      <p:sp>
-        <p:nvSpPr>
-          <p:cNvPr id="3" name="Content Placeholder 2"/>
-          <p:cNvSpPr>
-            <a:spLocks noGrp="1"/>
-          </p:cNvSpPr>
-          <p:nvPr>
-            <p:ph idx="1"/>
-          </p:nvPr>
-        </p:nvSpPr>
-        <p:spPr/>
-        <p:txBody>
-          <a:bodyPr/>
-          <a:lstStyle/>
-          <a:p>
-            <a:endParaRPr lang="en-US"/>
-          </a:p>
-        </p:txBody>
-      </p:sp>
-    </p:spTree>
-    <p:extLst>
-      <p:ext uri="{BB962C8B-B14F-4D97-AF65-F5344CB8AC3E}">
-        <p14:creationId xmlns:p14="http://schemas.microsoft.com/office/powerpoint/2010/main" val="3058812331"/>
-      </p:ext>
-    </p:extLst>
-  </p:cSld>
-  <p:clrMapOvr>
-    <a:masterClrMapping/>
-  </p:clrMapOvr>
-  <p:timing>
-    <p:tnLst>
-      <p:par>
-        <p:cTn id="1" dur="indefinite" restart="never" nodeType="tmRoot"/>
-      </p:par>
-    </p:tnLst>
-  </p:timing>
 </p:sld>
 </file>
 
@@ -4130,11 +3980,7 @@
           <a:p>
             <a:r>
               <a:rPr lang="en-US" dirty="0"/>
-              <a:t>How do various different factors affect high school graduation rates in New Jersey, New York, and Pennsylvania</a:t>
-            </a:r>
-            <a:r>
-              <a:rPr lang="en-US" dirty="0" smtClean="0"/>
-              <a:t>.</a:t>
+              <a:t>How do various different factors affect high school graduation rates in New Jersey, New York, and Pennsylvania.</a:t>
             </a:r>
           </a:p>
           <a:p>
@@ -4269,20 +4115,13 @@
     </p:spTree>
     <p:extLst>
       <p:ext uri="{BB962C8B-B14F-4D97-AF65-F5344CB8AC3E}">
-        <p14:creationId xmlns:p14="http://schemas.microsoft.com/office/powerpoint/2010/main" val="144025465"/>
+        <p14:creationId xmlns:p14="http://schemas.microsoft.com/office/powerpoint/2010/main" val="3058812331"/>
       </p:ext>
     </p:extLst>
   </p:cSld>
   <p:clrMapOvr>
     <a:masterClrMapping/>
   </p:clrMapOvr>
-  <p:timing>
-    <p:tnLst>
-      <p:par>
-        <p:cTn id="1" dur="indefinite" restart="never" nodeType="tmRoot"/>
-      </p:par>
-    </p:tnLst>
-  </p:timing>
 </p:sld>
 </file>
 
@@ -4358,20 +4197,13 @@
     </p:spTree>
     <p:extLst>
       <p:ext uri="{BB962C8B-B14F-4D97-AF65-F5344CB8AC3E}">
-        <p14:creationId xmlns:p14="http://schemas.microsoft.com/office/powerpoint/2010/main" val="3649231132"/>
+        <p14:creationId xmlns:p14="http://schemas.microsoft.com/office/powerpoint/2010/main" val="144025465"/>
       </p:ext>
     </p:extLst>
   </p:cSld>
   <p:clrMapOvr>
     <a:masterClrMapping/>
   </p:clrMapOvr>
-  <p:timing>
-    <p:tnLst>
-      <p:par>
-        <p:cTn id="1" dur="indefinite" restart="never" nodeType="tmRoot"/>
-      </p:par>
-    </p:tnLst>
-  </p:timing>
 </p:sld>
 </file>
 
@@ -4447,20 +4279,13 @@
     </p:spTree>
     <p:extLst>
       <p:ext uri="{BB962C8B-B14F-4D97-AF65-F5344CB8AC3E}">
-        <p14:creationId xmlns:p14="http://schemas.microsoft.com/office/powerpoint/2010/main" val="459692919"/>
+        <p14:creationId xmlns:p14="http://schemas.microsoft.com/office/powerpoint/2010/main" val="3649231132"/>
       </p:ext>
     </p:extLst>
   </p:cSld>
   <p:clrMapOvr>
     <a:masterClrMapping/>
   </p:clrMapOvr>
-  <p:timing>
-    <p:tnLst>
-      <p:par>
-        <p:cTn id="1" dur="indefinite" restart="never" nodeType="tmRoot"/>
-      </p:par>
-    </p:tnLst>
-  </p:timing>
 </p:sld>
 </file>
 
@@ -4536,20 +4361,13 @@
     </p:spTree>
     <p:extLst>
       <p:ext uri="{BB962C8B-B14F-4D97-AF65-F5344CB8AC3E}">
-        <p14:creationId xmlns:p14="http://schemas.microsoft.com/office/powerpoint/2010/main" val="732417026"/>
+        <p14:creationId xmlns:p14="http://schemas.microsoft.com/office/powerpoint/2010/main" val="459692919"/>
       </p:ext>
     </p:extLst>
   </p:cSld>
   <p:clrMapOvr>
     <a:masterClrMapping/>
   </p:clrMapOvr>
-  <p:timing>
-    <p:tnLst>
-      <p:par>
-        <p:cTn id="1" dur="indefinite" restart="never" nodeType="tmRoot"/>
-      </p:par>
-    </p:tnLst>
-  </p:timing>
 </p:sld>
 </file>
 
@@ -4625,20 +4443,13 @@
     </p:spTree>
     <p:extLst>
       <p:ext uri="{BB962C8B-B14F-4D97-AF65-F5344CB8AC3E}">
-        <p14:creationId xmlns:p14="http://schemas.microsoft.com/office/powerpoint/2010/main" val="3010488923"/>
+        <p14:creationId xmlns:p14="http://schemas.microsoft.com/office/powerpoint/2010/main" val="732417026"/>
       </p:ext>
     </p:extLst>
   </p:cSld>
   <p:clrMapOvr>
     <a:masterClrMapping/>
   </p:clrMapOvr>
-  <p:timing>
-    <p:tnLst>
-      <p:par>
-        <p:cTn id="1" dur="indefinite" restart="never" nodeType="tmRoot"/>
-      </p:par>
-    </p:tnLst>
-  </p:timing>
 </p:sld>
 </file>
 
@@ -4714,20 +4525,13 @@
     </p:spTree>
     <p:extLst>
       <p:ext uri="{BB962C8B-B14F-4D97-AF65-F5344CB8AC3E}">
-        <p14:creationId xmlns:p14="http://schemas.microsoft.com/office/powerpoint/2010/main" val="1760996845"/>
+        <p14:creationId xmlns:p14="http://schemas.microsoft.com/office/powerpoint/2010/main" val="3010488923"/>
       </p:ext>
     </p:extLst>
   </p:cSld>
   <p:clrMapOvr>
     <a:masterClrMapping/>
   </p:clrMapOvr>
-  <p:timing>
-    <p:tnLst>
-      <p:par>
-        <p:cTn id="1" dur="indefinite" restart="never" nodeType="tmRoot"/>
-      </p:par>
-    </p:tnLst>
-  </p:timing>
 </p:sld>
 </file>
 
@@ -4803,20 +4607,13 @@
     </p:spTree>
     <p:extLst>
       <p:ext uri="{BB962C8B-B14F-4D97-AF65-F5344CB8AC3E}">
-        <p14:creationId xmlns:p14="http://schemas.microsoft.com/office/powerpoint/2010/main" val="434197443"/>
+        <p14:creationId xmlns:p14="http://schemas.microsoft.com/office/powerpoint/2010/main" val="1760996845"/>
       </p:ext>
     </p:extLst>
   </p:cSld>
   <p:clrMapOvr>
     <a:masterClrMapping/>
   </p:clrMapOvr>
-  <p:timing>
-    <p:tnLst>
-      <p:par>
-        <p:cTn id="1" dur="indefinite" restart="never" nodeType="tmRoot"/>
-      </p:par>
-    </p:tnLst>
-  </p:timing>
 </p:sld>
 </file>
 
@@ -4892,20 +4689,13 @@
     </p:spTree>
     <p:extLst>
       <p:ext uri="{BB962C8B-B14F-4D97-AF65-F5344CB8AC3E}">
-        <p14:creationId xmlns:p14="http://schemas.microsoft.com/office/powerpoint/2010/main" val="4175132233"/>
+        <p14:creationId xmlns:p14="http://schemas.microsoft.com/office/powerpoint/2010/main" val="434197443"/>
       </p:ext>
     </p:extLst>
   </p:cSld>
   <p:clrMapOvr>
     <a:masterClrMapping/>
   </p:clrMapOvr>
-  <p:timing>
-    <p:tnLst>
-      <p:par>
-        <p:cTn id="1" dur="indefinite" restart="never" nodeType="tmRoot"/>
-      </p:par>
-    </p:tnLst>
-  </p:timing>
 </p:sld>
 </file>
 
@@ -4981,20 +4771,13 @@
     </p:spTree>
     <p:extLst>
       <p:ext uri="{BB962C8B-B14F-4D97-AF65-F5344CB8AC3E}">
-        <p14:creationId xmlns:p14="http://schemas.microsoft.com/office/powerpoint/2010/main" val="394493084"/>
+        <p14:creationId xmlns:p14="http://schemas.microsoft.com/office/powerpoint/2010/main" val="4175132233"/>
       </p:ext>
     </p:extLst>
   </p:cSld>
   <p:clrMapOvr>
     <a:masterClrMapping/>
   </p:clrMapOvr>
-  <p:timing>
-    <p:tnLst>
-      <p:par>
-        <p:cTn id="1" dur="indefinite" restart="never" nodeType="tmRoot"/>
-      </p:par>
-    </p:tnLst>
-  </p:timing>
 </p:sld>
 </file>
 
@@ -5070,20 +4853,13 @@
     </p:spTree>
     <p:extLst>
       <p:ext uri="{BB962C8B-B14F-4D97-AF65-F5344CB8AC3E}">
-        <p14:creationId xmlns:p14="http://schemas.microsoft.com/office/powerpoint/2010/main" val="3203632263"/>
+        <p14:creationId xmlns:p14="http://schemas.microsoft.com/office/powerpoint/2010/main" val="394493084"/>
       </p:ext>
     </p:extLst>
   </p:cSld>
   <p:clrMapOvr>
     <a:masterClrMapping/>
   </p:clrMapOvr>
-  <p:timing>
-    <p:tnLst>
-      <p:par>
-        <p:cTn id="1" dur="indefinite" restart="never" nodeType="tmRoot"/>
-      </p:par>
-    </p:tnLst>
-  </p:timing>
 </p:sld>
 </file>
 
@@ -5247,20 +5023,13 @@
     </p:spTree>
     <p:extLst>
       <p:ext uri="{BB962C8B-B14F-4D97-AF65-F5344CB8AC3E}">
-        <p14:creationId xmlns:p14="http://schemas.microsoft.com/office/powerpoint/2010/main" val="1389302572"/>
+        <p14:creationId xmlns:p14="http://schemas.microsoft.com/office/powerpoint/2010/main" val="3203632263"/>
       </p:ext>
     </p:extLst>
   </p:cSld>
   <p:clrMapOvr>
     <a:masterClrMapping/>
   </p:clrMapOvr>
-  <p:timing>
-    <p:tnLst>
-      <p:par>
-        <p:cTn id="1" dur="indefinite" restart="never" nodeType="tmRoot"/>
-      </p:par>
-    </p:tnLst>
-  </p:timing>
 </p:sld>
 </file>
 
@@ -5336,20 +5105,13 @@
     </p:spTree>
     <p:extLst>
       <p:ext uri="{BB962C8B-B14F-4D97-AF65-F5344CB8AC3E}">
-        <p14:creationId xmlns:p14="http://schemas.microsoft.com/office/powerpoint/2010/main" val="4268266962"/>
+        <p14:creationId xmlns:p14="http://schemas.microsoft.com/office/powerpoint/2010/main" val="1389302572"/>
       </p:ext>
     </p:extLst>
   </p:cSld>
   <p:clrMapOvr>
     <a:masterClrMapping/>
   </p:clrMapOvr>
-  <p:timing>
-    <p:tnLst>
-      <p:par>
-        <p:cTn id="1" dur="indefinite" restart="never" nodeType="tmRoot"/>
-      </p:par>
-    </p:tnLst>
-  </p:timing>
 </p:sld>
 </file>
 
@@ -5425,20 +5187,13 @@
     </p:spTree>
     <p:extLst>
       <p:ext uri="{BB962C8B-B14F-4D97-AF65-F5344CB8AC3E}">
-        <p14:creationId xmlns:p14="http://schemas.microsoft.com/office/powerpoint/2010/main" val="1062465195"/>
+        <p14:creationId xmlns:p14="http://schemas.microsoft.com/office/powerpoint/2010/main" val="4268266962"/>
       </p:ext>
     </p:extLst>
   </p:cSld>
   <p:clrMapOvr>
     <a:masterClrMapping/>
   </p:clrMapOvr>
-  <p:timing>
-    <p:tnLst>
-      <p:par>
-        <p:cTn id="1" dur="indefinite" restart="never" nodeType="tmRoot"/>
-      </p:par>
-    </p:tnLst>
-  </p:timing>
 </p:sld>
 </file>
 
@@ -5514,20 +5269,13 @@
     </p:spTree>
     <p:extLst>
       <p:ext uri="{BB962C8B-B14F-4D97-AF65-F5344CB8AC3E}">
-        <p14:creationId xmlns:p14="http://schemas.microsoft.com/office/powerpoint/2010/main" val="1039380402"/>
+        <p14:creationId xmlns:p14="http://schemas.microsoft.com/office/powerpoint/2010/main" val="1062465195"/>
       </p:ext>
     </p:extLst>
   </p:cSld>
   <p:clrMapOvr>
     <a:masterClrMapping/>
   </p:clrMapOvr>
-  <p:timing>
-    <p:tnLst>
-      <p:par>
-        <p:cTn id="1" dur="indefinite" restart="never" nodeType="tmRoot"/>
-      </p:par>
-    </p:tnLst>
-  </p:timing>
 </p:sld>
 </file>
 
@@ -5603,6 +5351,88 @@
     </p:spTree>
     <p:extLst>
       <p:ext uri="{BB962C8B-B14F-4D97-AF65-F5344CB8AC3E}">
+        <p14:creationId xmlns:p14="http://schemas.microsoft.com/office/powerpoint/2010/main" val="1039380402"/>
+      </p:ext>
+    </p:extLst>
+  </p:cSld>
+  <p:clrMapOvr>
+    <a:masterClrMapping/>
+  </p:clrMapOvr>
+</p:sld>
+</file>
+
+<file path=ppt/slides/slide35.xml><?xml version="1.0" encoding="utf-8"?>
+<p:sld xmlns:a="http://schemas.openxmlformats.org/drawingml/2006/main" xmlns:r="http://schemas.openxmlformats.org/officeDocument/2006/relationships" xmlns:p="http://schemas.openxmlformats.org/presentationml/2006/main">
+  <p:cSld>
+    <p:bg>
+      <p:bgPr>
+        <a:blipFill dpi="0" rotWithShape="1">
+          <a:blip r:embed="rId2">
+            <a:lum/>
+          </a:blip>
+          <a:srcRect/>
+          <a:stretch>
+            <a:fillRect/>
+          </a:stretch>
+        </a:blipFill>
+        <a:effectLst/>
+      </p:bgPr>
+    </p:bg>
+    <p:spTree>
+      <p:nvGrpSpPr>
+        <p:cNvPr id="1" name=""/>
+        <p:cNvGrpSpPr/>
+        <p:nvPr/>
+      </p:nvGrpSpPr>
+      <p:grpSpPr>
+        <a:xfrm>
+          <a:off x="0" y="0"/>
+          <a:ext cx="0" cy="0"/>
+          <a:chOff x="0" y="0"/>
+          <a:chExt cx="0" cy="0"/>
+        </a:xfrm>
+      </p:grpSpPr>
+      <p:sp>
+        <p:nvSpPr>
+          <p:cNvPr id="2" name="Title 1"/>
+          <p:cNvSpPr>
+            <a:spLocks noGrp="1"/>
+          </p:cNvSpPr>
+          <p:nvPr>
+            <p:ph type="title"/>
+          </p:nvPr>
+        </p:nvSpPr>
+        <p:spPr/>
+        <p:txBody>
+          <a:bodyPr/>
+          <a:lstStyle/>
+          <a:p>
+            <a:endParaRPr lang="en-US"/>
+          </a:p>
+        </p:txBody>
+      </p:sp>
+      <p:sp>
+        <p:nvSpPr>
+          <p:cNvPr id="3" name="Content Placeholder 2"/>
+          <p:cNvSpPr>
+            <a:spLocks noGrp="1"/>
+          </p:cNvSpPr>
+          <p:nvPr>
+            <p:ph idx="1"/>
+          </p:nvPr>
+        </p:nvSpPr>
+        <p:spPr/>
+        <p:txBody>
+          <a:bodyPr/>
+          <a:lstStyle/>
+          <a:p>
+            <a:endParaRPr lang="en-US"/>
+          </a:p>
+        </p:txBody>
+      </p:sp>
+    </p:spTree>
+    <p:extLst>
+      <p:ext uri="{BB962C8B-B14F-4D97-AF65-F5344CB8AC3E}">
         <p14:creationId xmlns:p14="http://schemas.microsoft.com/office/powerpoint/2010/main" val="1839996124"/>
       </p:ext>
     </p:extLst>
@@ -5610,13 +5440,68 @@
   <p:clrMapOvr>
     <a:masterClrMapping/>
   </p:clrMapOvr>
-  <p:timing>
-    <p:tnLst>
-      <p:par>
-        <p:cTn id="1" dur="indefinite" restart="never" nodeType="tmRoot"/>
-      </p:par>
-    </p:tnLst>
-  </p:timing>
+</p:sld>
+</file>
+
+<file path=ppt/slides/slide36.xml><?xml version="1.0" encoding="utf-8"?>
+<p:sld xmlns:a="http://schemas.openxmlformats.org/drawingml/2006/main" xmlns:r="http://schemas.openxmlformats.org/officeDocument/2006/relationships" xmlns:p="http://schemas.openxmlformats.org/presentationml/2006/main">
+  <p:cSld>
+    <p:spTree>
+      <p:nvGrpSpPr>
+        <p:cNvPr id="1" name=""/>
+        <p:cNvGrpSpPr/>
+        <p:nvPr/>
+      </p:nvGrpSpPr>
+      <p:grpSpPr>
+        <a:xfrm>
+          <a:off x="0" y="0"/>
+          <a:ext cx="0" cy="0"/>
+          <a:chOff x="0" y="0"/>
+          <a:chExt cx="0" cy="0"/>
+        </a:xfrm>
+      </p:grpSpPr>
+      <p:pic>
+        <p:nvPicPr>
+          <p:cNvPr id="4" name="Content Placeholder 3">
+            <a:extLst>
+              <a:ext uri="{FF2B5EF4-FFF2-40B4-BE49-F238E27FC236}">
+                <a16:creationId xmlns:a16="http://schemas.microsoft.com/office/drawing/2014/main" id="{E7BD6B4D-B7D1-49E9-A651-BC7F5BD10D4C}"/>
+              </a:ext>
+            </a:extLst>
+          </p:cNvPr>
+          <p:cNvPicPr>
+            <a:picLocks noGrp="1" noChangeAspect="1"/>
+          </p:cNvPicPr>
+          <p:nvPr>
+            <p:ph idx="1"/>
+          </p:nvPr>
+        </p:nvPicPr>
+        <p:blipFill>
+          <a:blip r:embed="rId2"/>
+          <a:stretch>
+            <a:fillRect/>
+          </a:stretch>
+        </p:blipFill>
+        <p:spPr>
+          <a:xfrm>
+            <a:off x="886744" y="534572"/>
+            <a:ext cx="10606561" cy="6049107"/>
+          </a:xfrm>
+          <a:prstGeom prst="rect">
+            <a:avLst/>
+          </a:prstGeom>
+        </p:spPr>
+      </p:pic>
+    </p:spTree>
+    <p:extLst>
+      <p:ext uri="{BB962C8B-B14F-4D97-AF65-F5344CB8AC3E}">
+        <p14:creationId xmlns:p14="http://schemas.microsoft.com/office/powerpoint/2010/main" val="3469105783"/>
+      </p:ext>
+    </p:extLst>
+  </p:cSld>
+  <p:clrMapOvr>
+    <a:masterClrMapping/>
+  </p:clrMapOvr>
 </p:sld>
 </file>
 
@@ -5655,52 +5540,51 @@
           <a:lstStyle/>
           <a:p>
             <a:r>
-              <a:rPr lang="en-US" dirty="0" smtClean="0"/>
+              <a:rPr lang="en-US" dirty="0"/>
               <a:t>Our project begun with the three states where our data sample was collected. The following results were gathered.</a:t>
             </a:r>
           </a:p>
           <a:p>
             <a:r>
-              <a:rPr lang="en-US" dirty="0" smtClean="0"/>
+              <a:rPr lang="en-US" dirty="0"/>
               <a:t>Graduation rate by State</a:t>
             </a:r>
           </a:p>
           <a:p>
             <a:r>
-              <a:rPr lang="en-US" dirty="0" smtClean="0"/>
+              <a:rPr lang="en-US" dirty="0"/>
               <a:t>Poverty rate by State</a:t>
             </a:r>
           </a:p>
           <a:p>
             <a:r>
-              <a:rPr lang="en-US" dirty="0" smtClean="0"/>
+              <a:rPr lang="en-US" dirty="0"/>
               <a:t>Household size by State </a:t>
             </a:r>
           </a:p>
           <a:p>
             <a:r>
-              <a:rPr lang="en-US" dirty="0" smtClean="0"/>
+              <a:rPr lang="en-US" dirty="0"/>
               <a:t>Unemployment rate by State</a:t>
             </a:r>
           </a:p>
           <a:p>
             <a:r>
-              <a:rPr lang="en-US" dirty="0" smtClean="0"/>
+              <a:rPr lang="en-US" dirty="0"/>
               <a:t>Median income rate by State</a:t>
             </a:r>
           </a:p>
           <a:p>
             <a:r>
-              <a:rPr lang="en-US" dirty="0" smtClean="0"/>
+              <a:rPr lang="en-US" dirty="0"/>
               <a:t>Speak a language other than English by state</a:t>
             </a:r>
           </a:p>
           <a:p>
             <a:r>
-              <a:rPr lang="en-US" dirty="0" smtClean="0"/>
+              <a:rPr lang="en-US" dirty="0"/>
               <a:t>Compare Graduation rate by State </a:t>
             </a:r>
-            <a:endParaRPr lang="en-US" dirty="0"/>
           </a:p>
         </p:txBody>
       </p:sp>
@@ -5773,13 +5657,6 @@
   <p:clrMapOvr>
     <a:masterClrMapping/>
   </p:clrMapOvr>
-  <p:timing>
-    <p:tnLst>
-      <p:par>
-        <p:cTn id="1" dur="indefinite" restart="never" nodeType="tmRoot"/>
-      </p:par>
-    </p:tnLst>
-  </p:timing>
 </p:sld>
 </file>
 
@@ -5839,13 +5716,6 @@
   <p:clrMapOvr>
     <a:masterClrMapping/>
   </p:clrMapOvr>
-  <p:timing>
-    <p:tnLst>
-      <p:par>
-        <p:cTn id="1" dur="indefinite" restart="never" nodeType="tmRoot"/>
-      </p:par>
-    </p:tnLst>
-  </p:timing>
 </p:sld>
 </file>
 
@@ -5905,13 +5775,6 @@
   <p:clrMapOvr>
     <a:masterClrMapping/>
   </p:clrMapOvr>
-  <p:timing>
-    <p:tnLst>
-      <p:par>
-        <p:cTn id="1" dur="indefinite" restart="never" nodeType="tmRoot"/>
-      </p:par>
-    </p:tnLst>
-  </p:timing>
 </p:sld>
 </file>
 
@@ -5990,13 +5853,6 @@
   <p:clrMapOvr>
     <a:masterClrMapping/>
   </p:clrMapOvr>
-  <p:timing>
-    <p:tnLst>
-      <p:par>
-        <p:cTn id="1" dur="indefinite" restart="never" nodeType="tmRoot"/>
-      </p:par>
-    </p:tnLst>
-  </p:timing>
 </p:sld>
 </file>
 
@@ -6075,13 +5931,6 @@
   <p:clrMapOvr>
     <a:masterClrMapping/>
   </p:clrMapOvr>
-  <p:timing>
-    <p:tnLst>
-      <p:par>
-        <p:cTn id="1" dur="indefinite" restart="never" nodeType="tmRoot"/>
-      </p:par>
-    </p:tnLst>
-  </p:timing>
 </p:sld>
 </file>
 

--- a/The Effect Of Various Census Demographics On Graduation.pptx
+++ b/The Effect Of Various Census Demographics On Graduation.pptx
@@ -276,7 +276,7 @@
           <a:p>
             <a:fld id="{A25706F6-EBDA-48F7-BDB6-C5156C5F5F85}" type="datetimeFigureOut">
               <a:rPr lang="en-US" smtClean="0"/>
-              <a:t>11/8/2018</a:t>
+              <a:t>11/9/2018</a:t>
             </a:fld>
             <a:endParaRPr lang="en-US"/>
           </a:p>
@@ -444,7 +444,7 @@
           <a:p>
             <a:fld id="{A25706F6-EBDA-48F7-BDB6-C5156C5F5F85}" type="datetimeFigureOut">
               <a:rPr lang="en-US" smtClean="0"/>
-              <a:t>11/8/2018</a:t>
+              <a:t>11/9/2018</a:t>
             </a:fld>
             <a:endParaRPr lang="en-US"/>
           </a:p>
@@ -622,7 +622,7 @@
           <a:p>
             <a:fld id="{A25706F6-EBDA-48F7-BDB6-C5156C5F5F85}" type="datetimeFigureOut">
               <a:rPr lang="en-US" smtClean="0"/>
-              <a:t>11/8/2018</a:t>
+              <a:t>11/9/2018</a:t>
             </a:fld>
             <a:endParaRPr lang="en-US"/>
           </a:p>
@@ -790,7 +790,7 @@
           <a:p>
             <a:fld id="{A25706F6-EBDA-48F7-BDB6-C5156C5F5F85}" type="datetimeFigureOut">
               <a:rPr lang="en-US" smtClean="0"/>
-              <a:t>11/8/2018</a:t>
+              <a:t>11/9/2018</a:t>
             </a:fld>
             <a:endParaRPr lang="en-US"/>
           </a:p>
@@ -1035,7 +1035,7 @@
           <a:p>
             <a:fld id="{A25706F6-EBDA-48F7-BDB6-C5156C5F5F85}" type="datetimeFigureOut">
               <a:rPr lang="en-US" smtClean="0"/>
-              <a:t>11/8/2018</a:t>
+              <a:t>11/9/2018</a:t>
             </a:fld>
             <a:endParaRPr lang="en-US"/>
           </a:p>
@@ -1264,7 +1264,7 @@
           <a:p>
             <a:fld id="{A25706F6-EBDA-48F7-BDB6-C5156C5F5F85}" type="datetimeFigureOut">
               <a:rPr lang="en-US" smtClean="0"/>
-              <a:t>11/8/2018</a:t>
+              <a:t>11/9/2018</a:t>
             </a:fld>
             <a:endParaRPr lang="en-US"/>
           </a:p>
@@ -1628,7 +1628,7 @@
           <a:p>
             <a:fld id="{A25706F6-EBDA-48F7-BDB6-C5156C5F5F85}" type="datetimeFigureOut">
               <a:rPr lang="en-US" smtClean="0"/>
-              <a:t>11/8/2018</a:t>
+              <a:t>11/9/2018</a:t>
             </a:fld>
             <a:endParaRPr lang="en-US"/>
           </a:p>
@@ -1745,7 +1745,7 @@
           <a:p>
             <a:fld id="{A25706F6-EBDA-48F7-BDB6-C5156C5F5F85}" type="datetimeFigureOut">
               <a:rPr lang="en-US" smtClean="0"/>
-              <a:t>11/8/2018</a:t>
+              <a:t>11/9/2018</a:t>
             </a:fld>
             <a:endParaRPr lang="en-US"/>
           </a:p>
@@ -1840,7 +1840,7 @@
           <a:p>
             <a:fld id="{A25706F6-EBDA-48F7-BDB6-C5156C5F5F85}" type="datetimeFigureOut">
               <a:rPr lang="en-US" smtClean="0"/>
-              <a:t>11/8/2018</a:t>
+              <a:t>11/9/2018</a:t>
             </a:fld>
             <a:endParaRPr lang="en-US"/>
           </a:p>
@@ -2115,7 +2115,7 @@
           <a:p>
             <a:fld id="{A25706F6-EBDA-48F7-BDB6-C5156C5F5F85}" type="datetimeFigureOut">
               <a:rPr lang="en-US" smtClean="0"/>
-              <a:t>11/8/2018</a:t>
+              <a:t>11/9/2018</a:t>
             </a:fld>
             <a:endParaRPr lang="en-US"/>
           </a:p>
@@ -2367,7 +2367,7 @@
           <a:p>
             <a:fld id="{A25706F6-EBDA-48F7-BDB6-C5156C5F5F85}" type="datetimeFigureOut">
               <a:rPr lang="en-US" smtClean="0"/>
-              <a:t>11/8/2018</a:t>
+              <a:t>11/9/2018</a:t>
             </a:fld>
             <a:endParaRPr lang="en-US"/>
           </a:p>
@@ -2578,7 +2578,7 @@
           <a:p>
             <a:fld id="{A25706F6-EBDA-48F7-BDB6-C5156C5F5F85}" type="datetimeFigureOut">
               <a:rPr lang="en-US" smtClean="0"/>
-              <a:t>11/8/2018</a:t>
+              <a:t>11/9/2018</a:t>
             </a:fld>
             <a:endParaRPr lang="en-US"/>
           </a:p>
@@ -3124,6 +3124,16 @@
   <p:clrMapOvr>
     <a:masterClrMapping/>
   </p:clrMapOvr>
+  <p:transition spd="slow">
+    <p:push dir="u"/>
+  </p:transition>
+  <p:timing>
+    <p:tnLst>
+      <p:par>
+        <p:cTn id="1" dur="indefinite" restart="never" nodeType="tmRoot"/>
+      </p:par>
+    </p:tnLst>
+  </p:timing>
 </p:sld>
 </file>
 
@@ -3202,6 +3212,16 @@
   <p:clrMapOvr>
     <a:masterClrMapping/>
   </p:clrMapOvr>
+  <p:transition spd="slow">
+    <p:wipe/>
+  </p:transition>
+  <p:timing>
+    <p:tnLst>
+      <p:par>
+        <p:cTn id="1" dur="indefinite" restart="never" nodeType="tmRoot"/>
+      </p:par>
+    </p:tnLst>
+  </p:timing>
 </p:sld>
 </file>
 
@@ -3280,6 +3300,25 @@
   <p:clrMapOvr>
     <a:masterClrMapping/>
   </p:clrMapOvr>
+  <mc:AlternateContent xmlns:mc="http://schemas.openxmlformats.org/markup-compatibility/2006">
+    <mc:Choice xmlns:p14="http://schemas.microsoft.com/office/powerpoint/2010/main" Requires="p14">
+      <p:transition spd="slow" p14:dur="1500">
+        <p:split orient="vert"/>
+      </p:transition>
+    </mc:Choice>
+    <mc:Fallback>
+      <p:transition spd="slow">
+        <p:split orient="vert"/>
+      </p:transition>
+    </mc:Fallback>
+  </mc:AlternateContent>
+  <p:timing>
+    <p:tnLst>
+      <p:par>
+        <p:cTn id="1" dur="indefinite" restart="never" nodeType="tmRoot"/>
+      </p:par>
+    </p:tnLst>
+  </p:timing>
 </p:sld>
 </file>
 
@@ -3381,6 +3420,25 @@
   <p:clrMapOvr>
     <a:masterClrMapping/>
   </p:clrMapOvr>
+  <mc:AlternateContent xmlns:mc="http://schemas.openxmlformats.org/markup-compatibility/2006">
+    <mc:Choice xmlns:p15="http://schemas.microsoft.com/office/powerpoint/2012/main" Requires="p15">
+      <p:transition xmlns:p14="http://schemas.microsoft.com/office/powerpoint/2010/main" spd="slow" p14:dur="2000">
+        <p15:prstTrans prst="drape"/>
+      </p:transition>
+    </mc:Choice>
+    <mc:Fallback>
+      <p:transition spd="slow">
+        <p:fade/>
+      </p:transition>
+    </mc:Fallback>
+  </mc:AlternateContent>
+  <p:timing>
+    <p:tnLst>
+      <p:par>
+        <p:cTn id="1" dur="indefinite" restart="never" nodeType="tmRoot"/>
+      </p:par>
+    </p:tnLst>
+  </p:timing>
 </p:sld>
 </file>
 
@@ -3401,37 +3459,12 @@
           <a:chExt cx="0" cy="0"/>
         </a:xfrm>
       </p:grpSpPr>
-      <p:sp>
-        <p:nvSpPr>
-          <p:cNvPr id="2" name="Title 1">
-            <a:extLst>
-              <a:ext uri="{FF2B5EF4-FFF2-40B4-BE49-F238E27FC236}">
-                <a16:creationId xmlns:a16="http://schemas.microsoft.com/office/drawing/2014/main" id="{4413E8CC-6011-4D17-8AB3-FE3E4AE9DA68}"/>
-              </a:ext>
-            </a:extLst>
-          </p:cNvPr>
-          <p:cNvSpPr>
-            <a:spLocks noGrp="1"/>
-          </p:cNvSpPr>
-          <p:nvPr>
-            <p:ph type="title"/>
-          </p:nvPr>
-        </p:nvSpPr>
-        <p:spPr/>
-        <p:txBody>
-          <a:bodyPr/>
-          <a:lstStyle/>
-          <a:p>
-            <a:endParaRPr lang="en-US" dirty="0"/>
-          </a:p>
-        </p:txBody>
-      </p:sp>
       <p:pic>
         <p:nvPicPr>
           <p:cNvPr id="4" name="Content Placeholder 3">
             <a:extLst>
               <a:ext uri="{FF2B5EF4-FFF2-40B4-BE49-F238E27FC236}">
-                <a16:creationId xmlns:a16="http://schemas.microsoft.com/office/drawing/2014/main" id="{3724252B-5671-4202-AF83-9D757765C075}"/>
+                <a16:creationId xmlns:a16="http://schemas.microsoft.com/office/drawing/2014/main" xmlns="" id="{3724252B-5671-4202-AF83-9D757765C075}"/>
               </a:ext>
             </a:extLst>
           </p:cNvPr>
@@ -3450,8 +3483,8 @@
         </p:blipFill>
         <p:spPr>
           <a:xfrm>
-            <a:off x="1927273" y="1891623"/>
-            <a:ext cx="7458872" cy="4601252"/>
+            <a:off x="1038631" y="243126"/>
+            <a:ext cx="9501734" cy="5861459"/>
           </a:xfrm>
           <a:prstGeom prst="rect">
             <a:avLst/>
@@ -3468,6 +3501,25 @@
   <p:clrMapOvr>
     <a:masterClrMapping/>
   </p:clrMapOvr>
+  <mc:AlternateContent xmlns:mc="http://schemas.openxmlformats.org/markup-compatibility/2006">
+    <mc:Choice xmlns:p15="http://schemas.microsoft.com/office/powerpoint/2012/main" Requires="p15">
+      <p:transition xmlns:p14="http://schemas.microsoft.com/office/powerpoint/2010/main" spd="slow" p14:dur="1250">
+        <p15:prstTrans prst="peelOff"/>
+      </p:transition>
+    </mc:Choice>
+    <mc:Fallback>
+      <p:transition spd="slow">
+        <p:fade/>
+      </p:transition>
+    </mc:Fallback>
+  </mc:AlternateContent>
+  <p:timing>
+    <p:tnLst>
+      <p:par>
+        <p:cTn id="1" dur="indefinite" restart="never" nodeType="tmRoot"/>
+      </p:par>
+    </p:tnLst>
+  </p:timing>
 </p:sld>
 </file>
 
@@ -3581,6 +3633,25 @@
   <p:clrMapOvr>
     <a:masterClrMapping/>
   </p:clrMapOvr>
+  <mc:AlternateContent xmlns:mc="http://schemas.openxmlformats.org/markup-compatibility/2006">
+    <mc:Choice xmlns:p15="http://schemas.microsoft.com/office/powerpoint/2012/main" Requires="p15">
+      <p:transition xmlns:p14="http://schemas.microsoft.com/office/powerpoint/2010/main" spd="slow" p14:dur="1250">
+        <p15:prstTrans prst="airplane"/>
+      </p:transition>
+    </mc:Choice>
+    <mc:Fallback>
+      <p:transition spd="slow">
+        <p:fade/>
+      </p:transition>
+    </mc:Fallback>
+  </mc:AlternateContent>
+  <p:timing>
+    <p:tnLst>
+      <p:par>
+        <p:cTn id="1" dur="indefinite" restart="never" nodeType="tmRoot"/>
+      </p:par>
+    </p:tnLst>
+  </p:timing>
 </p:sld>
 </file>
 
@@ -3640,6 +3711,25 @@
   <p:clrMapOvr>
     <a:masterClrMapping/>
   </p:clrMapOvr>
+  <mc:AlternateContent xmlns:mc="http://schemas.openxmlformats.org/markup-compatibility/2006">
+    <mc:Choice xmlns:p15="http://schemas.microsoft.com/office/powerpoint/2012/main" Requires="p15">
+      <p:transition xmlns:p14="http://schemas.microsoft.com/office/powerpoint/2010/main" spd="slow" p14:dur="3250">
+        <p15:prstTrans prst="origami"/>
+      </p:transition>
+    </mc:Choice>
+    <mc:Fallback>
+      <p:transition spd="slow">
+        <p:fade/>
+      </p:transition>
+    </mc:Fallback>
+  </mc:AlternateContent>
+  <p:timing>
+    <p:tnLst>
+      <p:par>
+        <p:cTn id="1" dur="indefinite" restart="never" nodeType="tmRoot"/>
+      </p:par>
+    </p:tnLst>
+  </p:timing>
 </p:sld>
 </file>
 
@@ -3722,6 +3812,25 @@
   <p:clrMapOvr>
     <a:masterClrMapping/>
   </p:clrMapOvr>
+  <mc:AlternateContent xmlns:mc="http://schemas.openxmlformats.org/markup-compatibility/2006">
+    <mc:Choice xmlns:p15="http://schemas.microsoft.com/office/powerpoint/2012/main" Requires="p15">
+      <p:transition xmlns:p14="http://schemas.microsoft.com/office/powerpoint/2010/main" spd="slow" p14:dur="2000">
+        <p15:prstTrans prst="wind"/>
+      </p:transition>
+    </mc:Choice>
+    <mc:Fallback>
+      <p:transition spd="slow">
+        <p:fade/>
+      </p:transition>
+    </mc:Fallback>
+  </mc:AlternateContent>
+  <p:timing>
+    <p:tnLst>
+      <p:par>
+        <p:cTn id="1" dur="indefinite" restart="never" nodeType="tmRoot"/>
+      </p:par>
+    </p:tnLst>
+  </p:timing>
 </p:sld>
 </file>
 
@@ -3756,44 +3865,6 @@
           <a:chExt cx="0" cy="0"/>
         </a:xfrm>
       </p:grpSpPr>
-      <p:sp>
-        <p:nvSpPr>
-          <p:cNvPr id="2" name="Title 1"/>
-          <p:cNvSpPr>
-            <a:spLocks noGrp="1"/>
-          </p:cNvSpPr>
-          <p:nvPr>
-            <p:ph type="title"/>
-          </p:nvPr>
-        </p:nvSpPr>
-        <p:spPr/>
-        <p:txBody>
-          <a:bodyPr/>
-          <a:lstStyle/>
-          <a:p>
-            <a:endParaRPr lang="en-US"/>
-          </a:p>
-        </p:txBody>
-      </p:sp>
-      <p:sp>
-        <p:nvSpPr>
-          <p:cNvPr id="3" name="Content Placeholder 2"/>
-          <p:cNvSpPr>
-            <a:spLocks noGrp="1"/>
-          </p:cNvSpPr>
-          <p:nvPr>
-            <p:ph idx="1"/>
-          </p:nvPr>
-        </p:nvSpPr>
-        <p:spPr/>
-        <p:txBody>
-          <a:bodyPr/>
-          <a:lstStyle/>
-          <a:p>
-            <a:endParaRPr lang="en-US"/>
-          </a:p>
-        </p:txBody>
-      </p:sp>
     </p:spTree>
     <p:extLst>
       <p:ext uri="{BB962C8B-B14F-4D97-AF65-F5344CB8AC3E}">
@@ -3804,6 +3875,25 @@
   <p:clrMapOvr>
     <a:masterClrMapping/>
   </p:clrMapOvr>
+  <mc:AlternateContent xmlns:mc="http://schemas.openxmlformats.org/markup-compatibility/2006">
+    <mc:Choice xmlns:p14="http://schemas.microsoft.com/office/powerpoint/2010/main" Requires="p14">
+      <p:transition spd="med" p14:dur="700">
+        <p:fade/>
+      </p:transition>
+    </mc:Choice>
+    <mc:Fallback>
+      <p:transition spd="med">
+        <p:fade/>
+      </p:transition>
+    </mc:Fallback>
+  </mc:AlternateContent>
+  <p:timing>
+    <p:tnLst>
+      <p:par>
+        <p:cTn id="1" dur="indefinite" restart="never" nodeType="tmRoot"/>
+      </p:par>
+    </p:tnLst>
+  </p:timing>
 </p:sld>
 </file>
 
@@ -3838,44 +3928,6 @@
           <a:chExt cx="0" cy="0"/>
         </a:xfrm>
       </p:grpSpPr>
-      <p:sp>
-        <p:nvSpPr>
-          <p:cNvPr id="2" name="Title 1"/>
-          <p:cNvSpPr>
-            <a:spLocks noGrp="1"/>
-          </p:cNvSpPr>
-          <p:nvPr>
-            <p:ph type="title"/>
-          </p:nvPr>
-        </p:nvSpPr>
-        <p:spPr/>
-        <p:txBody>
-          <a:bodyPr/>
-          <a:lstStyle/>
-          <a:p>
-            <a:endParaRPr lang="en-US"/>
-          </a:p>
-        </p:txBody>
-      </p:sp>
-      <p:sp>
-        <p:nvSpPr>
-          <p:cNvPr id="3" name="Content Placeholder 2"/>
-          <p:cNvSpPr>
-            <a:spLocks noGrp="1"/>
-          </p:cNvSpPr>
-          <p:nvPr>
-            <p:ph idx="1"/>
-          </p:nvPr>
-        </p:nvSpPr>
-        <p:spPr/>
-        <p:txBody>
-          <a:bodyPr/>
-          <a:lstStyle/>
-          <a:p>
-            <a:endParaRPr lang="en-US"/>
-          </a:p>
-        </p:txBody>
-      </p:sp>
     </p:spTree>
     <p:extLst>
       <p:ext uri="{BB962C8B-B14F-4D97-AF65-F5344CB8AC3E}">
@@ -3886,6 +3938,25 @@
   <p:clrMapOvr>
     <a:masterClrMapping/>
   </p:clrMapOvr>
+  <mc:AlternateContent xmlns:mc="http://schemas.openxmlformats.org/markup-compatibility/2006">
+    <mc:Choice xmlns:p15="http://schemas.microsoft.com/office/powerpoint/2012/main" Requires="p15">
+      <p:transition xmlns:p14="http://schemas.microsoft.com/office/powerpoint/2010/main" spd="slow" p14:dur="2000">
+        <p15:prstTrans prst="fallOver"/>
+      </p:transition>
+    </mc:Choice>
+    <mc:Fallback>
+      <p:transition spd="slow">
+        <p:fade/>
+      </p:transition>
+    </mc:Fallback>
+  </mc:AlternateContent>
+  <p:timing>
+    <p:tnLst>
+      <p:par>
+        <p:cTn id="1" dur="indefinite" restart="never" nodeType="tmRoot"/>
+      </p:par>
+    </p:tnLst>
+  </p:timing>
 </p:sld>
 </file>
 
@@ -3930,6 +4001,25 @@
   <p:clrMapOvr>
     <a:masterClrMapping/>
   </p:clrMapOvr>
+  <mc:AlternateContent xmlns:mc="http://schemas.openxmlformats.org/markup-compatibility/2006">
+    <mc:Choice xmlns:p14="http://schemas.microsoft.com/office/powerpoint/2010/main" Requires="p14">
+      <p:transition spd="slow" p14:dur="1500">
+        <p:split orient="vert"/>
+      </p:transition>
+    </mc:Choice>
+    <mc:Fallback>
+      <p:transition spd="slow">
+        <p:split orient="vert"/>
+      </p:transition>
+    </mc:Fallback>
+  </mc:AlternateContent>
+  <p:timing>
+    <p:tnLst>
+      <p:par>
+        <p:cTn id="1" dur="indefinite" restart="never" nodeType="tmRoot"/>
+      </p:par>
+    </p:tnLst>
+  </p:timing>
 </p:sld>
 </file>
 
@@ -4040,6 +4130,16 @@
   <p:clrMapOvr>
     <a:masterClrMapping/>
   </p:clrMapOvr>
+  <p:transition spd="slow">
+    <p:wipe/>
+  </p:transition>
+  <p:timing>
+    <p:tnLst>
+      <p:par>
+        <p:cTn id="1" dur="indefinite" restart="never" nodeType="tmRoot"/>
+      </p:par>
+    </p:tnLst>
+  </p:timing>
 </p:sld>
 </file>
 
@@ -4074,44 +4174,6 @@
           <a:chExt cx="0" cy="0"/>
         </a:xfrm>
       </p:grpSpPr>
-      <p:sp>
-        <p:nvSpPr>
-          <p:cNvPr id="2" name="Title 1"/>
-          <p:cNvSpPr>
-            <a:spLocks noGrp="1"/>
-          </p:cNvSpPr>
-          <p:nvPr>
-            <p:ph type="title"/>
-          </p:nvPr>
-        </p:nvSpPr>
-        <p:spPr/>
-        <p:txBody>
-          <a:bodyPr/>
-          <a:lstStyle/>
-          <a:p>
-            <a:endParaRPr lang="en-US"/>
-          </a:p>
-        </p:txBody>
-      </p:sp>
-      <p:sp>
-        <p:nvSpPr>
-          <p:cNvPr id="3" name="Content Placeholder 2"/>
-          <p:cNvSpPr>
-            <a:spLocks noGrp="1"/>
-          </p:cNvSpPr>
-          <p:nvPr>
-            <p:ph idx="1"/>
-          </p:nvPr>
-        </p:nvSpPr>
-        <p:spPr/>
-        <p:txBody>
-          <a:bodyPr/>
-          <a:lstStyle/>
-          <a:p>
-            <a:endParaRPr lang="en-US"/>
-          </a:p>
-        </p:txBody>
-      </p:sp>
     </p:spTree>
     <p:extLst>
       <p:ext uri="{BB962C8B-B14F-4D97-AF65-F5344CB8AC3E}">
@@ -4122,6 +4184,16 @@
   <p:clrMapOvr>
     <a:masterClrMapping/>
   </p:clrMapOvr>
+  <p:transition spd="slow">
+    <p:push dir="u"/>
+  </p:transition>
+  <p:timing>
+    <p:tnLst>
+      <p:par>
+        <p:cTn id="1" dur="indefinite" restart="never" nodeType="tmRoot"/>
+      </p:par>
+    </p:tnLst>
+  </p:timing>
 </p:sld>
 </file>
 
@@ -4156,44 +4228,6 @@
           <a:chExt cx="0" cy="0"/>
         </a:xfrm>
       </p:grpSpPr>
-      <p:sp>
-        <p:nvSpPr>
-          <p:cNvPr id="2" name="Title 1"/>
-          <p:cNvSpPr>
-            <a:spLocks noGrp="1"/>
-          </p:cNvSpPr>
-          <p:nvPr>
-            <p:ph type="title"/>
-          </p:nvPr>
-        </p:nvSpPr>
-        <p:spPr/>
-        <p:txBody>
-          <a:bodyPr/>
-          <a:lstStyle/>
-          <a:p>
-            <a:endParaRPr lang="en-US"/>
-          </a:p>
-        </p:txBody>
-      </p:sp>
-      <p:sp>
-        <p:nvSpPr>
-          <p:cNvPr id="3" name="Content Placeholder 2"/>
-          <p:cNvSpPr>
-            <a:spLocks noGrp="1"/>
-          </p:cNvSpPr>
-          <p:nvPr>
-            <p:ph idx="1"/>
-          </p:nvPr>
-        </p:nvSpPr>
-        <p:spPr/>
-        <p:txBody>
-          <a:bodyPr/>
-          <a:lstStyle/>
-          <a:p>
-            <a:endParaRPr lang="en-US"/>
-          </a:p>
-        </p:txBody>
-      </p:sp>
     </p:spTree>
     <p:extLst>
       <p:ext uri="{BB962C8B-B14F-4D97-AF65-F5344CB8AC3E}">
@@ -4204,6 +4238,16 @@
   <p:clrMapOvr>
     <a:masterClrMapping/>
   </p:clrMapOvr>
+  <p:transition spd="slow">
+    <p:push dir="u"/>
+  </p:transition>
+  <p:timing>
+    <p:tnLst>
+      <p:par>
+        <p:cTn id="1" dur="indefinite" restart="never" nodeType="tmRoot"/>
+      </p:par>
+    </p:tnLst>
+  </p:timing>
 </p:sld>
 </file>
 
@@ -4238,44 +4282,6 @@
           <a:chExt cx="0" cy="0"/>
         </a:xfrm>
       </p:grpSpPr>
-      <p:sp>
-        <p:nvSpPr>
-          <p:cNvPr id="2" name="Title 1"/>
-          <p:cNvSpPr>
-            <a:spLocks noGrp="1"/>
-          </p:cNvSpPr>
-          <p:nvPr>
-            <p:ph type="title"/>
-          </p:nvPr>
-        </p:nvSpPr>
-        <p:spPr/>
-        <p:txBody>
-          <a:bodyPr/>
-          <a:lstStyle/>
-          <a:p>
-            <a:endParaRPr lang="en-US"/>
-          </a:p>
-        </p:txBody>
-      </p:sp>
-      <p:sp>
-        <p:nvSpPr>
-          <p:cNvPr id="3" name="Content Placeholder 2"/>
-          <p:cNvSpPr>
-            <a:spLocks noGrp="1"/>
-          </p:cNvSpPr>
-          <p:nvPr>
-            <p:ph idx="1"/>
-          </p:nvPr>
-        </p:nvSpPr>
-        <p:spPr/>
-        <p:txBody>
-          <a:bodyPr/>
-          <a:lstStyle/>
-          <a:p>
-            <a:endParaRPr lang="en-US"/>
-          </a:p>
-        </p:txBody>
-      </p:sp>
     </p:spTree>
     <p:extLst>
       <p:ext uri="{BB962C8B-B14F-4D97-AF65-F5344CB8AC3E}">
@@ -4286,6 +4292,13 @@
   <p:clrMapOvr>
     <a:masterClrMapping/>
   </p:clrMapOvr>
+  <p:timing>
+    <p:tnLst>
+      <p:par>
+        <p:cTn id="1" dur="indefinite" restart="never" nodeType="tmRoot"/>
+      </p:par>
+    </p:tnLst>
+  </p:timing>
 </p:sld>
 </file>
 
@@ -4320,44 +4333,6 @@
           <a:chExt cx="0" cy="0"/>
         </a:xfrm>
       </p:grpSpPr>
-      <p:sp>
-        <p:nvSpPr>
-          <p:cNvPr id="2" name="Title 1"/>
-          <p:cNvSpPr>
-            <a:spLocks noGrp="1"/>
-          </p:cNvSpPr>
-          <p:nvPr>
-            <p:ph type="title"/>
-          </p:nvPr>
-        </p:nvSpPr>
-        <p:spPr/>
-        <p:txBody>
-          <a:bodyPr/>
-          <a:lstStyle/>
-          <a:p>
-            <a:endParaRPr lang="en-US"/>
-          </a:p>
-        </p:txBody>
-      </p:sp>
-      <p:sp>
-        <p:nvSpPr>
-          <p:cNvPr id="3" name="Content Placeholder 2"/>
-          <p:cNvSpPr>
-            <a:spLocks noGrp="1"/>
-          </p:cNvSpPr>
-          <p:nvPr>
-            <p:ph idx="1"/>
-          </p:nvPr>
-        </p:nvSpPr>
-        <p:spPr/>
-        <p:txBody>
-          <a:bodyPr/>
-          <a:lstStyle/>
-          <a:p>
-            <a:endParaRPr lang="en-US"/>
-          </a:p>
-        </p:txBody>
-      </p:sp>
     </p:spTree>
     <p:extLst>
       <p:ext uri="{BB962C8B-B14F-4D97-AF65-F5344CB8AC3E}">
@@ -4368,6 +4343,25 @@
   <p:clrMapOvr>
     <a:masterClrMapping/>
   </p:clrMapOvr>
+  <mc:AlternateContent xmlns:mc="http://schemas.openxmlformats.org/markup-compatibility/2006">
+    <mc:Choice xmlns:p15="http://schemas.microsoft.com/office/powerpoint/2012/main" Requires="p15">
+      <p:transition xmlns:p14="http://schemas.microsoft.com/office/powerpoint/2010/main" spd="slow" p14:dur="2000">
+        <p15:prstTrans prst="fracture"/>
+      </p:transition>
+    </mc:Choice>
+    <mc:Fallback>
+      <p:transition spd="slow">
+        <p:fade/>
+      </p:transition>
+    </mc:Fallback>
+  </mc:AlternateContent>
+  <p:timing>
+    <p:tnLst>
+      <p:par>
+        <p:cTn id="1" dur="indefinite" restart="never" nodeType="tmRoot"/>
+      </p:par>
+    </p:tnLst>
+  </p:timing>
 </p:sld>
 </file>
 
@@ -4402,44 +4396,6 @@
           <a:chExt cx="0" cy="0"/>
         </a:xfrm>
       </p:grpSpPr>
-      <p:sp>
-        <p:nvSpPr>
-          <p:cNvPr id="2" name="Title 1"/>
-          <p:cNvSpPr>
-            <a:spLocks noGrp="1"/>
-          </p:cNvSpPr>
-          <p:nvPr>
-            <p:ph type="title"/>
-          </p:nvPr>
-        </p:nvSpPr>
-        <p:spPr/>
-        <p:txBody>
-          <a:bodyPr/>
-          <a:lstStyle/>
-          <a:p>
-            <a:endParaRPr lang="en-US"/>
-          </a:p>
-        </p:txBody>
-      </p:sp>
-      <p:sp>
-        <p:nvSpPr>
-          <p:cNvPr id="3" name="Content Placeholder 2"/>
-          <p:cNvSpPr>
-            <a:spLocks noGrp="1"/>
-          </p:cNvSpPr>
-          <p:nvPr>
-            <p:ph idx="1"/>
-          </p:nvPr>
-        </p:nvSpPr>
-        <p:spPr/>
-        <p:txBody>
-          <a:bodyPr/>
-          <a:lstStyle/>
-          <a:p>
-            <a:endParaRPr lang="en-US"/>
-          </a:p>
-        </p:txBody>
-      </p:sp>
     </p:spTree>
     <p:extLst>
       <p:ext uri="{BB962C8B-B14F-4D97-AF65-F5344CB8AC3E}">
@@ -4450,6 +4406,16 @@
   <p:clrMapOvr>
     <a:masterClrMapping/>
   </p:clrMapOvr>
+  <p:transition spd="med">
+    <p:pull/>
+  </p:transition>
+  <p:timing>
+    <p:tnLst>
+      <p:par>
+        <p:cTn id="1" dur="indefinite" restart="never" nodeType="tmRoot"/>
+      </p:par>
+    </p:tnLst>
+  </p:timing>
 </p:sld>
 </file>
 
@@ -4484,44 +4450,6 @@
           <a:chExt cx="0" cy="0"/>
         </a:xfrm>
       </p:grpSpPr>
-      <p:sp>
-        <p:nvSpPr>
-          <p:cNvPr id="2" name="Title 1"/>
-          <p:cNvSpPr>
-            <a:spLocks noGrp="1"/>
-          </p:cNvSpPr>
-          <p:nvPr>
-            <p:ph type="title"/>
-          </p:nvPr>
-        </p:nvSpPr>
-        <p:spPr/>
-        <p:txBody>
-          <a:bodyPr/>
-          <a:lstStyle/>
-          <a:p>
-            <a:endParaRPr lang="en-US"/>
-          </a:p>
-        </p:txBody>
-      </p:sp>
-      <p:sp>
-        <p:nvSpPr>
-          <p:cNvPr id="3" name="Content Placeholder 2"/>
-          <p:cNvSpPr>
-            <a:spLocks noGrp="1"/>
-          </p:cNvSpPr>
-          <p:nvPr>
-            <p:ph idx="1"/>
-          </p:nvPr>
-        </p:nvSpPr>
-        <p:spPr/>
-        <p:txBody>
-          <a:bodyPr/>
-          <a:lstStyle/>
-          <a:p>
-            <a:endParaRPr lang="en-US"/>
-          </a:p>
-        </p:txBody>
-      </p:sp>
     </p:spTree>
     <p:extLst>
       <p:ext uri="{BB962C8B-B14F-4D97-AF65-F5344CB8AC3E}">
@@ -4532,6 +4460,25 @@
   <p:clrMapOvr>
     <a:masterClrMapping/>
   </p:clrMapOvr>
+  <mc:AlternateContent xmlns:mc="http://schemas.openxmlformats.org/markup-compatibility/2006">
+    <mc:Choice xmlns:p14="http://schemas.microsoft.com/office/powerpoint/2010/main" Requires="p14">
+      <p:transition spd="med" p14:dur="700">
+        <p:fade/>
+      </p:transition>
+    </mc:Choice>
+    <mc:Fallback>
+      <p:transition spd="med">
+        <p:fade/>
+      </p:transition>
+    </mc:Fallback>
+  </mc:AlternateContent>
+  <p:timing>
+    <p:tnLst>
+      <p:par>
+        <p:cTn id="1" dur="indefinite" restart="never" nodeType="tmRoot"/>
+      </p:par>
+    </p:tnLst>
+  </p:timing>
 </p:sld>
 </file>
 
@@ -4566,44 +4513,6 @@
           <a:chExt cx="0" cy="0"/>
         </a:xfrm>
       </p:grpSpPr>
-      <p:sp>
-        <p:nvSpPr>
-          <p:cNvPr id="2" name="Title 1"/>
-          <p:cNvSpPr>
-            <a:spLocks noGrp="1"/>
-          </p:cNvSpPr>
-          <p:nvPr>
-            <p:ph type="title"/>
-          </p:nvPr>
-        </p:nvSpPr>
-        <p:spPr/>
-        <p:txBody>
-          <a:bodyPr/>
-          <a:lstStyle/>
-          <a:p>
-            <a:endParaRPr lang="en-US"/>
-          </a:p>
-        </p:txBody>
-      </p:sp>
-      <p:sp>
-        <p:nvSpPr>
-          <p:cNvPr id="3" name="Content Placeholder 2"/>
-          <p:cNvSpPr>
-            <a:spLocks noGrp="1"/>
-          </p:cNvSpPr>
-          <p:nvPr>
-            <p:ph idx="1"/>
-          </p:nvPr>
-        </p:nvSpPr>
-        <p:spPr/>
-        <p:txBody>
-          <a:bodyPr/>
-          <a:lstStyle/>
-          <a:p>
-            <a:endParaRPr lang="en-US"/>
-          </a:p>
-        </p:txBody>
-      </p:sp>
     </p:spTree>
     <p:extLst>
       <p:ext uri="{BB962C8B-B14F-4D97-AF65-F5344CB8AC3E}">
@@ -4614,6 +4523,25 @@
   <p:clrMapOvr>
     <a:masterClrMapping/>
   </p:clrMapOvr>
+  <mc:AlternateContent xmlns:mc="http://schemas.openxmlformats.org/markup-compatibility/2006">
+    <mc:Choice xmlns:p15="http://schemas.microsoft.com/office/powerpoint/2012/main" Requires="p15">
+      <p:transition xmlns:p14="http://schemas.microsoft.com/office/powerpoint/2010/main" spd="slow" p14:dur="2000">
+        <p15:prstTrans prst="drape"/>
+      </p:transition>
+    </mc:Choice>
+    <mc:Fallback>
+      <p:transition spd="slow">
+        <p:fade/>
+      </p:transition>
+    </mc:Fallback>
+  </mc:AlternateContent>
+  <p:timing>
+    <p:tnLst>
+      <p:par>
+        <p:cTn id="1" dur="indefinite" restart="never" nodeType="tmRoot"/>
+      </p:par>
+    </p:tnLst>
+  </p:timing>
 </p:sld>
 </file>
 
@@ -4648,44 +4576,6 @@
           <a:chExt cx="0" cy="0"/>
         </a:xfrm>
       </p:grpSpPr>
-      <p:sp>
-        <p:nvSpPr>
-          <p:cNvPr id="2" name="Title 1"/>
-          <p:cNvSpPr>
-            <a:spLocks noGrp="1"/>
-          </p:cNvSpPr>
-          <p:nvPr>
-            <p:ph type="title"/>
-          </p:nvPr>
-        </p:nvSpPr>
-        <p:spPr/>
-        <p:txBody>
-          <a:bodyPr/>
-          <a:lstStyle/>
-          <a:p>
-            <a:endParaRPr lang="en-US"/>
-          </a:p>
-        </p:txBody>
-      </p:sp>
-      <p:sp>
-        <p:nvSpPr>
-          <p:cNvPr id="3" name="Content Placeholder 2"/>
-          <p:cNvSpPr>
-            <a:spLocks noGrp="1"/>
-          </p:cNvSpPr>
-          <p:nvPr>
-            <p:ph idx="1"/>
-          </p:nvPr>
-        </p:nvSpPr>
-        <p:spPr/>
-        <p:txBody>
-          <a:bodyPr/>
-          <a:lstStyle/>
-          <a:p>
-            <a:endParaRPr lang="en-US"/>
-          </a:p>
-        </p:txBody>
-      </p:sp>
     </p:spTree>
     <p:extLst>
       <p:ext uri="{BB962C8B-B14F-4D97-AF65-F5344CB8AC3E}">
@@ -4696,6 +4586,25 @@
   <p:clrMapOvr>
     <a:masterClrMapping/>
   </p:clrMapOvr>
+  <mc:AlternateContent xmlns:mc="http://schemas.openxmlformats.org/markup-compatibility/2006">
+    <mc:Choice xmlns:p15="http://schemas.microsoft.com/office/powerpoint/2012/main" Requires="p15">
+      <p:transition xmlns:p14="http://schemas.microsoft.com/office/powerpoint/2010/main" spd="slow" p14:dur="1250">
+        <p15:prstTrans prst="peelOff"/>
+      </p:transition>
+    </mc:Choice>
+    <mc:Fallback>
+      <p:transition spd="slow">
+        <p:fade/>
+      </p:transition>
+    </mc:Fallback>
+  </mc:AlternateContent>
+  <p:timing>
+    <p:tnLst>
+      <p:par>
+        <p:cTn id="1" dur="indefinite" restart="never" nodeType="tmRoot"/>
+      </p:par>
+    </p:tnLst>
+  </p:timing>
 </p:sld>
 </file>
 
@@ -4730,44 +4639,6 @@
           <a:chExt cx="0" cy="0"/>
         </a:xfrm>
       </p:grpSpPr>
-      <p:sp>
-        <p:nvSpPr>
-          <p:cNvPr id="2" name="Title 1"/>
-          <p:cNvSpPr>
-            <a:spLocks noGrp="1"/>
-          </p:cNvSpPr>
-          <p:nvPr>
-            <p:ph type="title"/>
-          </p:nvPr>
-        </p:nvSpPr>
-        <p:spPr/>
-        <p:txBody>
-          <a:bodyPr/>
-          <a:lstStyle/>
-          <a:p>
-            <a:endParaRPr lang="en-US"/>
-          </a:p>
-        </p:txBody>
-      </p:sp>
-      <p:sp>
-        <p:nvSpPr>
-          <p:cNvPr id="3" name="Content Placeholder 2"/>
-          <p:cNvSpPr>
-            <a:spLocks noGrp="1"/>
-          </p:cNvSpPr>
-          <p:nvPr>
-            <p:ph idx="1"/>
-          </p:nvPr>
-        </p:nvSpPr>
-        <p:spPr/>
-        <p:txBody>
-          <a:bodyPr/>
-          <a:lstStyle/>
-          <a:p>
-            <a:endParaRPr lang="en-US"/>
-          </a:p>
-        </p:txBody>
-      </p:sp>
     </p:spTree>
     <p:extLst>
       <p:ext uri="{BB962C8B-B14F-4D97-AF65-F5344CB8AC3E}">
@@ -4778,6 +4649,25 @@
   <p:clrMapOvr>
     <a:masterClrMapping/>
   </p:clrMapOvr>
+  <mc:AlternateContent xmlns:mc="http://schemas.openxmlformats.org/markup-compatibility/2006">
+    <mc:Choice xmlns:p14="http://schemas.microsoft.com/office/powerpoint/2010/main" Requires="p14">
+      <p:transition spd="slow" p14:dur="1200">
+        <p:dissolve/>
+      </p:transition>
+    </mc:Choice>
+    <mc:Fallback>
+      <p:transition spd="slow">
+        <p:dissolve/>
+      </p:transition>
+    </mc:Fallback>
+  </mc:AlternateContent>
+  <p:timing>
+    <p:tnLst>
+      <p:par>
+        <p:cTn id="1" dur="indefinite" restart="never" nodeType="tmRoot"/>
+      </p:par>
+    </p:tnLst>
+  </p:timing>
 </p:sld>
 </file>
 
@@ -4812,44 +4702,6 @@
           <a:chExt cx="0" cy="0"/>
         </a:xfrm>
       </p:grpSpPr>
-      <p:sp>
-        <p:nvSpPr>
-          <p:cNvPr id="2" name="Title 1"/>
-          <p:cNvSpPr>
-            <a:spLocks noGrp="1"/>
-          </p:cNvSpPr>
-          <p:nvPr>
-            <p:ph type="title"/>
-          </p:nvPr>
-        </p:nvSpPr>
-        <p:spPr/>
-        <p:txBody>
-          <a:bodyPr/>
-          <a:lstStyle/>
-          <a:p>
-            <a:endParaRPr lang="en-US"/>
-          </a:p>
-        </p:txBody>
-      </p:sp>
-      <p:sp>
-        <p:nvSpPr>
-          <p:cNvPr id="3" name="Content Placeholder 2"/>
-          <p:cNvSpPr>
-            <a:spLocks noGrp="1"/>
-          </p:cNvSpPr>
-          <p:nvPr>
-            <p:ph idx="1"/>
-          </p:nvPr>
-        </p:nvSpPr>
-        <p:spPr/>
-        <p:txBody>
-          <a:bodyPr/>
-          <a:lstStyle/>
-          <a:p>
-            <a:endParaRPr lang="en-US"/>
-          </a:p>
-        </p:txBody>
-      </p:sp>
     </p:spTree>
     <p:extLst>
       <p:ext uri="{BB962C8B-B14F-4D97-AF65-F5344CB8AC3E}">
@@ -4860,6 +4712,25 @@
   <p:clrMapOvr>
     <a:masterClrMapping/>
   </p:clrMapOvr>
+  <mc:AlternateContent xmlns:mc="http://schemas.openxmlformats.org/markup-compatibility/2006">
+    <mc:Choice xmlns:p14="http://schemas.microsoft.com/office/powerpoint/2010/main" Requires="p14">
+      <p:transition spd="slow" p14:dur="4400">
+        <p14:honeycomb/>
+      </p:transition>
+    </mc:Choice>
+    <mc:Fallback>
+      <p:transition spd="slow">
+        <p:fade/>
+      </p:transition>
+    </mc:Fallback>
+  </mc:AlternateContent>
+  <p:timing>
+    <p:tnLst>
+      <p:par>
+        <p:cTn id="1" dur="indefinite" restart="never" nodeType="tmRoot"/>
+      </p:par>
+    </p:tnLst>
+  </p:timing>
 </p:sld>
 </file>
 
@@ -4948,6 +4819,25 @@
   <p:clrMapOvr>
     <a:masterClrMapping/>
   </p:clrMapOvr>
+  <mc:AlternateContent xmlns:mc="http://schemas.openxmlformats.org/markup-compatibility/2006">
+    <mc:Choice xmlns:p14="http://schemas.microsoft.com/office/powerpoint/2010/main" Requires="p14">
+      <p:transition spd="slow" p14:dur="1500">
+        <p:split orient="vert"/>
+      </p:transition>
+    </mc:Choice>
+    <mc:Fallback>
+      <p:transition spd="slow">
+        <p:split orient="vert"/>
+      </p:transition>
+    </mc:Fallback>
+  </mc:AlternateContent>
+  <p:timing>
+    <p:tnLst>
+      <p:par>
+        <p:cTn id="1" dur="indefinite" restart="never" nodeType="tmRoot"/>
+      </p:par>
+    </p:tnLst>
+  </p:timing>
 </p:sld>
 </file>
 
@@ -4982,44 +4872,6 @@
           <a:chExt cx="0" cy="0"/>
         </a:xfrm>
       </p:grpSpPr>
-      <p:sp>
-        <p:nvSpPr>
-          <p:cNvPr id="2" name="Title 1"/>
-          <p:cNvSpPr>
-            <a:spLocks noGrp="1"/>
-          </p:cNvSpPr>
-          <p:nvPr>
-            <p:ph type="title"/>
-          </p:nvPr>
-        </p:nvSpPr>
-        <p:spPr/>
-        <p:txBody>
-          <a:bodyPr/>
-          <a:lstStyle/>
-          <a:p>
-            <a:endParaRPr lang="en-US"/>
-          </a:p>
-        </p:txBody>
-      </p:sp>
-      <p:sp>
-        <p:nvSpPr>
-          <p:cNvPr id="3" name="Content Placeholder 2"/>
-          <p:cNvSpPr>
-            <a:spLocks noGrp="1"/>
-          </p:cNvSpPr>
-          <p:nvPr>
-            <p:ph idx="1"/>
-          </p:nvPr>
-        </p:nvSpPr>
-        <p:spPr/>
-        <p:txBody>
-          <a:bodyPr/>
-          <a:lstStyle/>
-          <a:p>
-            <a:endParaRPr lang="en-US"/>
-          </a:p>
-        </p:txBody>
-      </p:sp>
     </p:spTree>
     <p:extLst>
       <p:ext uri="{BB962C8B-B14F-4D97-AF65-F5344CB8AC3E}">
@@ -5030,6 +4882,16 @@
   <p:clrMapOvr>
     <a:masterClrMapping/>
   </p:clrMapOvr>
+  <p:transition spd="slow">
+    <p:push dir="u"/>
+  </p:transition>
+  <p:timing>
+    <p:tnLst>
+      <p:par>
+        <p:cTn id="1" dur="indefinite" restart="never" nodeType="tmRoot"/>
+      </p:par>
+    </p:tnLst>
+  </p:timing>
 </p:sld>
 </file>
 
@@ -5064,44 +4926,6 @@
           <a:chExt cx="0" cy="0"/>
         </a:xfrm>
       </p:grpSpPr>
-      <p:sp>
-        <p:nvSpPr>
-          <p:cNvPr id="2" name="Title 1"/>
-          <p:cNvSpPr>
-            <a:spLocks noGrp="1"/>
-          </p:cNvSpPr>
-          <p:nvPr>
-            <p:ph type="title"/>
-          </p:nvPr>
-        </p:nvSpPr>
-        <p:spPr/>
-        <p:txBody>
-          <a:bodyPr/>
-          <a:lstStyle/>
-          <a:p>
-            <a:endParaRPr lang="en-US"/>
-          </a:p>
-        </p:txBody>
-      </p:sp>
-      <p:sp>
-        <p:nvSpPr>
-          <p:cNvPr id="3" name="Content Placeholder 2"/>
-          <p:cNvSpPr>
-            <a:spLocks noGrp="1"/>
-          </p:cNvSpPr>
-          <p:nvPr>
-            <p:ph idx="1"/>
-          </p:nvPr>
-        </p:nvSpPr>
-        <p:spPr/>
-        <p:txBody>
-          <a:bodyPr/>
-          <a:lstStyle/>
-          <a:p>
-            <a:endParaRPr lang="en-US"/>
-          </a:p>
-        </p:txBody>
-      </p:sp>
     </p:spTree>
     <p:extLst>
       <p:ext uri="{BB962C8B-B14F-4D97-AF65-F5344CB8AC3E}">
@@ -5112,6 +4936,16 @@
   <p:clrMapOvr>
     <a:masterClrMapping/>
   </p:clrMapOvr>
+  <p:transition spd="slow">
+    <p:wheel spokes="1"/>
+  </p:transition>
+  <p:timing>
+    <p:tnLst>
+      <p:par>
+        <p:cTn id="1" dur="indefinite" restart="never" nodeType="tmRoot"/>
+      </p:par>
+    </p:tnLst>
+  </p:timing>
 </p:sld>
 </file>
 
@@ -5146,44 +4980,6 @@
           <a:chExt cx="0" cy="0"/>
         </a:xfrm>
       </p:grpSpPr>
-      <p:sp>
-        <p:nvSpPr>
-          <p:cNvPr id="2" name="Title 1"/>
-          <p:cNvSpPr>
-            <a:spLocks noGrp="1"/>
-          </p:cNvSpPr>
-          <p:nvPr>
-            <p:ph type="title"/>
-          </p:nvPr>
-        </p:nvSpPr>
-        <p:spPr/>
-        <p:txBody>
-          <a:bodyPr/>
-          <a:lstStyle/>
-          <a:p>
-            <a:endParaRPr lang="en-US"/>
-          </a:p>
-        </p:txBody>
-      </p:sp>
-      <p:sp>
-        <p:nvSpPr>
-          <p:cNvPr id="3" name="Content Placeholder 2"/>
-          <p:cNvSpPr>
-            <a:spLocks noGrp="1"/>
-          </p:cNvSpPr>
-          <p:nvPr>
-            <p:ph idx="1"/>
-          </p:nvPr>
-        </p:nvSpPr>
-        <p:spPr/>
-        <p:txBody>
-          <a:bodyPr/>
-          <a:lstStyle/>
-          <a:p>
-            <a:endParaRPr lang="en-US"/>
-          </a:p>
-        </p:txBody>
-      </p:sp>
     </p:spTree>
     <p:extLst>
       <p:ext uri="{BB962C8B-B14F-4D97-AF65-F5344CB8AC3E}">
@@ -5194,6 +4990,25 @@
   <p:clrMapOvr>
     <a:masterClrMapping/>
   </p:clrMapOvr>
+  <mc:AlternateContent xmlns:mc="http://schemas.openxmlformats.org/markup-compatibility/2006">
+    <mc:Choice xmlns:p14="http://schemas.microsoft.com/office/powerpoint/2010/main" Requires="p14">
+      <p:transition spd="slow" p14:dur="2500">
+        <p:checker/>
+      </p:transition>
+    </mc:Choice>
+    <mc:Fallback>
+      <p:transition spd="slow">
+        <p:checker/>
+      </p:transition>
+    </mc:Fallback>
+  </mc:AlternateContent>
+  <p:timing>
+    <p:tnLst>
+      <p:par>
+        <p:cTn id="1" dur="indefinite" restart="never" nodeType="tmRoot"/>
+      </p:par>
+    </p:tnLst>
+  </p:timing>
 </p:sld>
 </file>
 
@@ -5228,44 +5043,6 @@
           <a:chExt cx="0" cy="0"/>
         </a:xfrm>
       </p:grpSpPr>
-      <p:sp>
-        <p:nvSpPr>
-          <p:cNvPr id="2" name="Title 1"/>
-          <p:cNvSpPr>
-            <a:spLocks noGrp="1"/>
-          </p:cNvSpPr>
-          <p:nvPr>
-            <p:ph type="title"/>
-          </p:nvPr>
-        </p:nvSpPr>
-        <p:spPr/>
-        <p:txBody>
-          <a:bodyPr/>
-          <a:lstStyle/>
-          <a:p>
-            <a:endParaRPr lang="en-US"/>
-          </a:p>
-        </p:txBody>
-      </p:sp>
-      <p:sp>
-        <p:nvSpPr>
-          <p:cNvPr id="3" name="Content Placeholder 2"/>
-          <p:cNvSpPr>
-            <a:spLocks noGrp="1"/>
-          </p:cNvSpPr>
-          <p:nvPr>
-            <p:ph idx="1"/>
-          </p:nvPr>
-        </p:nvSpPr>
-        <p:spPr/>
-        <p:txBody>
-          <a:bodyPr/>
-          <a:lstStyle/>
-          <a:p>
-            <a:endParaRPr lang="en-US"/>
-          </a:p>
-        </p:txBody>
-      </p:sp>
     </p:spTree>
     <p:extLst>
       <p:ext uri="{BB962C8B-B14F-4D97-AF65-F5344CB8AC3E}">
@@ -5276,6 +5053,25 @@
   <p:clrMapOvr>
     <a:masterClrMapping/>
   </p:clrMapOvr>
+  <mc:AlternateContent xmlns:mc="http://schemas.openxmlformats.org/markup-compatibility/2006">
+    <mc:Choice xmlns:p14="http://schemas.microsoft.com/office/powerpoint/2010/main" Requires="p14">
+      <p:transition spd="slow" p14:dur="800">
+        <p:circle/>
+      </p:transition>
+    </mc:Choice>
+    <mc:Fallback>
+      <p:transition spd="slow">
+        <p:circle/>
+      </p:transition>
+    </mc:Fallback>
+  </mc:AlternateContent>
+  <p:timing>
+    <p:tnLst>
+      <p:par>
+        <p:cTn id="1" dur="indefinite" restart="never" nodeType="tmRoot"/>
+      </p:par>
+    </p:tnLst>
+  </p:timing>
 </p:sld>
 </file>
 
@@ -5310,44 +5106,6 @@
           <a:chExt cx="0" cy="0"/>
         </a:xfrm>
       </p:grpSpPr>
-      <p:sp>
-        <p:nvSpPr>
-          <p:cNvPr id="2" name="Title 1"/>
-          <p:cNvSpPr>
-            <a:spLocks noGrp="1"/>
-          </p:cNvSpPr>
-          <p:nvPr>
-            <p:ph type="title"/>
-          </p:nvPr>
-        </p:nvSpPr>
-        <p:spPr/>
-        <p:txBody>
-          <a:bodyPr/>
-          <a:lstStyle/>
-          <a:p>
-            <a:endParaRPr lang="en-US"/>
-          </a:p>
-        </p:txBody>
-      </p:sp>
-      <p:sp>
-        <p:nvSpPr>
-          <p:cNvPr id="3" name="Content Placeholder 2"/>
-          <p:cNvSpPr>
-            <a:spLocks noGrp="1"/>
-          </p:cNvSpPr>
-          <p:nvPr>
-            <p:ph idx="1"/>
-          </p:nvPr>
-        </p:nvSpPr>
-        <p:spPr/>
-        <p:txBody>
-          <a:bodyPr/>
-          <a:lstStyle/>
-          <a:p>
-            <a:endParaRPr lang="en-US"/>
-          </a:p>
-        </p:txBody>
-      </p:sp>
     </p:spTree>
     <p:extLst>
       <p:ext uri="{BB962C8B-B14F-4D97-AF65-F5344CB8AC3E}">
@@ -5358,6 +5116,25 @@
   <p:clrMapOvr>
     <a:masterClrMapping/>
   </p:clrMapOvr>
+  <mc:AlternateContent xmlns:mc="http://schemas.openxmlformats.org/markup-compatibility/2006">
+    <mc:Choice xmlns:p14="http://schemas.microsoft.com/office/powerpoint/2010/main" Requires="p14">
+      <p:transition spd="slow" p14:dur="800">
+        <p14:flythrough/>
+      </p:transition>
+    </mc:Choice>
+    <mc:Fallback>
+      <p:transition spd="slow">
+        <p:fade/>
+      </p:transition>
+    </mc:Fallback>
+  </mc:AlternateContent>
+  <p:timing>
+    <p:tnLst>
+      <p:par>
+        <p:cTn id="1" dur="indefinite" restart="never" nodeType="tmRoot"/>
+      </p:par>
+    </p:tnLst>
+  </p:timing>
 </p:sld>
 </file>
 
@@ -5392,44 +5169,6 @@
           <a:chExt cx="0" cy="0"/>
         </a:xfrm>
       </p:grpSpPr>
-      <p:sp>
-        <p:nvSpPr>
-          <p:cNvPr id="2" name="Title 1"/>
-          <p:cNvSpPr>
-            <a:spLocks noGrp="1"/>
-          </p:cNvSpPr>
-          <p:nvPr>
-            <p:ph type="title"/>
-          </p:nvPr>
-        </p:nvSpPr>
-        <p:spPr/>
-        <p:txBody>
-          <a:bodyPr/>
-          <a:lstStyle/>
-          <a:p>
-            <a:endParaRPr lang="en-US"/>
-          </a:p>
-        </p:txBody>
-      </p:sp>
-      <p:sp>
-        <p:nvSpPr>
-          <p:cNvPr id="3" name="Content Placeholder 2"/>
-          <p:cNvSpPr>
-            <a:spLocks noGrp="1"/>
-          </p:cNvSpPr>
-          <p:nvPr>
-            <p:ph idx="1"/>
-          </p:nvPr>
-        </p:nvSpPr>
-        <p:spPr/>
-        <p:txBody>
-          <a:bodyPr/>
-          <a:lstStyle/>
-          <a:p>
-            <a:endParaRPr lang="en-US"/>
-          </a:p>
-        </p:txBody>
-      </p:sp>
     </p:spTree>
     <p:extLst>
       <p:ext uri="{BB962C8B-B14F-4D97-AF65-F5344CB8AC3E}">
@@ -5440,6 +5179,25 @@
   <p:clrMapOvr>
     <a:masterClrMapping/>
   </p:clrMapOvr>
+  <mc:AlternateContent xmlns:mc="http://schemas.openxmlformats.org/markup-compatibility/2006">
+    <mc:Choice xmlns:p14="http://schemas.microsoft.com/office/powerpoint/2010/main" Requires="p14">
+      <p:transition spd="slow" p14:dur="1600">
+        <p14:prism isInverted="1"/>
+      </p:transition>
+    </mc:Choice>
+    <mc:Fallback>
+      <p:transition spd="slow">
+        <p:fade/>
+      </p:transition>
+    </mc:Fallback>
+  </mc:AlternateContent>
+  <p:timing>
+    <p:tnLst>
+      <p:par>
+        <p:cTn id="1" dur="indefinite" restart="never" nodeType="tmRoot"/>
+      </p:par>
+    </p:tnLst>
+  </p:timing>
 </p:sld>
 </file>
 
@@ -5465,7 +5223,7 @@
           <p:cNvPr id="4" name="Content Placeholder 3">
             <a:extLst>
               <a:ext uri="{FF2B5EF4-FFF2-40B4-BE49-F238E27FC236}">
-                <a16:creationId xmlns:a16="http://schemas.microsoft.com/office/drawing/2014/main" id="{E7BD6B4D-B7D1-49E9-A651-BC7F5BD10D4C}"/>
+                <a16:creationId xmlns:a16="http://schemas.microsoft.com/office/drawing/2014/main" xmlns="" id="{E7BD6B4D-B7D1-49E9-A651-BC7F5BD10D4C}"/>
               </a:ext>
             </a:extLst>
           </p:cNvPr>
@@ -5502,6 +5260,25 @@
   <p:clrMapOvr>
     <a:masterClrMapping/>
   </p:clrMapOvr>
+  <mc:AlternateContent xmlns:mc="http://schemas.openxmlformats.org/markup-compatibility/2006">
+    <mc:Choice xmlns:p14="http://schemas.microsoft.com/office/powerpoint/2010/main" Requires="p14">
+      <p:transition spd="slow" p14:dur="1400">
+        <p14:doors dir="vert"/>
+      </p:transition>
+    </mc:Choice>
+    <mc:Fallback>
+      <p:transition spd="slow">
+        <p:fade/>
+      </p:transition>
+    </mc:Fallback>
+  </mc:AlternateContent>
+  <p:timing>
+    <p:tnLst>
+      <p:par>
+        <p:cTn id="1" dur="indefinite" restart="never" nodeType="tmRoot"/>
+      </p:par>
+    </p:tnLst>
+  </p:timing>
 </p:sld>
 </file>
 
@@ -5598,6 +5375,25 @@
   <p:clrMapOvr>
     <a:masterClrMapping/>
   </p:clrMapOvr>
+  <mc:AlternateContent xmlns:mc="http://schemas.openxmlformats.org/markup-compatibility/2006">
+    <mc:Choice xmlns:p14="http://schemas.microsoft.com/office/powerpoint/2010/main" Requires="p14">
+      <p:transition spd="slow" p14:dur="3400">
+        <p14:reveal/>
+      </p:transition>
+    </mc:Choice>
+    <mc:Fallback>
+      <p:transition spd="slow">
+        <p:fade/>
+      </p:transition>
+    </mc:Fallback>
+  </mc:AlternateContent>
+  <p:timing>
+    <p:tnLst>
+      <p:par>
+        <p:cTn id="1" dur="indefinite" restart="never" nodeType="tmRoot"/>
+      </p:par>
+    </p:tnLst>
+  </p:timing>
 </p:sld>
 </file>
 
@@ -5657,6 +5453,25 @@
   <p:clrMapOvr>
     <a:masterClrMapping/>
   </p:clrMapOvr>
+  <mc:AlternateContent xmlns:mc="http://schemas.openxmlformats.org/markup-compatibility/2006">
+    <mc:Choice xmlns:p15="http://schemas.microsoft.com/office/powerpoint/2012/main" Requires="p15">
+      <p:transition xmlns:p14="http://schemas.microsoft.com/office/powerpoint/2010/main" spd="slow" p14:dur="2000">
+        <p15:prstTrans prst="fallOver"/>
+      </p:transition>
+    </mc:Choice>
+    <mc:Fallback>
+      <p:transition spd="slow">
+        <p:fade/>
+      </p:transition>
+    </mc:Fallback>
+  </mc:AlternateContent>
+  <p:timing>
+    <p:tnLst>
+      <p:par>
+        <p:cTn id="1" dur="indefinite" restart="never" nodeType="tmRoot"/>
+      </p:par>
+    </p:tnLst>
+  </p:timing>
 </p:sld>
 </file>
 
@@ -5716,6 +5531,16 @@
   <p:clrMapOvr>
     <a:masterClrMapping/>
   </p:clrMapOvr>
+  <p:transition spd="med">
+    <p:pull/>
+  </p:transition>
+  <p:timing>
+    <p:tnLst>
+      <p:par>
+        <p:cTn id="1" dur="indefinite" restart="never" nodeType="tmRoot"/>
+      </p:par>
+    </p:tnLst>
+  </p:timing>
 </p:sld>
 </file>
 
@@ -5775,6 +5600,25 @@
   <p:clrMapOvr>
     <a:masterClrMapping/>
   </p:clrMapOvr>
+  <mc:AlternateContent xmlns:mc="http://schemas.openxmlformats.org/markup-compatibility/2006">
+    <mc:Choice xmlns:p14="http://schemas.microsoft.com/office/powerpoint/2010/main" Requires="p14">
+      <p:transition spd="slow" p14:dur="1500">
+        <p:split orient="vert"/>
+      </p:transition>
+    </mc:Choice>
+    <mc:Fallback>
+      <p:transition spd="slow">
+        <p:split orient="vert"/>
+      </p:transition>
+    </mc:Fallback>
+  </mc:AlternateContent>
+  <p:timing>
+    <p:tnLst>
+      <p:par>
+        <p:cTn id="1" dur="indefinite" restart="never" nodeType="tmRoot"/>
+      </p:par>
+    </p:tnLst>
+  </p:timing>
 </p:sld>
 </file>
 
@@ -5853,6 +5697,25 @@
   <p:clrMapOvr>
     <a:masterClrMapping/>
   </p:clrMapOvr>
+  <mc:AlternateContent xmlns:mc="http://schemas.openxmlformats.org/markup-compatibility/2006">
+    <mc:Choice xmlns:p15="http://schemas.microsoft.com/office/powerpoint/2012/main" Requires="p15">
+      <p:transition xmlns:p14="http://schemas.microsoft.com/office/powerpoint/2010/main" spd="slow" p14:dur="6000">
+        <p15:prstTrans prst="curtains"/>
+      </p:transition>
+    </mc:Choice>
+    <mc:Fallback>
+      <p:transition spd="slow">
+        <p:fade/>
+      </p:transition>
+    </mc:Fallback>
+  </mc:AlternateContent>
+  <p:timing>
+    <p:tnLst>
+      <p:par>
+        <p:cTn id="1" dur="indefinite" restart="never" nodeType="tmRoot"/>
+      </p:par>
+    </p:tnLst>
+  </p:timing>
 </p:sld>
 </file>
 
@@ -5931,6 +5794,16 @@
   <p:clrMapOvr>
     <a:masterClrMapping/>
   </p:clrMapOvr>
+  <p:transition spd="slow">
+    <p:randomBar dir="vert"/>
+  </p:transition>
+  <p:timing>
+    <p:tnLst>
+      <p:par>
+        <p:cTn id="1" dur="indefinite" restart="never" nodeType="tmRoot"/>
+      </p:par>
+    </p:tnLst>
+  </p:timing>
 </p:sld>
 </file>
 

--- a/The Effect Of Various Census Demographics On Graduation.pptx
+++ b/The Effect Of Various Census Demographics On Graduation.pptx
@@ -41,6 +41,7 @@
     <p:sldId id="284" r:id="rId35"/>
     <p:sldId id="285" r:id="rId36"/>
     <p:sldId id="292" r:id="rId37"/>
+    <p:sldId id="293" r:id="rId38"/>
   </p:sldIdLst>
   <p:sldSz cx="12192000" cy="6858000"/>
   <p:notesSz cx="6858000" cy="9144000"/>
@@ -276,7 +277,7 @@
           <a:p>
             <a:fld id="{A25706F6-EBDA-48F7-BDB6-C5156C5F5F85}" type="datetimeFigureOut">
               <a:rPr lang="en-US" smtClean="0"/>
-              <a:t>11/9/2018</a:t>
+              <a:t>11/10/2018</a:t>
             </a:fld>
             <a:endParaRPr lang="en-US"/>
           </a:p>
@@ -444,7 +445,7 @@
           <a:p>
             <a:fld id="{A25706F6-EBDA-48F7-BDB6-C5156C5F5F85}" type="datetimeFigureOut">
               <a:rPr lang="en-US" smtClean="0"/>
-              <a:t>11/9/2018</a:t>
+              <a:t>11/10/2018</a:t>
             </a:fld>
             <a:endParaRPr lang="en-US"/>
           </a:p>
@@ -622,7 +623,7 @@
           <a:p>
             <a:fld id="{A25706F6-EBDA-48F7-BDB6-C5156C5F5F85}" type="datetimeFigureOut">
               <a:rPr lang="en-US" smtClean="0"/>
-              <a:t>11/9/2018</a:t>
+              <a:t>11/10/2018</a:t>
             </a:fld>
             <a:endParaRPr lang="en-US"/>
           </a:p>
@@ -790,7 +791,7 @@
           <a:p>
             <a:fld id="{A25706F6-EBDA-48F7-BDB6-C5156C5F5F85}" type="datetimeFigureOut">
               <a:rPr lang="en-US" smtClean="0"/>
-              <a:t>11/9/2018</a:t>
+              <a:t>11/10/2018</a:t>
             </a:fld>
             <a:endParaRPr lang="en-US"/>
           </a:p>
@@ -1035,7 +1036,7 @@
           <a:p>
             <a:fld id="{A25706F6-EBDA-48F7-BDB6-C5156C5F5F85}" type="datetimeFigureOut">
               <a:rPr lang="en-US" smtClean="0"/>
-              <a:t>11/9/2018</a:t>
+              <a:t>11/10/2018</a:t>
             </a:fld>
             <a:endParaRPr lang="en-US"/>
           </a:p>
@@ -1264,7 +1265,7 @@
           <a:p>
             <a:fld id="{A25706F6-EBDA-48F7-BDB6-C5156C5F5F85}" type="datetimeFigureOut">
               <a:rPr lang="en-US" smtClean="0"/>
-              <a:t>11/9/2018</a:t>
+              <a:t>11/10/2018</a:t>
             </a:fld>
             <a:endParaRPr lang="en-US"/>
           </a:p>
@@ -1628,7 +1629,7 @@
           <a:p>
             <a:fld id="{A25706F6-EBDA-48F7-BDB6-C5156C5F5F85}" type="datetimeFigureOut">
               <a:rPr lang="en-US" smtClean="0"/>
-              <a:t>11/9/2018</a:t>
+              <a:t>11/10/2018</a:t>
             </a:fld>
             <a:endParaRPr lang="en-US"/>
           </a:p>
@@ -1745,7 +1746,7 @@
           <a:p>
             <a:fld id="{A25706F6-EBDA-48F7-BDB6-C5156C5F5F85}" type="datetimeFigureOut">
               <a:rPr lang="en-US" smtClean="0"/>
-              <a:t>11/9/2018</a:t>
+              <a:t>11/10/2018</a:t>
             </a:fld>
             <a:endParaRPr lang="en-US"/>
           </a:p>
@@ -1840,7 +1841,7 @@
           <a:p>
             <a:fld id="{A25706F6-EBDA-48F7-BDB6-C5156C5F5F85}" type="datetimeFigureOut">
               <a:rPr lang="en-US" smtClean="0"/>
-              <a:t>11/9/2018</a:t>
+              <a:t>11/10/2018</a:t>
             </a:fld>
             <a:endParaRPr lang="en-US"/>
           </a:p>
@@ -2115,7 +2116,7 @@
           <a:p>
             <a:fld id="{A25706F6-EBDA-48F7-BDB6-C5156C5F5F85}" type="datetimeFigureOut">
               <a:rPr lang="en-US" smtClean="0"/>
-              <a:t>11/9/2018</a:t>
+              <a:t>11/10/2018</a:t>
             </a:fld>
             <a:endParaRPr lang="en-US"/>
           </a:p>
@@ -2367,7 +2368,7 @@
           <a:p>
             <a:fld id="{A25706F6-EBDA-48F7-BDB6-C5156C5F5F85}" type="datetimeFigureOut">
               <a:rPr lang="en-US" smtClean="0"/>
-              <a:t>11/9/2018</a:t>
+              <a:t>11/10/2018</a:t>
             </a:fld>
             <a:endParaRPr lang="en-US"/>
           </a:p>
@@ -2578,7 +2579,7 @@
           <a:p>
             <a:fld id="{A25706F6-EBDA-48F7-BDB6-C5156C5F5F85}" type="datetimeFigureOut">
               <a:rPr lang="en-US" smtClean="0"/>
-              <a:t>11/9/2018</a:t>
+              <a:t>11/10/2018</a:t>
             </a:fld>
             <a:endParaRPr lang="en-US"/>
           </a:p>
@@ -3300,13 +3301,13 @@
   <p:clrMapOvr>
     <a:masterClrMapping/>
   </p:clrMapOvr>
-  <mc:AlternateContent xmlns:mc="http://schemas.openxmlformats.org/markup-compatibility/2006">
-    <mc:Choice xmlns:p14="http://schemas.microsoft.com/office/powerpoint/2010/main" Requires="p14">
+  <mc:AlternateContent xmlns:mc="http://schemas.openxmlformats.org/markup-compatibility/2006" xmlns:p14="http://schemas.microsoft.com/office/powerpoint/2010/main">
+    <mc:Choice Requires="p14">
       <p:transition spd="slow" p14:dur="1500">
         <p:split orient="vert"/>
       </p:transition>
     </mc:Choice>
-    <mc:Fallback>
+    <mc:Fallback xmlns="">
       <p:transition spd="slow">
         <p:split orient="vert"/>
       </p:transition>
@@ -3378,7 +3379,23 @@
           <a:p>
             <a:r>
               <a:rPr lang="en-US" dirty="0"/>
-              <a:t>Graduation rates, Household size and Unemployment rate  are very similar </a:t>
+              <a:t>Graduation rates, Household </a:t>
+            </a:r>
+            <a:r>
+              <a:rPr lang="en-US" dirty="0" smtClean="0"/>
+              <a:t>size, </a:t>
+            </a:r>
+            <a:r>
+              <a:rPr lang="en-US" dirty="0"/>
+              <a:t>and Unemployment </a:t>
+            </a:r>
+            <a:r>
+              <a:rPr lang="en-US" dirty="0" smtClean="0"/>
+              <a:t>rates </a:t>
+            </a:r>
+            <a:r>
+              <a:rPr lang="en-US" dirty="0"/>
+              <a:t>are very similar </a:t>
             </a:r>
           </a:p>
           <a:p>
@@ -3390,7 +3407,23 @@
           <a:p>
             <a:r>
               <a:rPr lang="en-US" dirty="0"/>
-              <a:t>Median income rate is higher New Jersey</a:t>
+              <a:t>Median income </a:t>
+            </a:r>
+            <a:r>
+              <a:rPr lang="en-US" dirty="0" smtClean="0"/>
+              <a:t>is </a:t>
+            </a:r>
+            <a:r>
+              <a:rPr lang="en-US" dirty="0"/>
+              <a:t>higher </a:t>
+            </a:r>
+            <a:r>
+              <a:rPr lang="en-US" dirty="0" smtClean="0"/>
+              <a:t>in New </a:t>
+            </a:r>
+            <a:r>
+              <a:rPr lang="en-US" dirty="0"/>
+              <a:t>Jersey</a:t>
             </a:r>
           </a:p>
           <a:p>
@@ -3401,12 +3434,56 @@
           </a:p>
           <a:p>
             <a:r>
+              <a:rPr lang="en-US" dirty="0" smtClean="0"/>
+              <a:t>New </a:t>
+            </a:r>
+            <a:r>
               <a:rPr lang="en-US" dirty="0"/>
-              <a:t> New Jersey has a higher median and a better over all graduation rate.</a:t>
+              <a:t>Jersey has a higher median and a better over all graduation rate.</a:t>
             </a:r>
           </a:p>
           <a:p>
             <a:endParaRPr lang="en-US" dirty="0"/>
+          </a:p>
+        </p:txBody>
+      </p:sp>
+      <p:sp>
+        <p:nvSpPr>
+          <p:cNvPr id="4" name="Oval 3"/>
+          <p:cNvSpPr/>
+          <p:nvPr/>
+        </p:nvSpPr>
+        <p:spPr>
+          <a:xfrm>
+            <a:off x="10663311" y="5795889"/>
+            <a:ext cx="998806" cy="815926"/>
+          </a:xfrm>
+          <a:prstGeom prst="ellipse">
+            <a:avLst/>
+          </a:prstGeom>
+        </p:spPr>
+        <p:style>
+          <a:lnRef idx="2">
+            <a:schemeClr val="accent1">
+              <a:shade val="50000"/>
+            </a:schemeClr>
+          </a:lnRef>
+          <a:fillRef idx="1">
+            <a:schemeClr val="accent1"/>
+          </a:fillRef>
+          <a:effectRef idx="0">
+            <a:schemeClr val="accent1"/>
+          </a:effectRef>
+          <a:fontRef idx="minor">
+            <a:schemeClr val="lt1"/>
+          </a:fontRef>
+        </p:style>
+        <p:txBody>
+          <a:bodyPr rtlCol="0" anchor="ctr"/>
+          <a:lstStyle/>
+          <a:p>
+            <a:pPr algn="ctr"/>
+            <a:endParaRPr lang="en-US"/>
           </a:p>
         </p:txBody>
       </p:sp>
@@ -3420,13 +3497,13 @@
   <p:clrMapOvr>
     <a:masterClrMapping/>
   </p:clrMapOvr>
-  <mc:AlternateContent xmlns:mc="http://schemas.openxmlformats.org/markup-compatibility/2006">
-    <mc:Choice xmlns:p15="http://schemas.microsoft.com/office/powerpoint/2012/main" Requires="p15">
+  <mc:AlternateContent xmlns:mc="http://schemas.openxmlformats.org/markup-compatibility/2006" xmlns:p15="http://schemas.microsoft.com/office/powerpoint/2012/main">
+    <mc:Choice Requires="p15">
       <p:transition xmlns:p14="http://schemas.microsoft.com/office/powerpoint/2010/main" spd="slow" p14:dur="2000">
         <p15:prstTrans prst="drape"/>
       </p:transition>
     </mc:Choice>
-    <mc:Fallback>
+    <mc:Fallback xmlns="">
       <p:transition spd="slow">
         <p:fade/>
       </p:transition>
@@ -3464,7 +3541,7 @@
           <p:cNvPr id="4" name="Content Placeholder 3">
             <a:extLst>
               <a:ext uri="{FF2B5EF4-FFF2-40B4-BE49-F238E27FC236}">
-                <a16:creationId xmlns:a16="http://schemas.microsoft.com/office/drawing/2014/main" xmlns="" id="{3724252B-5671-4202-AF83-9D757765C075}"/>
+                <a16:creationId xmlns:a16="http://schemas.microsoft.com/office/drawing/2014/main" id="{3724252B-5671-4202-AF83-9D757765C075}"/>
               </a:ext>
             </a:extLst>
           </p:cNvPr>
@@ -3501,13 +3578,13 @@
   <p:clrMapOvr>
     <a:masterClrMapping/>
   </p:clrMapOvr>
-  <mc:AlternateContent xmlns:mc="http://schemas.openxmlformats.org/markup-compatibility/2006">
-    <mc:Choice xmlns:p15="http://schemas.microsoft.com/office/powerpoint/2012/main" Requires="p15">
+  <mc:AlternateContent xmlns:mc="http://schemas.openxmlformats.org/markup-compatibility/2006" xmlns:p15="http://schemas.microsoft.com/office/powerpoint/2012/main">
+    <mc:Choice Requires="p15">
       <p:transition xmlns:p14="http://schemas.microsoft.com/office/powerpoint/2010/main" spd="slow" p14:dur="1250">
         <p15:prstTrans prst="peelOff"/>
       </p:transition>
     </mc:Choice>
-    <mc:Fallback>
+    <mc:Fallback xmlns="">
       <p:transition spd="slow">
         <p:fade/>
       </p:transition>
@@ -3556,8 +3633,12 @@
           <a:lstStyle/>
           <a:p>
             <a:r>
+              <a:rPr lang="en-US" dirty="0" smtClean="0"/>
+              <a:t>Graphs and Plots </a:t>
+            </a:r>
+            <a:r>
               <a:rPr lang="en-US" dirty="0"/>
-              <a:t>Correlation by County </a:t>
+              <a:t>by County </a:t>
             </a:r>
           </a:p>
         </p:txBody>
@@ -3633,13 +3714,13 @@
   <p:clrMapOvr>
     <a:masterClrMapping/>
   </p:clrMapOvr>
-  <mc:AlternateContent xmlns:mc="http://schemas.openxmlformats.org/markup-compatibility/2006">
-    <mc:Choice xmlns:p15="http://schemas.microsoft.com/office/powerpoint/2012/main" Requires="p15">
+  <mc:AlternateContent xmlns:mc="http://schemas.openxmlformats.org/markup-compatibility/2006" xmlns:p15="http://schemas.microsoft.com/office/powerpoint/2012/main">
+    <mc:Choice Requires="p15">
       <p:transition xmlns:p14="http://schemas.microsoft.com/office/powerpoint/2010/main" spd="slow" p14:dur="1250">
         <p15:prstTrans prst="airplane"/>
       </p:transition>
     </mc:Choice>
-    <mc:Fallback>
+    <mc:Fallback xmlns="">
       <p:transition spd="slow">
         <p:fade/>
       </p:transition>
@@ -3711,13 +3792,13 @@
   <p:clrMapOvr>
     <a:masterClrMapping/>
   </p:clrMapOvr>
-  <mc:AlternateContent xmlns:mc="http://schemas.openxmlformats.org/markup-compatibility/2006">
-    <mc:Choice xmlns:p15="http://schemas.microsoft.com/office/powerpoint/2012/main" Requires="p15">
+  <mc:AlternateContent xmlns:mc="http://schemas.openxmlformats.org/markup-compatibility/2006" xmlns:p15="http://schemas.microsoft.com/office/powerpoint/2012/main">
+    <mc:Choice Requires="p15">
       <p:transition xmlns:p14="http://schemas.microsoft.com/office/powerpoint/2010/main" spd="slow" p14:dur="3250">
         <p15:prstTrans prst="origami"/>
       </p:transition>
     </mc:Choice>
-    <mc:Fallback>
+    <mc:Fallback xmlns="">
       <p:transition spd="slow">
         <p:fade/>
       </p:transition>
@@ -3812,13 +3893,13 @@
   <p:clrMapOvr>
     <a:masterClrMapping/>
   </p:clrMapOvr>
-  <mc:AlternateContent xmlns:mc="http://schemas.openxmlformats.org/markup-compatibility/2006">
-    <mc:Choice xmlns:p15="http://schemas.microsoft.com/office/powerpoint/2012/main" Requires="p15">
+  <mc:AlternateContent xmlns:mc="http://schemas.openxmlformats.org/markup-compatibility/2006" xmlns:p15="http://schemas.microsoft.com/office/powerpoint/2012/main">
+    <mc:Choice Requires="p15">
       <p:transition xmlns:p14="http://schemas.microsoft.com/office/powerpoint/2010/main" spd="slow" p14:dur="2000">
         <p15:prstTrans prst="wind"/>
       </p:transition>
     </mc:Choice>
-    <mc:Fallback>
+    <mc:Fallback xmlns="">
       <p:transition spd="slow">
         <p:fade/>
       </p:transition>
@@ -3875,13 +3956,13 @@
   <p:clrMapOvr>
     <a:masterClrMapping/>
   </p:clrMapOvr>
-  <mc:AlternateContent xmlns:mc="http://schemas.openxmlformats.org/markup-compatibility/2006">
-    <mc:Choice xmlns:p14="http://schemas.microsoft.com/office/powerpoint/2010/main" Requires="p14">
+  <mc:AlternateContent xmlns:mc="http://schemas.openxmlformats.org/markup-compatibility/2006" xmlns:p14="http://schemas.microsoft.com/office/powerpoint/2010/main">
+    <mc:Choice Requires="p14">
       <p:transition spd="med" p14:dur="700">
         <p:fade/>
       </p:transition>
     </mc:Choice>
-    <mc:Fallback>
+    <mc:Fallback xmlns="">
       <p:transition spd="med">
         <p:fade/>
       </p:transition>
@@ -3938,13 +4019,13 @@
   <p:clrMapOvr>
     <a:masterClrMapping/>
   </p:clrMapOvr>
-  <mc:AlternateContent xmlns:mc="http://schemas.openxmlformats.org/markup-compatibility/2006">
-    <mc:Choice xmlns:p15="http://schemas.microsoft.com/office/powerpoint/2012/main" Requires="p15">
+  <mc:AlternateContent xmlns:mc="http://schemas.openxmlformats.org/markup-compatibility/2006" xmlns:p15="http://schemas.microsoft.com/office/powerpoint/2012/main">
+    <mc:Choice Requires="p15">
       <p:transition xmlns:p14="http://schemas.microsoft.com/office/powerpoint/2010/main" spd="slow" p14:dur="2000">
         <p15:prstTrans prst="fallOver"/>
       </p:transition>
     </mc:Choice>
-    <mc:Fallback>
+    <mc:Fallback xmlns="">
       <p:transition spd="slow">
         <p:fade/>
       </p:transition>
@@ -4001,13 +4082,13 @@
   <p:clrMapOvr>
     <a:masterClrMapping/>
   </p:clrMapOvr>
-  <mc:AlternateContent xmlns:mc="http://schemas.openxmlformats.org/markup-compatibility/2006">
-    <mc:Choice xmlns:p14="http://schemas.microsoft.com/office/powerpoint/2010/main" Requires="p14">
+  <mc:AlternateContent xmlns:mc="http://schemas.openxmlformats.org/markup-compatibility/2006" xmlns:p14="http://schemas.microsoft.com/office/powerpoint/2010/main">
+    <mc:Choice Requires="p14">
       <p:transition spd="slow" p14:dur="1500">
         <p:split orient="vert"/>
       </p:transition>
     </mc:Choice>
-    <mc:Fallback>
+    <mc:Fallback xmlns="">
       <p:transition spd="slow">
         <p:split orient="vert"/>
       </p:transition>
@@ -4343,13 +4424,13 @@
   <p:clrMapOvr>
     <a:masterClrMapping/>
   </p:clrMapOvr>
-  <mc:AlternateContent xmlns:mc="http://schemas.openxmlformats.org/markup-compatibility/2006">
-    <mc:Choice xmlns:p15="http://schemas.microsoft.com/office/powerpoint/2012/main" Requires="p15">
+  <mc:AlternateContent xmlns:mc="http://schemas.openxmlformats.org/markup-compatibility/2006" xmlns:p15="http://schemas.microsoft.com/office/powerpoint/2012/main">
+    <mc:Choice Requires="p15">
       <p:transition xmlns:p14="http://schemas.microsoft.com/office/powerpoint/2010/main" spd="slow" p14:dur="2000">
         <p15:prstTrans prst="fracture"/>
       </p:transition>
     </mc:Choice>
-    <mc:Fallback>
+    <mc:Fallback xmlns="">
       <p:transition spd="slow">
         <p:fade/>
       </p:transition>
@@ -4396,6 +4477,46 @@
           <a:chExt cx="0" cy="0"/>
         </a:xfrm>
       </p:grpSpPr>
+      <p:sp>
+        <p:nvSpPr>
+          <p:cNvPr id="2" name="Oval 1"/>
+          <p:cNvSpPr/>
+          <p:nvPr/>
+        </p:nvSpPr>
+        <p:spPr>
+          <a:xfrm>
+            <a:off x="10663311" y="5795889"/>
+            <a:ext cx="998806" cy="815926"/>
+          </a:xfrm>
+          <a:prstGeom prst="ellipse">
+            <a:avLst/>
+          </a:prstGeom>
+        </p:spPr>
+        <p:style>
+          <a:lnRef idx="2">
+            <a:schemeClr val="accent1">
+              <a:shade val="50000"/>
+            </a:schemeClr>
+          </a:lnRef>
+          <a:fillRef idx="1">
+            <a:schemeClr val="accent1"/>
+          </a:fillRef>
+          <a:effectRef idx="0">
+            <a:schemeClr val="accent1"/>
+          </a:effectRef>
+          <a:fontRef idx="minor">
+            <a:schemeClr val="lt1"/>
+          </a:fontRef>
+        </p:style>
+        <p:txBody>
+          <a:bodyPr rtlCol="0" anchor="ctr"/>
+          <a:lstStyle/>
+          <a:p>
+            <a:pPr algn="ctr"/>
+            <a:endParaRPr lang="en-US"/>
+          </a:p>
+        </p:txBody>
+      </p:sp>
     </p:spTree>
     <p:extLst>
       <p:ext uri="{BB962C8B-B14F-4D97-AF65-F5344CB8AC3E}">
@@ -4460,13 +4581,13 @@
   <p:clrMapOvr>
     <a:masterClrMapping/>
   </p:clrMapOvr>
-  <mc:AlternateContent xmlns:mc="http://schemas.openxmlformats.org/markup-compatibility/2006">
-    <mc:Choice xmlns:p14="http://schemas.microsoft.com/office/powerpoint/2010/main" Requires="p14">
+  <mc:AlternateContent xmlns:mc="http://schemas.openxmlformats.org/markup-compatibility/2006" xmlns:p14="http://schemas.microsoft.com/office/powerpoint/2010/main">
+    <mc:Choice Requires="p14">
       <p:transition spd="med" p14:dur="700">
         <p:fade/>
       </p:transition>
     </mc:Choice>
-    <mc:Fallback>
+    <mc:Fallback xmlns="">
       <p:transition spd="med">
         <p:fade/>
       </p:transition>
@@ -4523,13 +4644,13 @@
   <p:clrMapOvr>
     <a:masterClrMapping/>
   </p:clrMapOvr>
-  <mc:AlternateContent xmlns:mc="http://schemas.openxmlformats.org/markup-compatibility/2006">
-    <mc:Choice xmlns:p15="http://schemas.microsoft.com/office/powerpoint/2012/main" Requires="p15">
+  <mc:AlternateContent xmlns:mc="http://schemas.openxmlformats.org/markup-compatibility/2006" xmlns:p15="http://schemas.microsoft.com/office/powerpoint/2012/main">
+    <mc:Choice Requires="p15">
       <p:transition xmlns:p14="http://schemas.microsoft.com/office/powerpoint/2010/main" spd="slow" p14:dur="2000">
         <p15:prstTrans prst="drape"/>
       </p:transition>
     </mc:Choice>
-    <mc:Fallback>
+    <mc:Fallback xmlns="">
       <p:transition spd="slow">
         <p:fade/>
       </p:transition>
@@ -4586,13 +4707,13 @@
   <p:clrMapOvr>
     <a:masterClrMapping/>
   </p:clrMapOvr>
-  <mc:AlternateContent xmlns:mc="http://schemas.openxmlformats.org/markup-compatibility/2006">
-    <mc:Choice xmlns:p15="http://schemas.microsoft.com/office/powerpoint/2012/main" Requires="p15">
+  <mc:AlternateContent xmlns:mc="http://schemas.openxmlformats.org/markup-compatibility/2006" xmlns:p15="http://schemas.microsoft.com/office/powerpoint/2012/main">
+    <mc:Choice Requires="p15">
       <p:transition xmlns:p14="http://schemas.microsoft.com/office/powerpoint/2010/main" spd="slow" p14:dur="1250">
         <p15:prstTrans prst="peelOff"/>
       </p:transition>
     </mc:Choice>
-    <mc:Fallback>
+    <mc:Fallback xmlns="">
       <p:transition spd="slow">
         <p:fade/>
       </p:transition>
@@ -4649,13 +4770,13 @@
   <p:clrMapOvr>
     <a:masterClrMapping/>
   </p:clrMapOvr>
-  <mc:AlternateContent xmlns:mc="http://schemas.openxmlformats.org/markup-compatibility/2006">
-    <mc:Choice xmlns:p14="http://schemas.microsoft.com/office/powerpoint/2010/main" Requires="p14">
+  <mc:AlternateContent xmlns:mc="http://schemas.openxmlformats.org/markup-compatibility/2006" xmlns:p14="http://schemas.microsoft.com/office/powerpoint/2010/main">
+    <mc:Choice Requires="p14">
       <p:transition spd="slow" p14:dur="1200">
         <p:dissolve/>
       </p:transition>
     </mc:Choice>
-    <mc:Fallback>
+    <mc:Fallback xmlns="">
       <p:transition spd="slow">
         <p:dissolve/>
       </p:transition>
@@ -4712,13 +4833,13 @@
   <p:clrMapOvr>
     <a:masterClrMapping/>
   </p:clrMapOvr>
-  <mc:AlternateContent xmlns:mc="http://schemas.openxmlformats.org/markup-compatibility/2006">
-    <mc:Choice xmlns:p14="http://schemas.microsoft.com/office/powerpoint/2010/main" Requires="p14">
+  <mc:AlternateContent xmlns:mc="http://schemas.openxmlformats.org/markup-compatibility/2006" xmlns:p14="http://schemas.microsoft.com/office/powerpoint/2010/main">
+    <mc:Choice Requires="p14">
       <p:transition spd="slow" p14:dur="4400">
         <p14:honeycomb/>
       </p:transition>
     </mc:Choice>
-    <mc:Fallback>
+    <mc:Fallback xmlns="">
       <p:transition spd="slow">
         <p:fade/>
       </p:transition>
@@ -4779,33 +4900,30 @@
           <a:p>
             <a:r>
               <a:rPr lang="en-US" dirty="0"/>
-              <a:t>Census API</a:t>
-            </a:r>
-          </a:p>
-          <a:p>
+              <a:t>American Community </a:t>
+            </a:r>
+            <a:r>
+              <a:rPr lang="en-US" dirty="0" smtClean="0"/>
+              <a:t>Survey - </a:t>
+            </a:r>
             <a:r>
               <a:rPr lang="en-US" dirty="0"/>
-              <a:t>Various NJDOE Data Sets available at: </a:t>
-            </a:r>
-            <a:r>
-              <a:rPr lang="en-US" dirty="0">
-                <a:hlinkClick r:id="rId2"/>
-              </a:rPr>
-              <a:t>https://www.state.nj.us/education/data/</a:t>
-            </a:r>
-            <a:endParaRPr lang="en-US" dirty="0"/>
-          </a:p>
-          <a:p>
-            <a:r>
-              <a:rPr lang="en-US" dirty="0">
-                <a:hlinkClick r:id="rId3"/>
-              </a:rPr>
-              <a:t>https://www.opendatanetwork.com/</a:t>
-            </a:r>
-            <a:endParaRPr lang="en-US" dirty="0"/>
-          </a:p>
-          <a:p>
-            <a:endParaRPr lang="en-US" dirty="0"/>
+              <a:t>U.S. Census Bureau’s American Community Survey Office</a:t>
+            </a:r>
+          </a:p>
+          <a:p>
+            <a:r>
+              <a:rPr lang="en-US" dirty="0" smtClean="0"/>
+              <a:t>Various State DOE </a:t>
+            </a:r>
+            <a:r>
+              <a:rPr lang="en-US" dirty="0"/>
+              <a:t>Data Sets </a:t>
+            </a:r>
+            <a:r>
+              <a:rPr lang="en-US" dirty="0" smtClean="0"/>
+              <a:t>available on their state websites.</a:t>
+            </a:r>
           </a:p>
         </p:txBody>
       </p:sp>
@@ -4819,13 +4937,13 @@
   <p:clrMapOvr>
     <a:masterClrMapping/>
   </p:clrMapOvr>
-  <mc:AlternateContent xmlns:mc="http://schemas.openxmlformats.org/markup-compatibility/2006">
-    <mc:Choice xmlns:p14="http://schemas.microsoft.com/office/powerpoint/2010/main" Requires="p14">
+  <mc:AlternateContent xmlns:mc="http://schemas.openxmlformats.org/markup-compatibility/2006" xmlns:p14="http://schemas.microsoft.com/office/powerpoint/2010/main">
+    <mc:Choice Requires="p14">
       <p:transition spd="slow" p14:dur="1500">
         <p:split orient="vert"/>
       </p:transition>
     </mc:Choice>
-    <mc:Fallback>
+    <mc:Fallback xmlns="">
       <p:transition spd="slow">
         <p:split orient="vert"/>
       </p:transition>
@@ -4990,13 +5108,13 @@
   <p:clrMapOvr>
     <a:masterClrMapping/>
   </p:clrMapOvr>
-  <mc:AlternateContent xmlns:mc="http://schemas.openxmlformats.org/markup-compatibility/2006">
-    <mc:Choice xmlns:p14="http://schemas.microsoft.com/office/powerpoint/2010/main" Requires="p14">
+  <mc:AlternateContent xmlns:mc="http://schemas.openxmlformats.org/markup-compatibility/2006" xmlns:p14="http://schemas.microsoft.com/office/powerpoint/2010/main">
+    <mc:Choice Requires="p14">
       <p:transition spd="slow" p14:dur="2500">
         <p:checker/>
       </p:transition>
     </mc:Choice>
-    <mc:Fallback>
+    <mc:Fallback xmlns="">
       <p:transition spd="slow">
         <p:checker/>
       </p:transition>
@@ -5053,13 +5171,13 @@
   <p:clrMapOvr>
     <a:masterClrMapping/>
   </p:clrMapOvr>
-  <mc:AlternateContent xmlns:mc="http://schemas.openxmlformats.org/markup-compatibility/2006">
-    <mc:Choice xmlns:p14="http://schemas.microsoft.com/office/powerpoint/2010/main" Requires="p14">
+  <mc:AlternateContent xmlns:mc="http://schemas.openxmlformats.org/markup-compatibility/2006" xmlns:p14="http://schemas.microsoft.com/office/powerpoint/2010/main">
+    <mc:Choice Requires="p14">
       <p:transition spd="slow" p14:dur="800">
         <p:circle/>
       </p:transition>
     </mc:Choice>
-    <mc:Fallback>
+    <mc:Fallback xmlns="">
       <p:transition spd="slow">
         <p:circle/>
       </p:transition>
@@ -5116,13 +5234,13 @@
   <p:clrMapOvr>
     <a:masterClrMapping/>
   </p:clrMapOvr>
-  <mc:AlternateContent xmlns:mc="http://schemas.openxmlformats.org/markup-compatibility/2006">
-    <mc:Choice xmlns:p14="http://schemas.microsoft.com/office/powerpoint/2010/main" Requires="p14">
+  <mc:AlternateContent xmlns:mc="http://schemas.openxmlformats.org/markup-compatibility/2006" xmlns:p14="http://schemas.microsoft.com/office/powerpoint/2010/main">
+    <mc:Choice Requires="p14">
       <p:transition spd="slow" p14:dur="800">
         <p14:flythrough/>
       </p:transition>
     </mc:Choice>
-    <mc:Fallback>
+    <mc:Fallback xmlns="">
       <p:transition spd="slow">
         <p:fade/>
       </p:transition>
@@ -5179,13 +5297,13 @@
   <p:clrMapOvr>
     <a:masterClrMapping/>
   </p:clrMapOvr>
-  <mc:AlternateContent xmlns:mc="http://schemas.openxmlformats.org/markup-compatibility/2006">
-    <mc:Choice xmlns:p14="http://schemas.microsoft.com/office/powerpoint/2010/main" Requires="p14">
+  <mc:AlternateContent xmlns:mc="http://schemas.openxmlformats.org/markup-compatibility/2006" xmlns:p14="http://schemas.microsoft.com/office/powerpoint/2010/main">
+    <mc:Choice Requires="p14">
       <p:transition spd="slow" p14:dur="1600">
         <p14:prism isInverted="1"/>
       </p:transition>
     </mc:Choice>
-    <mc:Fallback>
+    <mc:Fallback xmlns="">
       <p:transition spd="slow">
         <p:fade/>
       </p:transition>
@@ -5223,7 +5341,7 @@
           <p:cNvPr id="4" name="Content Placeholder 3">
             <a:extLst>
               <a:ext uri="{FF2B5EF4-FFF2-40B4-BE49-F238E27FC236}">
-                <a16:creationId xmlns:a16="http://schemas.microsoft.com/office/drawing/2014/main" xmlns="" id="{E7BD6B4D-B7D1-49E9-A651-BC7F5BD10D4C}"/>
+                <a16:creationId xmlns:a16="http://schemas.microsoft.com/office/drawing/2014/main" id="{E7BD6B4D-B7D1-49E9-A651-BC7F5BD10D4C}"/>
               </a:ext>
             </a:extLst>
           </p:cNvPr>
@@ -5260,18 +5378,104 @@
   <p:clrMapOvr>
     <a:masterClrMapping/>
   </p:clrMapOvr>
-  <mc:AlternateContent xmlns:mc="http://schemas.openxmlformats.org/markup-compatibility/2006">
-    <mc:Choice xmlns:p14="http://schemas.microsoft.com/office/powerpoint/2010/main" Requires="p14">
+  <mc:AlternateContent xmlns:mc="http://schemas.openxmlformats.org/markup-compatibility/2006" xmlns:p14="http://schemas.microsoft.com/office/powerpoint/2010/main">
+    <mc:Choice Requires="p14">
       <p:transition spd="slow" p14:dur="1400">
         <p14:doors dir="vert"/>
       </p:transition>
     </mc:Choice>
-    <mc:Fallback>
+    <mc:Fallback xmlns="">
       <p:transition spd="slow">
         <p:fade/>
       </p:transition>
     </mc:Fallback>
   </mc:AlternateContent>
+  <p:timing>
+    <p:tnLst>
+      <p:par>
+        <p:cTn id="1" dur="indefinite" restart="never" nodeType="tmRoot"/>
+      </p:par>
+    </p:tnLst>
+  </p:timing>
+</p:sld>
+</file>
+
+<file path=ppt/slides/slide37.xml><?xml version="1.0" encoding="utf-8"?>
+<p:sld xmlns:a="http://schemas.openxmlformats.org/drawingml/2006/main" xmlns:r="http://schemas.openxmlformats.org/officeDocument/2006/relationships" xmlns:p="http://schemas.openxmlformats.org/presentationml/2006/main">
+  <p:cSld>
+    <p:bg>
+      <p:bgPr>
+        <a:blipFill dpi="0" rotWithShape="1">
+          <a:blip r:embed="rId2">
+            <a:lum/>
+          </a:blip>
+          <a:srcRect/>
+          <a:stretch>
+            <a:fillRect/>
+          </a:stretch>
+        </a:blipFill>
+        <a:effectLst/>
+      </p:bgPr>
+    </p:bg>
+    <p:spTree>
+      <p:nvGrpSpPr>
+        <p:cNvPr id="1" name=""/>
+        <p:cNvGrpSpPr/>
+        <p:nvPr/>
+      </p:nvGrpSpPr>
+      <p:grpSpPr>
+        <a:xfrm>
+          <a:off x="0" y="0"/>
+          <a:ext cx="0" cy="0"/>
+          <a:chOff x="0" y="0"/>
+          <a:chExt cx="0" cy="0"/>
+        </a:xfrm>
+      </p:grpSpPr>
+      <p:sp>
+        <p:nvSpPr>
+          <p:cNvPr id="2" name="TextBox 1"/>
+          <p:cNvSpPr txBox="1"/>
+          <p:nvPr/>
+        </p:nvSpPr>
+        <p:spPr>
+          <a:xfrm>
+            <a:off x="3193961" y="5103674"/>
+            <a:ext cx="6177566" cy="1754326"/>
+          </a:xfrm>
+          <a:prstGeom prst="rect">
+            <a:avLst/>
+          </a:prstGeom>
+          <a:noFill/>
+        </p:spPr>
+        <p:txBody>
+          <a:bodyPr wrap="square" rtlCol="0">
+            <a:spAutoFit/>
+          </a:bodyPr>
+          <a:lstStyle/>
+          <a:p>
+            <a:r>
+              <a:rPr lang="en-US" dirty="0"/>
+              <a:t>Overall the poverty rate had the strongest correlation to graduation rates in the various counties we analyzed. This is followed by median income, then the unemployment rate, the language spoken, and household size. Household size had an exceptionally low correlation. </a:t>
+            </a:r>
+          </a:p>
+          <a:p>
+            <a:endParaRPr lang="en-US" dirty="0"/>
+          </a:p>
+        </p:txBody>
+      </p:sp>
+    </p:spTree>
+    <p:extLst>
+      <p:ext uri="{BB962C8B-B14F-4D97-AF65-F5344CB8AC3E}">
+        <p14:creationId xmlns:p14="http://schemas.microsoft.com/office/powerpoint/2010/main" val="1248522872"/>
+      </p:ext>
+    </p:extLst>
+  </p:cSld>
+  <p:clrMapOvr>
+    <a:masterClrMapping/>
+  </p:clrMapOvr>
+  <p:transition spd="med">
+    <p:pull/>
+  </p:transition>
   <p:timing>
     <p:tnLst>
       <p:par>
@@ -5309,59 +5513,92 @@
             <p:ph idx="1"/>
           </p:nvPr>
         </p:nvSpPr>
-        <p:spPr/>
+        <p:spPr>
+          <a:xfrm>
+            <a:off x="838200" y="745588"/>
+            <a:ext cx="10515600" cy="5431375"/>
+          </a:xfrm>
+        </p:spPr>
         <p:txBody>
           <a:bodyPr>
-            <a:normAutofit lnSpcReduction="10000"/>
+            <a:normAutofit/>
           </a:bodyPr>
           <a:lstStyle/>
           <a:p>
+            <a:pPr marL="0" indent="0">
+              <a:buNone/>
+            </a:pPr>
             <a:r>
               <a:rPr lang="en-US" dirty="0"/>
               <a:t>Our project begun with the three states where our data sample was collected. The following results were gathered.</a:t>
             </a:r>
           </a:p>
           <a:p>
-            <a:r>
-              <a:rPr lang="en-US" dirty="0"/>
-              <a:t>Graduation rate by State</a:t>
-            </a:r>
-          </a:p>
-          <a:p>
-            <a:r>
-              <a:rPr lang="en-US" dirty="0"/>
+            <a:pPr lvl="1"/>
+            <a:r>
+              <a:rPr lang="en-US" sz="2800" dirty="0"/>
+              <a:t>Graduation </a:t>
+            </a:r>
+            <a:r>
+              <a:rPr lang="en-US" sz="2800" dirty="0" smtClean="0"/>
+              <a:t>rates </a:t>
+            </a:r>
+            <a:r>
+              <a:rPr lang="en-US" sz="2800" dirty="0"/>
+              <a:t>by State</a:t>
+            </a:r>
+          </a:p>
+          <a:p>
+            <a:pPr lvl="1"/>
+            <a:r>
+              <a:rPr lang="en-US" sz="2800" dirty="0"/>
               <a:t>Poverty rate by State</a:t>
             </a:r>
           </a:p>
           <a:p>
-            <a:r>
-              <a:rPr lang="en-US" dirty="0"/>
+            <a:pPr lvl="1"/>
+            <a:r>
+              <a:rPr lang="en-US" sz="2800" dirty="0"/>
               <a:t>Household size by State </a:t>
             </a:r>
           </a:p>
           <a:p>
-            <a:r>
-              <a:rPr lang="en-US" dirty="0"/>
+            <a:pPr lvl="1"/>
+            <a:r>
+              <a:rPr lang="en-US" sz="2800" dirty="0"/>
               <a:t>Unemployment rate by State</a:t>
             </a:r>
           </a:p>
           <a:p>
-            <a:r>
-              <a:rPr lang="en-US" dirty="0"/>
+            <a:pPr lvl="1"/>
+            <a:r>
+              <a:rPr lang="en-US" sz="2800" dirty="0"/>
               <a:t>Median income rate by State</a:t>
             </a:r>
           </a:p>
           <a:p>
-            <a:r>
-              <a:rPr lang="en-US" dirty="0"/>
-              <a:t>Speak a language other than English by state</a:t>
-            </a:r>
-          </a:p>
-          <a:p>
-            <a:r>
-              <a:rPr lang="en-US" dirty="0"/>
-              <a:t>Compare Graduation rate by State </a:t>
-            </a:r>
+            <a:pPr lvl="1"/>
+            <a:r>
+              <a:rPr lang="en-US" sz="2800" dirty="0"/>
+              <a:t>Speak a language other than English by </a:t>
+            </a:r>
+            <a:r>
+              <a:rPr lang="en-US" sz="2800" dirty="0" smtClean="0"/>
+              <a:t>state</a:t>
+            </a:r>
+          </a:p>
+          <a:p>
+            <a:endParaRPr lang="en-US" dirty="0"/>
+          </a:p>
+          <a:p>
+            <a:pPr marL="0" indent="0">
+              <a:buNone/>
+            </a:pPr>
+            <a:r>
+              <a:rPr lang="en-US" dirty="0" smtClean="0"/>
+              <a:t>The Graduation rate data was sorted by County. We obtained different data sets from the Census for County level data. </a:t>
+            </a:r>
+            <a:endParaRPr lang="en-US" dirty="0"/>
           </a:p>
         </p:txBody>
       </p:sp>
@@ -5375,13 +5612,13 @@
   <p:clrMapOvr>
     <a:masterClrMapping/>
   </p:clrMapOvr>
-  <mc:AlternateContent xmlns:mc="http://schemas.openxmlformats.org/markup-compatibility/2006">
-    <mc:Choice xmlns:p14="http://schemas.microsoft.com/office/powerpoint/2010/main" Requires="p14">
+  <mc:AlternateContent xmlns:mc="http://schemas.openxmlformats.org/markup-compatibility/2006" xmlns:p14="http://schemas.microsoft.com/office/powerpoint/2010/main">
+    <mc:Choice Requires="p14">
       <p:transition spd="slow" p14:dur="3400">
         <p14:reveal/>
       </p:transition>
     </mc:Choice>
-    <mc:Fallback>
+    <mc:Fallback xmlns="">
       <p:transition spd="slow">
         <p:fade/>
       </p:transition>
@@ -5453,13 +5690,13 @@
   <p:clrMapOvr>
     <a:masterClrMapping/>
   </p:clrMapOvr>
-  <mc:AlternateContent xmlns:mc="http://schemas.openxmlformats.org/markup-compatibility/2006">
-    <mc:Choice xmlns:p15="http://schemas.microsoft.com/office/powerpoint/2012/main" Requires="p15">
+  <mc:AlternateContent xmlns:mc="http://schemas.openxmlformats.org/markup-compatibility/2006" xmlns:p15="http://schemas.microsoft.com/office/powerpoint/2012/main">
+    <mc:Choice Requires="p15">
       <p:transition xmlns:p14="http://schemas.microsoft.com/office/powerpoint/2010/main" spd="slow" p14:dur="2000">
         <p15:prstTrans prst="fallOver"/>
       </p:transition>
     </mc:Choice>
-    <mc:Fallback>
+    <mc:Fallback xmlns="">
       <p:transition spd="slow">
         <p:fade/>
       </p:transition>
@@ -5600,13 +5837,13 @@
   <p:clrMapOvr>
     <a:masterClrMapping/>
   </p:clrMapOvr>
-  <mc:AlternateContent xmlns:mc="http://schemas.openxmlformats.org/markup-compatibility/2006">
-    <mc:Choice xmlns:p14="http://schemas.microsoft.com/office/powerpoint/2010/main" Requires="p14">
+  <mc:AlternateContent xmlns:mc="http://schemas.openxmlformats.org/markup-compatibility/2006" xmlns:p14="http://schemas.microsoft.com/office/powerpoint/2010/main">
+    <mc:Choice Requires="p14">
       <p:transition spd="slow" p14:dur="1500">
         <p:split orient="vert"/>
       </p:transition>
     </mc:Choice>
-    <mc:Fallback>
+    <mc:Fallback xmlns="">
       <p:transition spd="slow">
         <p:split orient="vert"/>
       </p:transition>
@@ -5697,13 +5934,13 @@
   <p:clrMapOvr>
     <a:masterClrMapping/>
   </p:clrMapOvr>
-  <mc:AlternateContent xmlns:mc="http://schemas.openxmlformats.org/markup-compatibility/2006">
-    <mc:Choice xmlns:p15="http://schemas.microsoft.com/office/powerpoint/2012/main" Requires="p15">
+  <mc:AlternateContent xmlns:mc="http://schemas.openxmlformats.org/markup-compatibility/2006" xmlns:p15="http://schemas.microsoft.com/office/powerpoint/2012/main">
+    <mc:Choice Requires="p15">
       <p:transition xmlns:p14="http://schemas.microsoft.com/office/powerpoint/2010/main" spd="slow" p14:dur="6000">
         <p15:prstTrans prst="curtains"/>
       </p:transition>
     </mc:Choice>
-    <mc:Fallback>
+    <mc:Fallback xmlns="">
       <p:transition spd="slow">
         <p:fade/>
       </p:transition>
@@ -5722,6 +5959,20 @@
 <file path=ppt/slides/slide9.xml><?xml version="1.0" encoding="utf-8"?>
 <p:sld xmlns:a="http://schemas.openxmlformats.org/drawingml/2006/main" xmlns:r="http://schemas.openxmlformats.org/officeDocument/2006/relationships" xmlns:p="http://schemas.openxmlformats.org/presentationml/2006/main">
   <p:cSld>
+    <p:bg>
+      <p:bgPr>
+        <a:blipFill dpi="0" rotWithShape="1">
+          <a:blip r:embed="rId2">
+            <a:lum/>
+          </a:blip>
+          <a:srcRect/>
+          <a:stretch>
+            <a:fillRect/>
+          </a:stretch>
+        </a:blipFill>
+        <a:effectLst/>
+      </p:bgPr>
+    </p:bg>
     <p:spTree>
       <p:nvGrpSpPr>
         <p:cNvPr id="1" name=""/>
@@ -5736,54 +5987,6 @@
           <a:chExt cx="0" cy="0"/>
         </a:xfrm>
       </p:grpSpPr>
-      <p:sp>
-        <p:nvSpPr>
-          <p:cNvPr id="2" name="Title 1"/>
-          <p:cNvSpPr>
-            <a:spLocks noGrp="1"/>
-          </p:cNvSpPr>
-          <p:nvPr>
-            <p:ph type="title"/>
-          </p:nvPr>
-        </p:nvSpPr>
-        <p:spPr/>
-        <p:txBody>
-          <a:bodyPr/>
-          <a:lstStyle/>
-          <a:p>
-            <a:endParaRPr lang="en-US"/>
-          </a:p>
-        </p:txBody>
-      </p:sp>
-      <p:pic>
-        <p:nvPicPr>
-          <p:cNvPr id="4" name="Content Placeholder 3"/>
-          <p:cNvPicPr>
-            <a:picLocks noGrp="1" noChangeAspect="1"/>
-          </p:cNvPicPr>
-          <p:nvPr>
-            <p:ph idx="1"/>
-          </p:nvPr>
-        </p:nvPicPr>
-        <p:blipFill>
-          <a:blip r:embed="rId2">
-            <a:extLst>
-              <a:ext uri="{28A0092B-C50C-407E-A947-70E740481C1C}">
-                <a14:useLocalDpi xmlns:a14="http://schemas.microsoft.com/office/drawing/2010/main" val="0"/>
-              </a:ext>
-            </a:extLst>
-          </a:blip>
-          <a:stretch>
-            <a:fillRect/>
-          </a:stretch>
-        </p:blipFill>
-        <p:spPr>
-          <a:xfrm>
-            <a:off x="0" y="302455"/>
-            <a:ext cx="12167612" cy="6555545"/>
-          </a:xfrm>
-        </p:spPr>
-      </p:pic>
     </p:spTree>
     <p:extLst>
       <p:ext uri="{BB962C8B-B14F-4D97-AF65-F5344CB8AC3E}">

--- a/The Effect Of Various Census Demographics On Graduation.pptx
+++ b/The Effect Of Various Census Demographics On Graduation.pptx
@@ -4,6 +4,9 @@
   <p:sldMasterIdLst>
     <p:sldMasterId id="2147483648" r:id="rId1"/>
   </p:sldMasterIdLst>
+  <p:notesMasterIdLst>
+    <p:notesMasterId r:id="rId39"/>
+  </p:notesMasterIdLst>
   <p:sldIdLst>
     <p:sldId id="256" r:id="rId2"/>
     <p:sldId id="286" r:id="rId3"/>
@@ -146,6 +149,523 @@
     </p:ext>
   </p:extLst>
 </p:presentation>
+</file>
+
+<file path=ppt/notesMasters/notesMaster1.xml><?xml version="1.0" encoding="utf-8"?>
+<p:notesMaster xmlns:a="http://schemas.openxmlformats.org/drawingml/2006/main" xmlns:r="http://schemas.openxmlformats.org/officeDocument/2006/relationships" xmlns:p="http://schemas.openxmlformats.org/presentationml/2006/main">
+  <p:cSld>
+    <p:bg>
+      <p:bgRef idx="1001">
+        <a:schemeClr val="bg1"/>
+      </p:bgRef>
+    </p:bg>
+    <p:spTree>
+      <p:nvGrpSpPr>
+        <p:cNvPr id="1" name=""/>
+        <p:cNvGrpSpPr/>
+        <p:nvPr/>
+      </p:nvGrpSpPr>
+      <p:grpSpPr>
+        <a:xfrm>
+          <a:off x="0" y="0"/>
+          <a:ext cx="0" cy="0"/>
+          <a:chOff x="0" y="0"/>
+          <a:chExt cx="0" cy="0"/>
+        </a:xfrm>
+      </p:grpSpPr>
+      <p:sp>
+        <p:nvSpPr>
+          <p:cNvPr id="2" name="Header Placeholder 1"/>
+          <p:cNvSpPr>
+            <a:spLocks noGrp="1"/>
+          </p:cNvSpPr>
+          <p:nvPr>
+            <p:ph type="hdr" sz="quarter"/>
+          </p:nvPr>
+        </p:nvSpPr>
+        <p:spPr>
+          <a:xfrm>
+            <a:off x="0" y="0"/>
+            <a:ext cx="2971800" cy="458788"/>
+          </a:xfrm>
+          <a:prstGeom prst="rect">
+            <a:avLst/>
+          </a:prstGeom>
+        </p:spPr>
+        <p:txBody>
+          <a:bodyPr vert="horz" lIns="91440" tIns="45720" rIns="91440" bIns="45720" rtlCol="0"/>
+          <a:lstStyle>
+            <a:lvl1pPr algn="l">
+              <a:defRPr sz="1200"/>
+            </a:lvl1pPr>
+          </a:lstStyle>
+          <a:p>
+            <a:endParaRPr lang="en-US"/>
+          </a:p>
+        </p:txBody>
+      </p:sp>
+      <p:sp>
+        <p:nvSpPr>
+          <p:cNvPr id="3" name="Date Placeholder 2"/>
+          <p:cNvSpPr>
+            <a:spLocks noGrp="1"/>
+          </p:cNvSpPr>
+          <p:nvPr>
+            <p:ph type="dt" idx="1"/>
+          </p:nvPr>
+        </p:nvSpPr>
+        <p:spPr>
+          <a:xfrm>
+            <a:off x="3884613" y="0"/>
+            <a:ext cx="2971800" cy="458788"/>
+          </a:xfrm>
+          <a:prstGeom prst="rect">
+            <a:avLst/>
+          </a:prstGeom>
+        </p:spPr>
+        <p:txBody>
+          <a:bodyPr vert="horz" lIns="91440" tIns="45720" rIns="91440" bIns="45720" rtlCol="0"/>
+          <a:lstStyle>
+            <a:lvl1pPr algn="r">
+              <a:defRPr sz="1200"/>
+            </a:lvl1pPr>
+          </a:lstStyle>
+          <a:p>
+            <a:fld id="{FE625EF6-C713-49BE-B585-F86040941D57}" type="datetimeFigureOut">
+              <a:rPr lang="en-US" smtClean="0"/>
+              <a:t>11/10/2018</a:t>
+            </a:fld>
+            <a:endParaRPr lang="en-US"/>
+          </a:p>
+        </p:txBody>
+      </p:sp>
+      <p:sp>
+        <p:nvSpPr>
+          <p:cNvPr id="4" name="Slide Image Placeholder 3"/>
+          <p:cNvSpPr>
+            <a:spLocks noGrp="1" noRot="1" noChangeAspect="1"/>
+          </p:cNvSpPr>
+          <p:nvPr>
+            <p:ph type="sldImg" idx="2"/>
+          </p:nvPr>
+        </p:nvSpPr>
+        <p:spPr>
+          <a:xfrm>
+            <a:off x="685800" y="1143000"/>
+            <a:ext cx="5486400" cy="3086100"/>
+          </a:xfrm>
+          <a:prstGeom prst="rect">
+            <a:avLst/>
+          </a:prstGeom>
+          <a:noFill/>
+          <a:ln w="12700">
+            <a:solidFill>
+              <a:prstClr val="black"/>
+            </a:solidFill>
+          </a:ln>
+        </p:spPr>
+        <p:txBody>
+          <a:bodyPr vert="horz" lIns="91440" tIns="45720" rIns="91440" bIns="45720" rtlCol="0" anchor="ctr"/>
+          <a:lstStyle/>
+          <a:p>
+            <a:endParaRPr lang="en-US"/>
+          </a:p>
+        </p:txBody>
+      </p:sp>
+      <p:sp>
+        <p:nvSpPr>
+          <p:cNvPr id="5" name="Notes Placeholder 4"/>
+          <p:cNvSpPr>
+            <a:spLocks noGrp="1"/>
+          </p:cNvSpPr>
+          <p:nvPr>
+            <p:ph type="body" sz="quarter" idx="3"/>
+          </p:nvPr>
+        </p:nvSpPr>
+        <p:spPr>
+          <a:xfrm>
+            <a:off x="685800" y="4400550"/>
+            <a:ext cx="5486400" cy="3600450"/>
+          </a:xfrm>
+          <a:prstGeom prst="rect">
+            <a:avLst/>
+          </a:prstGeom>
+        </p:spPr>
+        <p:txBody>
+          <a:bodyPr vert="horz" lIns="91440" tIns="45720" rIns="91440" bIns="45720" rtlCol="0"/>
+          <a:lstStyle/>
+          <a:p>
+            <a:pPr lvl="0"/>
+            <a:r>
+              <a:rPr lang="en-US"/>
+              <a:t>Edit Master text styles</a:t>
+            </a:r>
+          </a:p>
+          <a:p>
+            <a:pPr lvl="1"/>
+            <a:r>
+              <a:rPr lang="en-US"/>
+              <a:t>Second level</a:t>
+            </a:r>
+          </a:p>
+          <a:p>
+            <a:pPr lvl="2"/>
+            <a:r>
+              <a:rPr lang="en-US"/>
+              <a:t>Third level</a:t>
+            </a:r>
+          </a:p>
+          <a:p>
+            <a:pPr lvl="3"/>
+            <a:r>
+              <a:rPr lang="en-US"/>
+              <a:t>Fourth level</a:t>
+            </a:r>
+          </a:p>
+          <a:p>
+            <a:pPr lvl="4"/>
+            <a:r>
+              <a:rPr lang="en-US"/>
+              <a:t>Fifth level</a:t>
+            </a:r>
+          </a:p>
+        </p:txBody>
+      </p:sp>
+      <p:sp>
+        <p:nvSpPr>
+          <p:cNvPr id="6" name="Footer Placeholder 5"/>
+          <p:cNvSpPr>
+            <a:spLocks noGrp="1"/>
+          </p:cNvSpPr>
+          <p:nvPr>
+            <p:ph type="ftr" sz="quarter" idx="4"/>
+          </p:nvPr>
+        </p:nvSpPr>
+        <p:spPr>
+          <a:xfrm>
+            <a:off x="0" y="8685213"/>
+            <a:ext cx="2971800" cy="458787"/>
+          </a:xfrm>
+          <a:prstGeom prst="rect">
+            <a:avLst/>
+          </a:prstGeom>
+        </p:spPr>
+        <p:txBody>
+          <a:bodyPr vert="horz" lIns="91440" tIns="45720" rIns="91440" bIns="45720" rtlCol="0" anchor="b"/>
+          <a:lstStyle>
+            <a:lvl1pPr algn="l">
+              <a:defRPr sz="1200"/>
+            </a:lvl1pPr>
+          </a:lstStyle>
+          <a:p>
+            <a:endParaRPr lang="en-US"/>
+          </a:p>
+        </p:txBody>
+      </p:sp>
+      <p:sp>
+        <p:nvSpPr>
+          <p:cNvPr id="7" name="Slide Number Placeholder 6"/>
+          <p:cNvSpPr>
+            <a:spLocks noGrp="1"/>
+          </p:cNvSpPr>
+          <p:nvPr>
+            <p:ph type="sldNum" sz="quarter" idx="5"/>
+          </p:nvPr>
+        </p:nvSpPr>
+        <p:spPr>
+          <a:xfrm>
+            <a:off x="3884613" y="8685213"/>
+            <a:ext cx="2971800" cy="458787"/>
+          </a:xfrm>
+          <a:prstGeom prst="rect">
+            <a:avLst/>
+          </a:prstGeom>
+        </p:spPr>
+        <p:txBody>
+          <a:bodyPr vert="horz" lIns="91440" tIns="45720" rIns="91440" bIns="45720" rtlCol="0" anchor="b"/>
+          <a:lstStyle>
+            <a:lvl1pPr algn="r">
+              <a:defRPr sz="1200"/>
+            </a:lvl1pPr>
+          </a:lstStyle>
+          <a:p>
+            <a:fld id="{68668C5B-211C-480E-BA8C-12EF14C13520}" type="slidenum">
+              <a:rPr lang="en-US" smtClean="0"/>
+              <a:t>‹#›</a:t>
+            </a:fld>
+            <a:endParaRPr lang="en-US"/>
+          </a:p>
+        </p:txBody>
+      </p:sp>
+    </p:spTree>
+    <p:extLst>
+      <p:ext uri="{BB962C8B-B14F-4D97-AF65-F5344CB8AC3E}">
+        <p14:creationId xmlns:p14="http://schemas.microsoft.com/office/powerpoint/2010/main" val="4023141027"/>
+      </p:ext>
+    </p:extLst>
+  </p:cSld>
+  <p:clrMap bg1="lt1" tx1="dk1" bg2="lt2" tx2="dk2" accent1="accent1" accent2="accent2" accent3="accent3" accent4="accent4" accent5="accent5" accent6="accent6" hlink="hlink" folHlink="folHlink"/>
+  <p:notesStyle>
+    <a:lvl1pPr marL="0" algn="l" defTabSz="914400" rtl="0" eaLnBrk="1" latinLnBrk="0" hangingPunct="1">
+      <a:defRPr sz="1200" kern="1200">
+        <a:solidFill>
+          <a:schemeClr val="tx1"/>
+        </a:solidFill>
+        <a:latin typeface="+mn-lt"/>
+        <a:ea typeface="+mn-ea"/>
+        <a:cs typeface="+mn-cs"/>
+      </a:defRPr>
+    </a:lvl1pPr>
+    <a:lvl2pPr marL="457200" algn="l" defTabSz="914400" rtl="0" eaLnBrk="1" latinLnBrk="0" hangingPunct="1">
+      <a:defRPr sz="1200" kern="1200">
+        <a:solidFill>
+          <a:schemeClr val="tx1"/>
+        </a:solidFill>
+        <a:latin typeface="+mn-lt"/>
+        <a:ea typeface="+mn-ea"/>
+        <a:cs typeface="+mn-cs"/>
+      </a:defRPr>
+    </a:lvl2pPr>
+    <a:lvl3pPr marL="914400" algn="l" defTabSz="914400" rtl="0" eaLnBrk="1" latinLnBrk="0" hangingPunct="1">
+      <a:defRPr sz="1200" kern="1200">
+        <a:solidFill>
+          <a:schemeClr val="tx1"/>
+        </a:solidFill>
+        <a:latin typeface="+mn-lt"/>
+        <a:ea typeface="+mn-ea"/>
+        <a:cs typeface="+mn-cs"/>
+      </a:defRPr>
+    </a:lvl3pPr>
+    <a:lvl4pPr marL="1371600" algn="l" defTabSz="914400" rtl="0" eaLnBrk="1" latinLnBrk="0" hangingPunct="1">
+      <a:defRPr sz="1200" kern="1200">
+        <a:solidFill>
+          <a:schemeClr val="tx1"/>
+        </a:solidFill>
+        <a:latin typeface="+mn-lt"/>
+        <a:ea typeface="+mn-ea"/>
+        <a:cs typeface="+mn-cs"/>
+      </a:defRPr>
+    </a:lvl4pPr>
+    <a:lvl5pPr marL="1828800" algn="l" defTabSz="914400" rtl="0" eaLnBrk="1" latinLnBrk="0" hangingPunct="1">
+      <a:defRPr sz="1200" kern="1200">
+        <a:solidFill>
+          <a:schemeClr val="tx1"/>
+        </a:solidFill>
+        <a:latin typeface="+mn-lt"/>
+        <a:ea typeface="+mn-ea"/>
+        <a:cs typeface="+mn-cs"/>
+      </a:defRPr>
+    </a:lvl5pPr>
+    <a:lvl6pPr marL="2286000" algn="l" defTabSz="914400" rtl="0" eaLnBrk="1" latinLnBrk="0" hangingPunct="1">
+      <a:defRPr sz="1200" kern="1200">
+        <a:solidFill>
+          <a:schemeClr val="tx1"/>
+        </a:solidFill>
+        <a:latin typeface="+mn-lt"/>
+        <a:ea typeface="+mn-ea"/>
+        <a:cs typeface="+mn-cs"/>
+      </a:defRPr>
+    </a:lvl6pPr>
+    <a:lvl7pPr marL="2743200" algn="l" defTabSz="914400" rtl="0" eaLnBrk="1" latinLnBrk="0" hangingPunct="1">
+      <a:defRPr sz="1200" kern="1200">
+        <a:solidFill>
+          <a:schemeClr val="tx1"/>
+        </a:solidFill>
+        <a:latin typeface="+mn-lt"/>
+        <a:ea typeface="+mn-ea"/>
+        <a:cs typeface="+mn-cs"/>
+      </a:defRPr>
+    </a:lvl7pPr>
+    <a:lvl8pPr marL="3200400" algn="l" defTabSz="914400" rtl="0" eaLnBrk="1" latinLnBrk="0" hangingPunct="1">
+      <a:defRPr sz="1200" kern="1200">
+        <a:solidFill>
+          <a:schemeClr val="tx1"/>
+        </a:solidFill>
+        <a:latin typeface="+mn-lt"/>
+        <a:ea typeface="+mn-ea"/>
+        <a:cs typeface="+mn-cs"/>
+      </a:defRPr>
+    </a:lvl8pPr>
+    <a:lvl9pPr marL="3657600" algn="l" defTabSz="914400" rtl="0" eaLnBrk="1" latinLnBrk="0" hangingPunct="1">
+      <a:defRPr sz="1200" kern="1200">
+        <a:solidFill>
+          <a:schemeClr val="tx1"/>
+        </a:solidFill>
+        <a:latin typeface="+mn-lt"/>
+        <a:ea typeface="+mn-ea"/>
+        <a:cs typeface="+mn-cs"/>
+      </a:defRPr>
+    </a:lvl9pPr>
+  </p:notesStyle>
+</p:notesMaster>
+</file>
+
+<file path=ppt/notesSlides/notesSlide1.xml><?xml version="1.0" encoding="utf-8"?>
+<p:notes xmlns:a="http://schemas.openxmlformats.org/drawingml/2006/main" xmlns:r="http://schemas.openxmlformats.org/officeDocument/2006/relationships" xmlns:p="http://schemas.openxmlformats.org/presentationml/2006/main">
+  <p:cSld>
+    <p:spTree>
+      <p:nvGrpSpPr>
+        <p:cNvPr id="1" name=""/>
+        <p:cNvGrpSpPr/>
+        <p:nvPr/>
+      </p:nvGrpSpPr>
+      <p:grpSpPr>
+        <a:xfrm>
+          <a:off x="0" y="0"/>
+          <a:ext cx="0" cy="0"/>
+          <a:chOff x="0" y="0"/>
+          <a:chExt cx="0" cy="0"/>
+        </a:xfrm>
+      </p:grpSpPr>
+      <p:sp>
+        <p:nvSpPr>
+          <p:cNvPr id="2" name="Slide Image Placeholder 1"/>
+          <p:cNvSpPr>
+            <a:spLocks noGrp="1" noRot="1" noChangeAspect="1"/>
+          </p:cNvSpPr>
+          <p:nvPr>
+            <p:ph type="sldImg"/>
+          </p:nvPr>
+        </p:nvSpPr>
+        <p:spPr/>
+      </p:sp>
+      <p:sp>
+        <p:nvSpPr>
+          <p:cNvPr id="3" name="Notes Placeholder 2"/>
+          <p:cNvSpPr>
+            <a:spLocks noGrp="1"/>
+          </p:cNvSpPr>
+          <p:nvPr>
+            <p:ph type="body" idx="1"/>
+          </p:nvPr>
+        </p:nvSpPr>
+        <p:spPr/>
+        <p:txBody>
+          <a:bodyPr/>
+          <a:lstStyle/>
+          <a:p>
+            <a:endParaRPr lang="en-US" dirty="0"/>
+          </a:p>
+        </p:txBody>
+      </p:sp>
+      <p:sp>
+        <p:nvSpPr>
+          <p:cNvPr id="4" name="Slide Number Placeholder 3"/>
+          <p:cNvSpPr>
+            <a:spLocks noGrp="1"/>
+          </p:cNvSpPr>
+          <p:nvPr>
+            <p:ph type="sldNum" sz="quarter" idx="10"/>
+          </p:nvPr>
+        </p:nvSpPr>
+        <p:spPr/>
+        <p:txBody>
+          <a:bodyPr/>
+          <a:lstStyle/>
+          <a:p>
+            <a:fld id="{68668C5B-211C-480E-BA8C-12EF14C13520}" type="slidenum">
+              <a:rPr lang="en-US" smtClean="0"/>
+              <a:t>5</a:t>
+            </a:fld>
+            <a:endParaRPr lang="en-US"/>
+          </a:p>
+        </p:txBody>
+      </p:sp>
+    </p:spTree>
+    <p:extLst>
+      <p:ext uri="{BB962C8B-B14F-4D97-AF65-F5344CB8AC3E}">
+        <p14:creationId xmlns:p14="http://schemas.microsoft.com/office/powerpoint/2010/main" val="411262885"/>
+      </p:ext>
+    </p:extLst>
+  </p:cSld>
+  <p:clrMapOvr>
+    <a:masterClrMapping/>
+  </p:clrMapOvr>
+</p:notes>
+</file>
+
+<file path=ppt/notesSlides/notesSlide2.xml><?xml version="1.0" encoding="utf-8"?>
+<p:notes xmlns:a="http://schemas.openxmlformats.org/drawingml/2006/main" xmlns:r="http://schemas.openxmlformats.org/officeDocument/2006/relationships" xmlns:p="http://schemas.openxmlformats.org/presentationml/2006/main">
+  <p:cSld>
+    <p:spTree>
+      <p:nvGrpSpPr>
+        <p:cNvPr id="1" name=""/>
+        <p:cNvGrpSpPr/>
+        <p:nvPr/>
+      </p:nvGrpSpPr>
+      <p:grpSpPr>
+        <a:xfrm>
+          <a:off x="0" y="0"/>
+          <a:ext cx="0" cy="0"/>
+          <a:chOff x="0" y="0"/>
+          <a:chExt cx="0" cy="0"/>
+        </a:xfrm>
+      </p:grpSpPr>
+      <p:sp>
+        <p:nvSpPr>
+          <p:cNvPr id="2" name="Slide Image Placeholder 1"/>
+          <p:cNvSpPr>
+            <a:spLocks noGrp="1" noRot="1" noChangeAspect="1"/>
+          </p:cNvSpPr>
+          <p:nvPr>
+            <p:ph type="sldImg"/>
+          </p:nvPr>
+        </p:nvSpPr>
+        <p:spPr/>
+      </p:sp>
+      <p:sp>
+        <p:nvSpPr>
+          <p:cNvPr id="3" name="Notes Placeholder 2"/>
+          <p:cNvSpPr>
+            <a:spLocks noGrp="1"/>
+          </p:cNvSpPr>
+          <p:nvPr>
+            <p:ph type="body" idx="1"/>
+          </p:nvPr>
+        </p:nvSpPr>
+        <p:spPr/>
+        <p:txBody>
+          <a:bodyPr/>
+          <a:lstStyle/>
+          <a:p>
+            <a:endParaRPr lang="en-US" dirty="0"/>
+          </a:p>
+        </p:txBody>
+      </p:sp>
+      <p:sp>
+        <p:nvSpPr>
+          <p:cNvPr id="4" name="Slide Number Placeholder 3"/>
+          <p:cNvSpPr>
+            <a:spLocks noGrp="1"/>
+          </p:cNvSpPr>
+          <p:nvPr>
+            <p:ph type="sldNum" sz="quarter" idx="10"/>
+          </p:nvPr>
+        </p:nvSpPr>
+        <p:spPr/>
+        <p:txBody>
+          <a:bodyPr/>
+          <a:lstStyle/>
+          <a:p>
+            <a:fld id="{68668C5B-211C-480E-BA8C-12EF14C13520}" type="slidenum">
+              <a:rPr lang="en-US" smtClean="0"/>
+              <a:t>6</a:t>
+            </a:fld>
+            <a:endParaRPr lang="en-US"/>
+          </a:p>
+        </p:txBody>
+      </p:sp>
+    </p:spTree>
+    <p:extLst>
+      <p:ext uri="{BB962C8B-B14F-4D97-AF65-F5344CB8AC3E}">
+        <p14:creationId xmlns:p14="http://schemas.microsoft.com/office/powerpoint/2010/main" val="1898848281"/>
+      </p:ext>
+    </p:extLst>
+  </p:cSld>
+  <p:clrMapOvr>
+    <a:masterClrMapping/>
+  </p:clrMapOvr>
+</p:notes>
 </file>
 
 <file path=ppt/slideLayouts/slideLayout1.xml><?xml version="1.0" encoding="utf-8"?>
@@ -3094,23 +3614,7 @@
           <a:p>
             <a:r>
               <a:rPr lang="en-US" dirty="0"/>
-              <a:t>A presentation by: </a:t>
-            </a:r>
-            <a:r>
-              <a:rPr lang="en-US" dirty="0" err="1"/>
-              <a:t>Areej</a:t>
-            </a:r>
-            <a:r>
-              <a:rPr lang="en-US" dirty="0"/>
-              <a:t>, Isaac, Justin, </a:t>
-            </a:r>
-            <a:r>
-              <a:rPr lang="en-US" dirty="0" err="1"/>
-              <a:t>Pavan</a:t>
-            </a:r>
-            <a:r>
-              <a:rPr lang="en-US" dirty="0"/>
-              <a:t> &amp;, Terry.</a:t>
+              <a:t>A presentation by: Areej, Isaac, Justin, Pavan &amp;, Terry.</a:t>
             </a:r>
           </a:p>
         </p:txBody>
@@ -3128,13 +3632,6 @@
   <p:transition spd="slow">
     <p:push dir="u"/>
   </p:transition>
-  <p:timing>
-    <p:tnLst>
-      <p:par>
-        <p:cTn id="1" dur="indefinite" restart="never" nodeType="tmRoot"/>
-      </p:par>
-    </p:tnLst>
-  </p:timing>
 </p:sld>
 </file>
 
@@ -3216,13 +3713,6 @@
   <p:transition spd="slow">
     <p:wipe/>
   </p:transition>
-  <p:timing>
-    <p:tnLst>
-      <p:par>
-        <p:cTn id="1" dur="indefinite" restart="never" nodeType="tmRoot"/>
-      </p:par>
-    </p:tnLst>
-  </p:timing>
 </p:sld>
 </file>
 
@@ -3313,13 +3803,6 @@
       </p:transition>
     </mc:Fallback>
   </mc:AlternateContent>
-  <p:timing>
-    <p:tnLst>
-      <p:par>
-        <p:cTn id="1" dur="indefinite" restart="never" nodeType="tmRoot"/>
-      </p:par>
-    </p:tnLst>
-  </p:timing>
 </p:sld>
 </file>
 
@@ -3379,23 +3862,7 @@
           <a:p>
             <a:r>
               <a:rPr lang="en-US" dirty="0"/>
-              <a:t>Graduation rates, Household </a:t>
-            </a:r>
-            <a:r>
-              <a:rPr lang="en-US" dirty="0" smtClean="0"/>
-              <a:t>size, </a:t>
-            </a:r>
-            <a:r>
-              <a:rPr lang="en-US" dirty="0"/>
-              <a:t>and Unemployment </a:t>
-            </a:r>
-            <a:r>
-              <a:rPr lang="en-US" dirty="0" smtClean="0"/>
-              <a:t>rates </a:t>
-            </a:r>
-            <a:r>
-              <a:rPr lang="en-US" dirty="0"/>
-              <a:t>are very similar </a:t>
+              <a:t>Graduation rates, Household size, and Unemployment rates are very similar </a:t>
             </a:r>
           </a:p>
           <a:p>
@@ -3407,23 +3874,7 @@
           <a:p>
             <a:r>
               <a:rPr lang="en-US" dirty="0"/>
-              <a:t>Median income </a:t>
-            </a:r>
-            <a:r>
-              <a:rPr lang="en-US" dirty="0" smtClean="0"/>
-              <a:t>is </a:t>
-            </a:r>
-            <a:r>
-              <a:rPr lang="en-US" dirty="0"/>
-              <a:t>higher </a:t>
-            </a:r>
-            <a:r>
-              <a:rPr lang="en-US" dirty="0" smtClean="0"/>
-              <a:t>in New </a:t>
-            </a:r>
-            <a:r>
-              <a:rPr lang="en-US" dirty="0"/>
-              <a:t>Jersey</a:t>
+              <a:t>Median income is higher in New Jersey</a:t>
             </a:r>
           </a:p>
           <a:p>
@@ -3434,12 +3885,8 @@
           </a:p>
           <a:p>
             <a:r>
-              <a:rPr lang="en-US" dirty="0" smtClean="0"/>
-              <a:t>New </a:t>
-            </a:r>
-            <a:r>
               <a:rPr lang="en-US" dirty="0"/>
-              <a:t>Jersey has a higher median and a better over all graduation rate.</a:t>
+              <a:t>New Jersey has a higher median and a better over all graduation rate.</a:t>
             </a:r>
           </a:p>
           <a:p>
@@ -3509,13 +3956,6 @@
       </p:transition>
     </mc:Fallback>
   </mc:AlternateContent>
-  <p:timing>
-    <p:tnLst>
-      <p:par>
-        <p:cTn id="1" dur="indefinite" restart="never" nodeType="tmRoot"/>
-      </p:par>
-    </p:tnLst>
-  </p:timing>
 </p:sld>
 </file>
 
@@ -3590,13 +4030,6 @@
       </p:transition>
     </mc:Fallback>
   </mc:AlternateContent>
-  <p:timing>
-    <p:tnLst>
-      <p:par>
-        <p:cTn id="1" dur="indefinite" restart="never" nodeType="tmRoot"/>
-      </p:par>
-    </p:tnLst>
-  </p:timing>
 </p:sld>
 </file>
 
@@ -3633,12 +4066,8 @@
           <a:lstStyle/>
           <a:p>
             <a:r>
-              <a:rPr lang="en-US" dirty="0" smtClean="0"/>
-              <a:t>Graphs and Plots </a:t>
-            </a:r>
-            <a:r>
               <a:rPr lang="en-US" dirty="0"/>
-              <a:t>by County </a:t>
+              <a:t>Graphs and Plots by County </a:t>
             </a:r>
           </a:p>
         </p:txBody>
@@ -3726,13 +4155,6 @@
       </p:transition>
     </mc:Fallback>
   </mc:AlternateContent>
-  <p:timing>
-    <p:tnLst>
-      <p:par>
-        <p:cTn id="1" dur="indefinite" restart="never" nodeType="tmRoot"/>
-      </p:par>
-    </p:tnLst>
-  </p:timing>
 </p:sld>
 </file>
 
@@ -3777,8 +4199,8 @@
         </p:blipFill>
         <p:spPr>
           <a:xfrm>
-            <a:off x="167763" y="1690688"/>
-            <a:ext cx="11856474" cy="5009271"/>
+            <a:off x="167763" y="307732"/>
+            <a:ext cx="11856474" cy="6392228"/>
           </a:xfrm>
         </p:spPr>
       </p:pic>
@@ -3804,13 +4226,6 @@
       </p:transition>
     </mc:Fallback>
   </mc:AlternateContent>
-  <p:timing>
-    <p:tnLst>
-      <p:par>
-        <p:cTn id="1" dur="indefinite" restart="never" nodeType="tmRoot"/>
-      </p:par>
-    </p:tnLst>
-  </p:timing>
 </p:sld>
 </file>
 
@@ -3845,44 +4260,6 @@
           <a:chExt cx="0" cy="0"/>
         </a:xfrm>
       </p:grpSpPr>
-      <p:sp>
-        <p:nvSpPr>
-          <p:cNvPr id="2" name="Title 1"/>
-          <p:cNvSpPr>
-            <a:spLocks noGrp="1"/>
-          </p:cNvSpPr>
-          <p:nvPr>
-            <p:ph type="title"/>
-          </p:nvPr>
-        </p:nvSpPr>
-        <p:spPr/>
-        <p:txBody>
-          <a:bodyPr/>
-          <a:lstStyle/>
-          <a:p>
-            <a:endParaRPr lang="en-US"/>
-          </a:p>
-        </p:txBody>
-      </p:sp>
-      <p:sp>
-        <p:nvSpPr>
-          <p:cNvPr id="3" name="Content Placeholder 2"/>
-          <p:cNvSpPr>
-            <a:spLocks noGrp="1"/>
-          </p:cNvSpPr>
-          <p:nvPr>
-            <p:ph idx="1"/>
-          </p:nvPr>
-        </p:nvSpPr>
-        <p:spPr/>
-        <p:txBody>
-          <a:bodyPr/>
-          <a:lstStyle/>
-          <a:p>
-            <a:endParaRPr lang="en-US"/>
-          </a:p>
-        </p:txBody>
-      </p:sp>
     </p:spTree>
     <p:extLst>
       <p:ext uri="{BB962C8B-B14F-4D97-AF65-F5344CB8AC3E}">
@@ -3905,13 +4282,6 @@
       </p:transition>
     </mc:Fallback>
   </mc:AlternateContent>
-  <p:timing>
-    <p:tnLst>
-      <p:par>
-        <p:cTn id="1" dur="indefinite" restart="never" nodeType="tmRoot"/>
-      </p:par>
-    </p:tnLst>
-  </p:timing>
 </p:sld>
 </file>
 
@@ -3968,13 +4338,6 @@
       </p:transition>
     </mc:Fallback>
   </mc:AlternateContent>
-  <p:timing>
-    <p:tnLst>
-      <p:par>
-        <p:cTn id="1" dur="indefinite" restart="never" nodeType="tmRoot"/>
-      </p:par>
-    </p:tnLst>
-  </p:timing>
 </p:sld>
 </file>
 
@@ -4031,13 +4394,6 @@
       </p:transition>
     </mc:Fallback>
   </mc:AlternateContent>
-  <p:timing>
-    <p:tnLst>
-      <p:par>
-        <p:cTn id="1" dur="indefinite" restart="never" nodeType="tmRoot"/>
-      </p:par>
-    </p:tnLst>
-  </p:timing>
 </p:sld>
 </file>
 
@@ -4094,13 +4450,6 @@
       </p:transition>
     </mc:Fallback>
   </mc:AlternateContent>
-  <p:timing>
-    <p:tnLst>
-      <p:par>
-        <p:cTn id="1" dur="indefinite" restart="never" nodeType="tmRoot"/>
-      </p:par>
-    </p:tnLst>
-  </p:timing>
 </p:sld>
 </file>
 
@@ -4133,8 +4482,8 @@
         </p:nvSpPr>
         <p:spPr>
           <a:xfrm>
-            <a:off x="369849" y="509780"/>
-            <a:ext cx="11584258" cy="6169799"/>
+            <a:off x="360485" y="509780"/>
+            <a:ext cx="11593622" cy="6169799"/>
           </a:xfrm>
         </p:spPr>
         <p:txBody>
@@ -4143,24 +4492,33 @@
           </a:bodyPr>
           <a:lstStyle/>
           <a:p>
+            <a:pPr marL="0" indent="0">
+              <a:buNone/>
+            </a:pPr>
             <a:r>
               <a:rPr lang="en-US" b="1" dirty="0"/>
-              <a:t>Project Description/Outline:</a:t>
+              <a:t> Project Description:</a:t>
             </a:r>
           </a:p>
           <a:p>
             <a:r>
               <a:rPr lang="en-US" dirty="0"/>
-              <a:t>How do various different factors affect high school graduation rates in New Jersey, New York, and Pennsylvania.</a:t>
+              <a:t>How do various different factors affect high school graduation rates in New  Jersey, New York, and Pennsylvania.</a:t>
             </a:r>
           </a:p>
           <a:p>
             <a:endParaRPr lang="en-US" dirty="0"/>
           </a:p>
           <a:p>
+            <a:pPr marL="0" indent="0">
+              <a:buNone/>
+            </a:pPr>
             <a:endParaRPr lang="en-US" dirty="0"/>
           </a:p>
           <a:p>
+            <a:pPr marL="0" indent="0">
+              <a:buNone/>
+            </a:pPr>
             <a:r>
               <a:rPr lang="en-US" b="1" dirty="0"/>
               <a:t>Research Questions to Answer:</a:t>
@@ -4214,13 +4572,6 @@
   <p:transition spd="slow">
     <p:wipe/>
   </p:transition>
-  <p:timing>
-    <p:tnLst>
-      <p:par>
-        <p:cTn id="1" dur="indefinite" restart="never" nodeType="tmRoot"/>
-      </p:par>
-    </p:tnLst>
-  </p:timing>
 </p:sld>
 </file>
 
@@ -4268,13 +4619,6 @@
   <p:transition spd="slow">
     <p:push dir="u"/>
   </p:transition>
-  <p:timing>
-    <p:tnLst>
-      <p:par>
-        <p:cTn id="1" dur="indefinite" restart="never" nodeType="tmRoot"/>
-      </p:par>
-    </p:tnLst>
-  </p:timing>
 </p:sld>
 </file>
 
@@ -4322,13 +4666,6 @@
   <p:transition spd="slow">
     <p:push dir="u"/>
   </p:transition>
-  <p:timing>
-    <p:tnLst>
-      <p:par>
-        <p:cTn id="1" dur="indefinite" restart="never" nodeType="tmRoot"/>
-      </p:par>
-    </p:tnLst>
-  </p:timing>
 </p:sld>
 </file>
 
@@ -4373,13 +4710,6 @@
   <p:clrMapOvr>
     <a:masterClrMapping/>
   </p:clrMapOvr>
-  <p:timing>
-    <p:tnLst>
-      <p:par>
-        <p:cTn id="1" dur="indefinite" restart="never" nodeType="tmRoot"/>
-      </p:par>
-    </p:tnLst>
-  </p:timing>
 </p:sld>
 </file>
 
@@ -4436,13 +4766,6 @@
       </p:transition>
     </mc:Fallback>
   </mc:AlternateContent>
-  <p:timing>
-    <p:tnLst>
-      <p:par>
-        <p:cTn id="1" dur="indefinite" restart="never" nodeType="tmRoot"/>
-      </p:par>
-    </p:tnLst>
-  </p:timing>
 </p:sld>
 </file>
 
@@ -4530,13 +4853,6 @@
   <p:transition spd="med">
     <p:pull/>
   </p:transition>
-  <p:timing>
-    <p:tnLst>
-      <p:par>
-        <p:cTn id="1" dur="indefinite" restart="never" nodeType="tmRoot"/>
-      </p:par>
-    </p:tnLst>
-  </p:timing>
 </p:sld>
 </file>
 
@@ -4593,13 +4909,6 @@
       </p:transition>
     </mc:Fallback>
   </mc:AlternateContent>
-  <p:timing>
-    <p:tnLst>
-      <p:par>
-        <p:cTn id="1" dur="indefinite" restart="never" nodeType="tmRoot"/>
-      </p:par>
-    </p:tnLst>
-  </p:timing>
 </p:sld>
 </file>
 
@@ -4656,13 +4965,6 @@
       </p:transition>
     </mc:Fallback>
   </mc:AlternateContent>
-  <p:timing>
-    <p:tnLst>
-      <p:par>
-        <p:cTn id="1" dur="indefinite" restart="never" nodeType="tmRoot"/>
-      </p:par>
-    </p:tnLst>
-  </p:timing>
 </p:sld>
 </file>
 
@@ -4719,13 +5021,6 @@
       </p:transition>
     </mc:Fallback>
   </mc:AlternateContent>
-  <p:timing>
-    <p:tnLst>
-      <p:par>
-        <p:cTn id="1" dur="indefinite" restart="never" nodeType="tmRoot"/>
-      </p:par>
-    </p:tnLst>
-  </p:timing>
 </p:sld>
 </file>
 
@@ -4782,13 +5077,6 @@
       </p:transition>
     </mc:Fallback>
   </mc:AlternateContent>
-  <p:timing>
-    <p:tnLst>
-      <p:par>
-        <p:cTn id="1" dur="indefinite" restart="never" nodeType="tmRoot"/>
-      </p:par>
-    </p:tnLst>
-  </p:timing>
 </p:sld>
 </file>
 
@@ -4845,13 +5133,6 @@
       </p:transition>
     </mc:Fallback>
   </mc:AlternateContent>
-  <p:timing>
-    <p:tnLst>
-      <p:par>
-        <p:cTn id="1" dur="indefinite" restart="never" nodeType="tmRoot"/>
-      </p:par>
-    </p:tnLst>
-  </p:timing>
 </p:sld>
 </file>
 
@@ -4892,6 +5173,9 @@
           <a:bodyPr/>
           <a:lstStyle/>
           <a:p>
+            <a:pPr marL="0" indent="0">
+              <a:buNone/>
+            </a:pPr>
             <a:r>
               <a:rPr lang="en-US" b="1" dirty="0"/>
               <a:t>Data Sets to be Used:</a:t>
@@ -4900,29 +5184,13 @@
           <a:p>
             <a:r>
               <a:rPr lang="en-US" dirty="0"/>
-              <a:t>American Community </a:t>
-            </a:r>
-            <a:r>
-              <a:rPr lang="en-US" dirty="0" smtClean="0"/>
-              <a:t>Survey - </a:t>
-            </a:r>
+              <a:t>American Community Survey - U.S. Census Bureau’s American Community Survey Office</a:t>
+            </a:r>
+          </a:p>
+          <a:p>
             <a:r>
               <a:rPr lang="en-US" dirty="0"/>
-              <a:t>U.S. Census Bureau’s American Community Survey Office</a:t>
-            </a:r>
-          </a:p>
-          <a:p>
-            <a:r>
-              <a:rPr lang="en-US" dirty="0" smtClean="0"/>
-              <a:t>Various State DOE </a:t>
-            </a:r>
-            <a:r>
-              <a:rPr lang="en-US" dirty="0"/>
-              <a:t>Data Sets </a:t>
-            </a:r>
-            <a:r>
-              <a:rPr lang="en-US" dirty="0" smtClean="0"/>
-              <a:t>available on their state websites.</a:t>
+              <a:t>Various State DOE Data Sets available on their state websites.</a:t>
             </a:r>
           </a:p>
         </p:txBody>
@@ -4949,13 +5217,6 @@
       </p:transition>
     </mc:Fallback>
   </mc:AlternateContent>
-  <p:timing>
-    <p:tnLst>
-      <p:par>
-        <p:cTn id="1" dur="indefinite" restart="never" nodeType="tmRoot"/>
-      </p:par>
-    </p:tnLst>
-  </p:timing>
 </p:sld>
 </file>
 
@@ -5003,13 +5264,6 @@
   <p:transition spd="slow">
     <p:push dir="u"/>
   </p:transition>
-  <p:timing>
-    <p:tnLst>
-      <p:par>
-        <p:cTn id="1" dur="indefinite" restart="never" nodeType="tmRoot"/>
-      </p:par>
-    </p:tnLst>
-  </p:timing>
 </p:sld>
 </file>
 
@@ -5057,13 +5311,6 @@
   <p:transition spd="slow">
     <p:wheel spokes="1"/>
   </p:transition>
-  <p:timing>
-    <p:tnLst>
-      <p:par>
-        <p:cTn id="1" dur="indefinite" restart="never" nodeType="tmRoot"/>
-      </p:par>
-    </p:tnLst>
-  </p:timing>
 </p:sld>
 </file>
 
@@ -5120,13 +5367,6 @@
       </p:transition>
     </mc:Fallback>
   </mc:AlternateContent>
-  <p:timing>
-    <p:tnLst>
-      <p:par>
-        <p:cTn id="1" dur="indefinite" restart="never" nodeType="tmRoot"/>
-      </p:par>
-    </p:tnLst>
-  </p:timing>
 </p:sld>
 </file>
 
@@ -5183,13 +5423,6 @@
       </p:transition>
     </mc:Fallback>
   </mc:AlternateContent>
-  <p:timing>
-    <p:tnLst>
-      <p:par>
-        <p:cTn id="1" dur="indefinite" restart="never" nodeType="tmRoot"/>
-      </p:par>
-    </p:tnLst>
-  </p:timing>
 </p:sld>
 </file>
 
@@ -5246,13 +5479,6 @@
       </p:transition>
     </mc:Fallback>
   </mc:AlternateContent>
-  <p:timing>
-    <p:tnLst>
-      <p:par>
-        <p:cTn id="1" dur="indefinite" restart="never" nodeType="tmRoot"/>
-      </p:par>
-    </p:tnLst>
-  </p:timing>
 </p:sld>
 </file>
 
@@ -5309,13 +5535,6 @@
       </p:transition>
     </mc:Fallback>
   </mc:AlternateContent>
-  <p:timing>
-    <p:tnLst>
-      <p:par>
-        <p:cTn id="1" dur="indefinite" restart="never" nodeType="tmRoot"/>
-      </p:par>
-    </p:tnLst>
-  </p:timing>
 </p:sld>
 </file>
 
@@ -5390,13 +5609,6 @@
       </p:transition>
     </mc:Fallback>
   </mc:AlternateContent>
-  <p:timing>
-    <p:tnLst>
-      <p:par>
-        <p:cTn id="1" dur="indefinite" restart="never" nodeType="tmRoot"/>
-      </p:par>
-    </p:tnLst>
-  </p:timing>
 </p:sld>
 </file>
 
@@ -5439,8 +5651,8 @@
         </p:nvSpPr>
         <p:spPr>
           <a:xfrm>
-            <a:off x="3193961" y="5103674"/>
-            <a:ext cx="6177566" cy="1754326"/>
+            <a:off x="3237922" y="4901450"/>
+            <a:ext cx="8772370" cy="1477328"/>
           </a:xfrm>
           <a:prstGeom prst="rect">
             <a:avLst/>
@@ -5452,6 +5664,12 @@
             <a:spAutoFit/>
           </a:bodyPr>
           <a:lstStyle/>
+          <a:p>
+            <a:r>
+              <a:rPr lang="en-US" b="1" dirty="0"/>
+              <a:t>Conclusion:-</a:t>
+            </a:r>
+          </a:p>
           <a:p>
             <a:r>
               <a:rPr lang="en-US" dirty="0"/>
@@ -5476,13 +5694,6 @@
   <p:transition spd="med">
     <p:pull/>
   </p:transition>
-  <p:timing>
-    <p:tnLst>
-      <p:par>
-        <p:cTn id="1" dur="indefinite" restart="never" nodeType="tmRoot"/>
-      </p:par>
-    </p:tnLst>
-  </p:timing>
 </p:sld>
 </file>
 
@@ -5515,8 +5726,8 @@
         </p:nvSpPr>
         <p:spPr>
           <a:xfrm>
-            <a:off x="838200" y="745588"/>
-            <a:ext cx="10515600" cy="5431375"/>
+            <a:off x="838200" y="219808"/>
+            <a:ext cx="10515600" cy="5957155"/>
           </a:xfrm>
         </p:spPr>
         <p:txBody>
@@ -5529,6 +5740,15 @@
               <a:buNone/>
             </a:pPr>
             <a:r>
+              <a:rPr lang="en-US" b="1" dirty="0"/>
+              <a:t>Project Outline:-</a:t>
+            </a:r>
+          </a:p>
+          <a:p>
+            <a:pPr marL="0" indent="0">
+              <a:buNone/>
+            </a:pPr>
+            <a:r>
               <a:rPr lang="en-US" dirty="0"/>
               <a:t>Our project begun with the three states where our data sample was collected. The following results were gathered.</a:t>
             </a:r>
@@ -5537,15 +5757,7 @@
             <a:pPr lvl="1"/>
             <a:r>
               <a:rPr lang="en-US" sz="2800" dirty="0"/>
-              <a:t>Graduation </a:t>
-            </a:r>
-            <a:r>
-              <a:rPr lang="en-US" sz="2800" dirty="0" smtClean="0"/>
-              <a:t>rates </a:t>
-            </a:r>
-            <a:r>
-              <a:rPr lang="en-US" sz="2800" dirty="0"/>
-              <a:t>by State</a:t>
+              <a:t>Graduation rates by State</a:t>
             </a:r>
           </a:p>
           <a:p>
@@ -5580,11 +5792,7 @@
             <a:pPr lvl="1"/>
             <a:r>
               <a:rPr lang="en-US" sz="2800" dirty="0"/>
-              <a:t>Speak a language other than English by </a:t>
-            </a:r>
-            <a:r>
-              <a:rPr lang="en-US" sz="2800" dirty="0" smtClean="0"/>
-              <a:t>state</a:t>
+              <a:t>Speak a language other than English by state</a:t>
             </a:r>
           </a:p>
           <a:p>
@@ -5595,10 +5803,9 @@
               <a:buNone/>
             </a:pPr>
             <a:r>
-              <a:rPr lang="en-US" dirty="0" smtClean="0"/>
+              <a:rPr lang="en-US" dirty="0"/>
               <a:t>The Graduation rate data was sorted by County. We obtained different data sets from the Census for County level data. </a:t>
             </a:r>
-            <a:endParaRPr lang="en-US" dirty="0"/>
           </a:p>
         </p:txBody>
       </p:sp>
@@ -5624,13 +5831,6 @@
       </p:transition>
     </mc:Fallback>
   </mc:AlternateContent>
-  <p:timing>
-    <p:tnLst>
-      <p:par>
-        <p:cTn id="1" dur="indefinite" restart="never" nodeType="tmRoot"/>
-      </p:par>
-    </p:tnLst>
-  </p:timing>
 </p:sld>
 </file>
 
@@ -5662,7 +5862,7 @@
           </p:nvPr>
         </p:nvPicPr>
         <p:blipFill>
-          <a:blip r:embed="rId2">
+          <a:blip r:embed="rId3">
             <a:extLst>
               <a:ext uri="{28A0092B-C50C-407E-A947-70E740481C1C}">
                 <a14:useLocalDpi xmlns:a14="http://schemas.microsoft.com/office/drawing/2010/main" val="0"/>
@@ -5702,13 +5902,6 @@
       </p:transition>
     </mc:Fallback>
   </mc:AlternateContent>
-  <p:timing>
-    <p:tnLst>
-      <p:par>
-        <p:cTn id="1" dur="indefinite" restart="never" nodeType="tmRoot"/>
-      </p:par>
-    </p:tnLst>
-  </p:timing>
 </p:sld>
 </file>
 
@@ -5740,7 +5933,7 @@
           </p:nvPr>
         </p:nvPicPr>
         <p:blipFill>
-          <a:blip r:embed="rId2">
+          <a:blip r:embed="rId3">
             <a:extLst>
               <a:ext uri="{28A0092B-C50C-407E-A947-70E740481C1C}">
                 <a14:useLocalDpi xmlns:a14="http://schemas.microsoft.com/office/drawing/2010/main" val="0"/>
@@ -5771,13 +5964,6 @@
   <p:transition spd="med">
     <p:pull/>
   </p:transition>
-  <p:timing>
-    <p:tnLst>
-      <p:par>
-        <p:cTn id="1" dur="indefinite" restart="never" nodeType="tmRoot"/>
-      </p:par>
-    </p:tnLst>
-  </p:timing>
 </p:sld>
 </file>
 
@@ -5849,13 +6035,6 @@
       </p:transition>
     </mc:Fallback>
   </mc:AlternateContent>
-  <p:timing>
-    <p:tnLst>
-      <p:par>
-        <p:cTn id="1" dur="indefinite" restart="never" nodeType="tmRoot"/>
-      </p:par>
-    </p:tnLst>
-  </p:timing>
 </p:sld>
 </file>
 
@@ -5946,13 +6125,6 @@
       </p:transition>
     </mc:Fallback>
   </mc:AlternateContent>
-  <p:timing>
-    <p:tnLst>
-      <p:par>
-        <p:cTn id="1" dur="indefinite" restart="never" nodeType="tmRoot"/>
-      </p:par>
-    </p:tnLst>
-  </p:timing>
 </p:sld>
 </file>
 
@@ -6000,13 +6172,6 @@
   <p:transition spd="slow">
     <p:randomBar dir="vert"/>
   </p:transition>
-  <p:timing>
-    <p:tnLst>
-      <p:par>
-        <p:cTn id="1" dur="indefinite" restart="never" nodeType="tmRoot"/>
-      </p:par>
-    </p:tnLst>
-  </p:timing>
 </p:sld>
 </file>
 
@@ -6269,4 +6434,299 @@
     </a:ext>
   </a:extLst>
 </a:theme>
+</file>
+
+<file path=ppt/theme/theme2.xml><?xml version="1.0" encoding="utf-8"?>
+<a:theme xmlns:a="http://schemas.openxmlformats.org/drawingml/2006/main" name="Office Theme">
+  <a:themeElements>
+    <a:clrScheme name="Office">
+      <a:dk1>
+        <a:sysClr val="windowText" lastClr="000000"/>
+      </a:dk1>
+      <a:lt1>
+        <a:sysClr val="window" lastClr="FFFFFF"/>
+      </a:lt1>
+      <a:dk2>
+        <a:srgbClr val="44546A"/>
+      </a:dk2>
+      <a:lt2>
+        <a:srgbClr val="E7E6E6"/>
+      </a:lt2>
+      <a:accent1>
+        <a:srgbClr val="4472C4"/>
+      </a:accent1>
+      <a:accent2>
+        <a:srgbClr val="ED7D31"/>
+      </a:accent2>
+      <a:accent3>
+        <a:srgbClr val="A5A5A5"/>
+      </a:accent3>
+      <a:accent4>
+        <a:srgbClr val="FFC000"/>
+      </a:accent4>
+      <a:accent5>
+        <a:srgbClr val="5B9BD5"/>
+      </a:accent5>
+      <a:accent6>
+        <a:srgbClr val="70AD47"/>
+      </a:accent6>
+      <a:hlink>
+        <a:srgbClr val="0563C1"/>
+      </a:hlink>
+      <a:folHlink>
+        <a:srgbClr val="954F72"/>
+      </a:folHlink>
+    </a:clrScheme>
+    <a:fontScheme name="Office">
+      <a:majorFont>
+        <a:latin typeface="Calibri Light" panose="020F0302020204030204"/>
+        <a:ea typeface=""/>
+        <a:cs typeface=""/>
+        <a:font script="Jpan" typeface="游ゴシック Light"/>
+        <a:font script="Hang" typeface="맑은 고딕"/>
+        <a:font script="Hans" typeface="等线 Light"/>
+        <a:font script="Hant" typeface="新細明體"/>
+        <a:font script="Arab" typeface="Times New Roman"/>
+        <a:font script="Hebr" typeface="Times New Roman"/>
+        <a:font script="Thai" typeface="Angsana New"/>
+        <a:font script="Ethi" typeface="Nyala"/>
+        <a:font script="Beng" typeface="Vrinda"/>
+        <a:font script="Gujr" typeface="Shruti"/>
+        <a:font script="Khmr" typeface="MoolBoran"/>
+        <a:font script="Knda" typeface="Tunga"/>
+        <a:font script="Guru" typeface="Raavi"/>
+        <a:font script="Cans" typeface="Euphemia"/>
+        <a:font script="Cher" typeface="Plantagenet Cherokee"/>
+        <a:font script="Yiii" typeface="Microsoft Yi Baiti"/>
+        <a:font script="Tibt" typeface="Microsoft Himalaya"/>
+        <a:font script="Thaa" typeface="MV Boli"/>
+        <a:font script="Deva" typeface="Mangal"/>
+        <a:font script="Telu" typeface="Gautami"/>
+        <a:font script="Taml" typeface="Latha"/>
+        <a:font script="Syrc" typeface="Estrangelo Edessa"/>
+        <a:font script="Orya" typeface="Kalinga"/>
+        <a:font script="Mlym" typeface="Kartika"/>
+        <a:font script="Laoo" typeface="DokChampa"/>
+        <a:font script="Sinh" typeface="Iskoola Pota"/>
+        <a:font script="Mong" typeface="Mongolian Baiti"/>
+        <a:font script="Viet" typeface="Times New Roman"/>
+        <a:font script="Uigh" typeface="Microsoft Uighur"/>
+        <a:font script="Geor" typeface="Sylfaen"/>
+        <a:font script="Armn" typeface="Arial"/>
+        <a:font script="Bugi" typeface="Leelawadee UI"/>
+        <a:font script="Bopo" typeface="Microsoft JhengHei"/>
+        <a:font script="Java" typeface="Javanese Text"/>
+        <a:font script="Lisu" typeface="Segoe UI"/>
+        <a:font script="Mymr" typeface="Myanmar Text"/>
+        <a:font script="Nkoo" typeface="Ebrima"/>
+        <a:font script="Olck" typeface="Nirmala UI"/>
+        <a:font script="Osma" typeface="Ebrima"/>
+        <a:font script="Phag" typeface="Phagspa"/>
+        <a:font script="Syrn" typeface="Estrangelo Edessa"/>
+        <a:font script="Syrj" typeface="Estrangelo Edessa"/>
+        <a:font script="Syre" typeface="Estrangelo Edessa"/>
+        <a:font script="Sora" typeface="Nirmala UI"/>
+        <a:font script="Tale" typeface="Microsoft Tai Le"/>
+        <a:font script="Talu" typeface="Microsoft New Tai Lue"/>
+        <a:font script="Tfng" typeface="Ebrima"/>
+      </a:majorFont>
+      <a:minorFont>
+        <a:latin typeface="Calibri" panose="020F0502020204030204"/>
+        <a:ea typeface=""/>
+        <a:cs typeface=""/>
+        <a:font script="Jpan" typeface="游ゴシック"/>
+        <a:font script="Hang" typeface="맑은 고딕"/>
+        <a:font script="Hans" typeface="等线"/>
+        <a:font script="Hant" typeface="新細明體"/>
+        <a:font script="Arab" typeface="Arial"/>
+        <a:font script="Hebr" typeface="Arial"/>
+        <a:font script="Thai" typeface="Cordia New"/>
+        <a:font script="Ethi" typeface="Nyala"/>
+        <a:font script="Beng" typeface="Vrinda"/>
+        <a:font script="Gujr" typeface="Shruti"/>
+        <a:font script="Khmr" typeface="DaunPenh"/>
+        <a:font script="Knda" typeface="Tunga"/>
+        <a:font script="Guru" typeface="Raavi"/>
+        <a:font script="Cans" typeface="Euphemia"/>
+        <a:font script="Cher" typeface="Plantagenet Cherokee"/>
+        <a:font script="Yiii" typeface="Microsoft Yi Baiti"/>
+        <a:font script="Tibt" typeface="Microsoft Himalaya"/>
+        <a:font script="Thaa" typeface="MV Boli"/>
+        <a:font script="Deva" typeface="Mangal"/>
+        <a:font script="Telu" typeface="Gautami"/>
+        <a:font script="Taml" typeface="Latha"/>
+        <a:font script="Syrc" typeface="Estrangelo Edessa"/>
+        <a:font script="Orya" typeface="Kalinga"/>
+        <a:font script="Mlym" typeface="Kartika"/>
+        <a:font script="Laoo" typeface="DokChampa"/>
+        <a:font script="Sinh" typeface="Iskoola Pota"/>
+        <a:font script="Mong" typeface="Mongolian Baiti"/>
+        <a:font script="Viet" typeface="Arial"/>
+        <a:font script="Uigh" typeface="Microsoft Uighur"/>
+        <a:font script="Geor" typeface="Sylfaen"/>
+        <a:font script="Armn" typeface="Arial"/>
+        <a:font script="Bugi" typeface="Leelawadee UI"/>
+        <a:font script="Bopo" typeface="Microsoft JhengHei"/>
+        <a:font script="Java" typeface="Javanese Text"/>
+        <a:font script="Lisu" typeface="Segoe UI"/>
+        <a:font script="Mymr" typeface="Myanmar Text"/>
+        <a:font script="Nkoo" typeface="Ebrima"/>
+        <a:font script="Olck" typeface="Nirmala UI"/>
+        <a:font script="Osma" typeface="Ebrima"/>
+        <a:font script="Phag" typeface="Phagspa"/>
+        <a:font script="Syrn" typeface="Estrangelo Edessa"/>
+        <a:font script="Syrj" typeface="Estrangelo Edessa"/>
+        <a:font script="Syre" typeface="Estrangelo Edessa"/>
+        <a:font script="Sora" typeface="Nirmala UI"/>
+        <a:font script="Tale" typeface="Microsoft Tai Le"/>
+        <a:font script="Talu" typeface="Microsoft New Tai Lue"/>
+        <a:font script="Tfng" typeface="Ebrima"/>
+      </a:minorFont>
+    </a:fontScheme>
+    <a:fmtScheme name="Office">
+      <a:fillStyleLst>
+        <a:solidFill>
+          <a:schemeClr val="phClr"/>
+        </a:solidFill>
+        <a:gradFill rotWithShape="1">
+          <a:gsLst>
+            <a:gs pos="0">
+              <a:schemeClr val="phClr">
+                <a:lumMod val="110000"/>
+                <a:satMod val="105000"/>
+                <a:tint val="67000"/>
+              </a:schemeClr>
+            </a:gs>
+            <a:gs pos="50000">
+              <a:schemeClr val="phClr">
+                <a:lumMod val="105000"/>
+                <a:satMod val="103000"/>
+                <a:tint val="73000"/>
+              </a:schemeClr>
+            </a:gs>
+            <a:gs pos="100000">
+              <a:schemeClr val="phClr">
+                <a:lumMod val="105000"/>
+                <a:satMod val="109000"/>
+                <a:tint val="81000"/>
+              </a:schemeClr>
+            </a:gs>
+          </a:gsLst>
+          <a:lin ang="5400000" scaled="0"/>
+        </a:gradFill>
+        <a:gradFill rotWithShape="1">
+          <a:gsLst>
+            <a:gs pos="0">
+              <a:schemeClr val="phClr">
+                <a:satMod val="103000"/>
+                <a:lumMod val="102000"/>
+                <a:tint val="94000"/>
+              </a:schemeClr>
+            </a:gs>
+            <a:gs pos="50000">
+              <a:schemeClr val="phClr">
+                <a:satMod val="110000"/>
+                <a:lumMod val="100000"/>
+                <a:shade val="100000"/>
+              </a:schemeClr>
+            </a:gs>
+            <a:gs pos="100000">
+              <a:schemeClr val="phClr">
+                <a:lumMod val="99000"/>
+                <a:satMod val="120000"/>
+                <a:shade val="78000"/>
+              </a:schemeClr>
+            </a:gs>
+          </a:gsLst>
+          <a:lin ang="5400000" scaled="0"/>
+        </a:gradFill>
+      </a:fillStyleLst>
+      <a:lnStyleLst>
+        <a:ln w="6350" cap="flat" cmpd="sng" algn="ctr">
+          <a:solidFill>
+            <a:schemeClr val="phClr"/>
+          </a:solidFill>
+          <a:prstDash val="solid"/>
+          <a:miter lim="800000"/>
+        </a:ln>
+        <a:ln w="12700" cap="flat" cmpd="sng" algn="ctr">
+          <a:solidFill>
+            <a:schemeClr val="phClr"/>
+          </a:solidFill>
+          <a:prstDash val="solid"/>
+          <a:miter lim="800000"/>
+        </a:ln>
+        <a:ln w="19050" cap="flat" cmpd="sng" algn="ctr">
+          <a:solidFill>
+            <a:schemeClr val="phClr"/>
+          </a:solidFill>
+          <a:prstDash val="solid"/>
+          <a:miter lim="800000"/>
+        </a:ln>
+      </a:lnStyleLst>
+      <a:effectStyleLst>
+        <a:effectStyle>
+          <a:effectLst/>
+        </a:effectStyle>
+        <a:effectStyle>
+          <a:effectLst/>
+        </a:effectStyle>
+        <a:effectStyle>
+          <a:effectLst>
+            <a:outerShdw blurRad="57150" dist="19050" dir="5400000" algn="ctr" rotWithShape="0">
+              <a:srgbClr val="000000">
+                <a:alpha val="63000"/>
+              </a:srgbClr>
+            </a:outerShdw>
+          </a:effectLst>
+        </a:effectStyle>
+      </a:effectStyleLst>
+      <a:bgFillStyleLst>
+        <a:solidFill>
+          <a:schemeClr val="phClr"/>
+        </a:solidFill>
+        <a:solidFill>
+          <a:schemeClr val="phClr">
+            <a:tint val="95000"/>
+            <a:satMod val="170000"/>
+          </a:schemeClr>
+        </a:solidFill>
+        <a:gradFill rotWithShape="1">
+          <a:gsLst>
+            <a:gs pos="0">
+              <a:schemeClr val="phClr">
+                <a:tint val="93000"/>
+                <a:satMod val="150000"/>
+                <a:shade val="98000"/>
+                <a:lumMod val="102000"/>
+              </a:schemeClr>
+            </a:gs>
+            <a:gs pos="50000">
+              <a:schemeClr val="phClr">
+                <a:tint val="98000"/>
+                <a:satMod val="130000"/>
+                <a:shade val="90000"/>
+                <a:lumMod val="103000"/>
+              </a:schemeClr>
+            </a:gs>
+            <a:gs pos="100000">
+              <a:schemeClr val="phClr">
+                <a:shade val="63000"/>
+                <a:satMod val="120000"/>
+              </a:schemeClr>
+            </a:gs>
+          </a:gsLst>
+          <a:lin ang="5400000" scaled="0"/>
+        </a:gradFill>
+      </a:bgFillStyleLst>
+    </a:fmtScheme>
+  </a:themeElements>
+  <a:objectDefaults/>
+  <a:extraClrSchemeLst/>
+  <a:extLst>
+    <a:ext uri="{05A4C25C-085E-4340-85A3-A5531E510DB2}">
+      <thm15:themeFamily xmlns:thm15="http://schemas.microsoft.com/office/thememl/2012/main" name="Office Theme" id="{62F939B6-93AF-4DB8-9C6B-D6C7DFDC589F}" vid="{4A3C46E8-61CC-4603-A589-7422A47A8E4A}"/>
+    </a:ext>
+  </a:extLst>
+</a:theme>
 </file>